--- a/presentation2.pptx
+++ b/presentation2.pptx
@@ -203,7 +203,7 @@
           <a:p>
             <a:fld id="{0BD4292D-70F1-4911-B5E6-81228F1C9044}" type="datetimeFigureOut">
               <a:rPr lang="en-US" smtClean="0"/>
-              <a:t>07-May-21</a:t>
+              <a:t>24-May-21</a:t>
             </a:fld>
             <a:endParaRPr lang="en-US"/>
           </a:p>
@@ -520,7 +520,7 @@
           <a:noFill/>
           <a:extLst>
             <a:ext uri="{909E8E84-426E-40dd-AFC4-6F175D3DCCD1}">
-              <a14:hiddenFill xmlns="" xmlns:a14="http://schemas.microsoft.com/office/drawing/2010/main">
+              <a14:hiddenFill xmlns:a14="http://schemas.microsoft.com/office/drawing/2010/main" xmlns="">
                 <a:solidFill>
                   <a:srgbClr val="FFFFFF"/>
                 </a:solidFill>
@@ -580,7 +580,7 @@
             </a:ln>
             <a:extLst>
               <a:ext uri="{91240B29-F687-4f45-9708-019B960494DF}">
-                <a14:hiddenLine xmlns="" xmlns:a14="http://schemas.microsoft.com/office/drawing/2010/main" w="9525">
+                <a14:hiddenLine xmlns:a14="http://schemas.microsoft.com/office/drawing/2010/main" xmlns="" w="9525">
                   <a:solidFill>
                     <a:srgbClr val="000000"/>
                   </a:solidFill>
@@ -670,7 +670,7 @@
             </a:ln>
             <a:extLst>
               <a:ext uri="{91240B29-F687-4f45-9708-019B960494DF}">
-                <a14:hiddenLine xmlns="" xmlns:a14="http://schemas.microsoft.com/office/drawing/2010/main" w="9525">
+                <a14:hiddenLine xmlns:a14="http://schemas.microsoft.com/office/drawing/2010/main" xmlns="" w="9525">
                   <a:solidFill>
                     <a:srgbClr val="000000"/>
                   </a:solidFill>
@@ -760,7 +760,7 @@
             </a:ln>
             <a:extLst>
               <a:ext uri="{91240B29-F687-4f45-9708-019B960494DF}">
-                <a14:hiddenLine xmlns="" xmlns:a14="http://schemas.microsoft.com/office/drawing/2010/main" w="9525">
+                <a14:hiddenLine xmlns:a14="http://schemas.microsoft.com/office/drawing/2010/main" xmlns="" w="9525">
                   <a:solidFill>
                     <a:srgbClr val="000000"/>
                   </a:solidFill>
@@ -794,7 +794,7 @@
             </a:ln>
             <a:extLst>
               <a:ext uri="{91240B29-F687-4f45-9708-019B960494DF}">
-                <a14:hiddenLine xmlns="" xmlns:a14="http://schemas.microsoft.com/office/drawing/2010/main" w="9525">
+                <a14:hiddenLine xmlns:a14="http://schemas.microsoft.com/office/drawing/2010/main" xmlns="" w="9525">
                   <a:solidFill>
                     <a:srgbClr val="000000"/>
                   </a:solidFill>
@@ -884,7 +884,7 @@
             </a:ln>
             <a:extLst>
               <a:ext uri="{91240B29-F687-4f45-9708-019B960494DF}">
-                <a14:hiddenLine xmlns="" xmlns:a14="http://schemas.microsoft.com/office/drawing/2010/main" w="9525">
+                <a14:hiddenLine xmlns:a14="http://schemas.microsoft.com/office/drawing/2010/main" xmlns="" w="9525">
                   <a:solidFill>
                     <a:srgbClr val="000000"/>
                   </a:solidFill>
@@ -946,7 +946,7 @@
             </a:ln>
             <a:extLst>
               <a:ext uri="{91240B29-F687-4f45-9708-019B960494DF}">
-                <a14:hiddenLine xmlns="" xmlns:a14="http://schemas.microsoft.com/office/drawing/2010/main" w="9525">
+                <a14:hiddenLine xmlns:a14="http://schemas.microsoft.com/office/drawing/2010/main" xmlns="" w="9525">
                   <a:solidFill>
                     <a:srgbClr val="000000"/>
                   </a:solidFill>
@@ -1008,7 +1008,7 @@
             </a:ln>
             <a:extLst>
               <a:ext uri="{91240B29-F687-4f45-9708-019B960494DF}">
-                <a14:hiddenLine xmlns="" xmlns:a14="http://schemas.microsoft.com/office/drawing/2010/main" w="9525">
+                <a14:hiddenLine xmlns:a14="http://schemas.microsoft.com/office/drawing/2010/main" xmlns="" w="9525">
                   <a:solidFill>
                     <a:srgbClr val="000000"/>
                   </a:solidFill>
@@ -1098,7 +1098,7 @@
             </a:ln>
             <a:extLst>
               <a:ext uri="{91240B29-F687-4f45-9708-019B960494DF}">
-                <a14:hiddenLine xmlns="" xmlns:a14="http://schemas.microsoft.com/office/drawing/2010/main" w="9525">
+                <a14:hiddenLine xmlns:a14="http://schemas.microsoft.com/office/drawing/2010/main" xmlns="" w="9525">
                   <a:solidFill>
                     <a:srgbClr val="000000"/>
                   </a:solidFill>
@@ -1160,7 +1160,7 @@
             </a:ln>
             <a:extLst>
               <a:ext uri="{91240B29-F687-4f45-9708-019B960494DF}">
-                <a14:hiddenLine xmlns="" xmlns:a14="http://schemas.microsoft.com/office/drawing/2010/main" w="9525">
+                <a14:hiddenLine xmlns:a14="http://schemas.microsoft.com/office/drawing/2010/main" xmlns="" w="9525">
                   <a:solidFill>
                     <a:srgbClr val="000000"/>
                   </a:solidFill>
@@ -1222,7 +1222,7 @@
             </a:ln>
             <a:extLst>
               <a:ext uri="{91240B29-F687-4f45-9708-019B960494DF}">
-                <a14:hiddenLine xmlns="" xmlns:a14="http://schemas.microsoft.com/office/drawing/2010/main" w="9525">
+                <a14:hiddenLine xmlns:a14="http://schemas.microsoft.com/office/drawing/2010/main" xmlns="" w="9525">
                   <a:solidFill>
                     <a:srgbClr val="000000"/>
                   </a:solidFill>
@@ -1312,7 +1312,7 @@
             </a:ln>
             <a:extLst>
               <a:ext uri="{91240B29-F687-4f45-9708-019B960494DF}">
-                <a14:hiddenLine xmlns="" xmlns:a14="http://schemas.microsoft.com/office/drawing/2010/main" w="9525">
+                <a14:hiddenLine xmlns:a14="http://schemas.microsoft.com/office/drawing/2010/main" xmlns="" w="9525">
                   <a:solidFill>
                     <a:srgbClr val="000000"/>
                   </a:solidFill>
@@ -1402,7 +1402,7 @@
             </a:ln>
             <a:extLst>
               <a:ext uri="{91240B29-F687-4f45-9708-019B960494DF}">
-                <a14:hiddenLine xmlns="" xmlns:a14="http://schemas.microsoft.com/office/drawing/2010/main" w="9525">
+                <a14:hiddenLine xmlns:a14="http://schemas.microsoft.com/office/drawing/2010/main" xmlns="" w="9525">
                   <a:solidFill>
                     <a:srgbClr val="000000"/>
                   </a:solidFill>
@@ -1464,7 +1464,7 @@
             </a:ln>
             <a:extLst>
               <a:ext uri="{91240B29-F687-4f45-9708-019B960494DF}">
-                <a14:hiddenLine xmlns="" xmlns:a14="http://schemas.microsoft.com/office/drawing/2010/main" w="9525">
+                <a14:hiddenLine xmlns:a14="http://schemas.microsoft.com/office/drawing/2010/main" xmlns="" w="9525">
                   <a:solidFill>
                     <a:srgbClr val="000000"/>
                   </a:solidFill>
@@ -1574,7 +1574,7 @@
             </a:ln>
             <a:extLst>
               <a:ext uri="{91240B29-F687-4f45-9708-019B960494DF}">
-                <a14:hiddenLine xmlns="" xmlns:a14="http://schemas.microsoft.com/office/drawing/2010/main" w="9525">
+                <a14:hiddenLine xmlns:a14="http://schemas.microsoft.com/office/drawing/2010/main" xmlns="" w="9525">
                   <a:solidFill>
                     <a:srgbClr val="000000"/>
                   </a:solidFill>
@@ -1636,7 +1636,7 @@
             </a:ln>
             <a:extLst>
               <a:ext uri="{91240B29-F687-4f45-9708-019B960494DF}">
-                <a14:hiddenLine xmlns="" xmlns:a14="http://schemas.microsoft.com/office/drawing/2010/main" w="9525">
+                <a14:hiddenLine xmlns:a14="http://schemas.microsoft.com/office/drawing/2010/main" xmlns="" w="9525">
                   <a:solidFill>
                     <a:srgbClr val="000000"/>
                   </a:solidFill>
@@ -1726,7 +1726,7 @@
             </a:ln>
             <a:extLst>
               <a:ext uri="{91240B29-F687-4f45-9708-019B960494DF}">
-                <a14:hiddenLine xmlns="" xmlns:a14="http://schemas.microsoft.com/office/drawing/2010/main" w="9525">
+                <a14:hiddenLine xmlns:a14="http://schemas.microsoft.com/office/drawing/2010/main" xmlns="" w="9525">
                   <a:solidFill>
                     <a:srgbClr val="000000"/>
                   </a:solidFill>
@@ -1816,7 +1816,7 @@
             </a:ln>
             <a:extLst>
               <a:ext uri="{91240B29-F687-4f45-9708-019B960494DF}">
-                <a14:hiddenLine xmlns="" xmlns:a14="http://schemas.microsoft.com/office/drawing/2010/main" w="9525">
+                <a14:hiddenLine xmlns:a14="http://schemas.microsoft.com/office/drawing/2010/main" xmlns="" w="9525">
                   <a:solidFill>
                     <a:srgbClr val="000000"/>
                   </a:solidFill>
@@ -1878,7 +1878,7 @@
             </a:ln>
             <a:extLst>
               <a:ext uri="{91240B29-F687-4f45-9708-019B960494DF}">
-                <a14:hiddenLine xmlns="" xmlns:a14="http://schemas.microsoft.com/office/drawing/2010/main" w="9525">
+                <a14:hiddenLine xmlns:a14="http://schemas.microsoft.com/office/drawing/2010/main" xmlns="" w="9525">
                   <a:solidFill>
                     <a:srgbClr val="000000"/>
                   </a:solidFill>
@@ -1968,7 +1968,7 @@
             </a:ln>
             <a:extLst>
               <a:ext uri="{91240B29-F687-4f45-9708-019B960494DF}">
-                <a14:hiddenLine xmlns="" xmlns:a14="http://schemas.microsoft.com/office/drawing/2010/main" w="9525">
+                <a14:hiddenLine xmlns:a14="http://schemas.microsoft.com/office/drawing/2010/main" xmlns="" w="9525">
                   <a:solidFill>
                     <a:srgbClr val="000000"/>
                   </a:solidFill>
@@ -2058,7 +2058,7 @@
             </a:ln>
             <a:extLst>
               <a:ext uri="{91240B29-F687-4f45-9708-019B960494DF}">
-                <a14:hiddenLine xmlns="" xmlns:a14="http://schemas.microsoft.com/office/drawing/2010/main" w="9525">
+                <a14:hiddenLine xmlns:a14="http://schemas.microsoft.com/office/drawing/2010/main" xmlns="" w="9525">
                   <a:solidFill>
                     <a:srgbClr val="000000"/>
                   </a:solidFill>
@@ -2114,7 +2114,7 @@
             </a:ln>
             <a:extLst>
               <a:ext uri="{91240B29-F687-4f45-9708-019B960494DF}">
-                <a14:hiddenLine xmlns="" xmlns:a14="http://schemas.microsoft.com/office/drawing/2010/main" w="9525">
+                <a14:hiddenLine xmlns:a14="http://schemas.microsoft.com/office/drawing/2010/main" xmlns="" w="9525">
                   <a:solidFill>
                     <a:srgbClr val="000000"/>
                   </a:solidFill>
@@ -2204,7 +2204,7 @@
             </a:ln>
             <a:extLst>
               <a:ext uri="{91240B29-F687-4f45-9708-019B960494DF}">
-                <a14:hiddenLine xmlns="" xmlns:a14="http://schemas.microsoft.com/office/drawing/2010/main" w="9525">
+                <a14:hiddenLine xmlns:a14="http://schemas.microsoft.com/office/drawing/2010/main" xmlns="" w="9525">
                   <a:solidFill>
                     <a:srgbClr val="000000"/>
                   </a:solidFill>
@@ -2260,7 +2260,7 @@
             </a:ln>
             <a:extLst>
               <a:ext uri="{91240B29-F687-4f45-9708-019B960494DF}">
-                <a14:hiddenLine xmlns="" xmlns:a14="http://schemas.microsoft.com/office/drawing/2010/main" w="9525">
+                <a14:hiddenLine xmlns:a14="http://schemas.microsoft.com/office/drawing/2010/main" xmlns="" w="9525">
                   <a:solidFill>
                     <a:srgbClr val="000000"/>
                   </a:solidFill>
@@ -2350,7 +2350,7 @@
             </a:ln>
             <a:extLst>
               <a:ext uri="{91240B29-F687-4f45-9708-019B960494DF}">
-                <a14:hiddenLine xmlns="" xmlns:a14="http://schemas.microsoft.com/office/drawing/2010/main" w="9525">
+                <a14:hiddenLine xmlns:a14="http://schemas.microsoft.com/office/drawing/2010/main" xmlns="" w="9525">
                   <a:solidFill>
                     <a:srgbClr val="000000"/>
                   </a:solidFill>
@@ -2418,7 +2418,7 @@
             </a:ln>
             <a:extLst>
               <a:ext uri="{91240B29-F687-4f45-9708-019B960494DF}">
-                <a14:hiddenLine xmlns="" xmlns:a14="http://schemas.microsoft.com/office/drawing/2010/main" w="9525">
+                <a14:hiddenLine xmlns:a14="http://schemas.microsoft.com/office/drawing/2010/main" xmlns="" w="9525">
                   <a:solidFill>
                     <a:srgbClr val="000000"/>
                   </a:solidFill>
@@ -2508,7 +2508,7 @@
             </a:ln>
             <a:extLst>
               <a:ext uri="{91240B29-F687-4f45-9708-019B960494DF}">
-                <a14:hiddenLine xmlns="" xmlns:a14="http://schemas.microsoft.com/office/drawing/2010/main" w="9525">
+                <a14:hiddenLine xmlns:a14="http://schemas.microsoft.com/office/drawing/2010/main" xmlns="" w="9525">
                   <a:solidFill>
                     <a:srgbClr val="000000"/>
                   </a:solidFill>
@@ -2576,7 +2576,7 @@
             </a:ln>
             <a:extLst>
               <a:ext uri="{91240B29-F687-4f45-9708-019B960494DF}">
-                <a14:hiddenLine xmlns="" xmlns:a14="http://schemas.microsoft.com/office/drawing/2010/main" w="9525">
+                <a14:hiddenLine xmlns:a14="http://schemas.microsoft.com/office/drawing/2010/main" xmlns="" w="9525">
                   <a:solidFill>
                     <a:srgbClr val="000000"/>
                   </a:solidFill>
@@ -2666,7 +2666,7 @@
             </a:ln>
             <a:extLst>
               <a:ext uri="{91240B29-F687-4f45-9708-019B960494DF}">
-                <a14:hiddenLine xmlns="" xmlns:a14="http://schemas.microsoft.com/office/drawing/2010/main" w="9525">
+                <a14:hiddenLine xmlns:a14="http://schemas.microsoft.com/office/drawing/2010/main" xmlns="" w="9525">
                   <a:solidFill>
                     <a:srgbClr val="000000"/>
                   </a:solidFill>
@@ -2700,7 +2700,7 @@
             </a:ln>
             <a:extLst>
               <a:ext uri="{91240B29-F687-4f45-9708-019B960494DF}">
-                <a14:hiddenLine xmlns="" xmlns:a14="http://schemas.microsoft.com/office/drawing/2010/main" w="9525">
+                <a14:hiddenLine xmlns:a14="http://schemas.microsoft.com/office/drawing/2010/main" xmlns="" w="9525">
                   <a:solidFill>
                     <a:srgbClr val="000000"/>
                   </a:solidFill>
@@ -2790,7 +2790,7 @@
             </a:ln>
             <a:extLst>
               <a:ext uri="{91240B29-F687-4f45-9708-019B960494DF}">
-                <a14:hiddenLine xmlns="" xmlns:a14="http://schemas.microsoft.com/office/drawing/2010/main" w="9525">
+                <a14:hiddenLine xmlns:a14="http://schemas.microsoft.com/office/drawing/2010/main" xmlns="" w="9525">
                   <a:solidFill>
                     <a:srgbClr val="000000"/>
                   </a:solidFill>
@@ -2852,7 +2852,7 @@
             </a:ln>
             <a:extLst>
               <a:ext uri="{91240B29-F687-4f45-9708-019B960494DF}">
-                <a14:hiddenLine xmlns="" xmlns:a14="http://schemas.microsoft.com/office/drawing/2010/main" w="9525">
+                <a14:hiddenLine xmlns:a14="http://schemas.microsoft.com/office/drawing/2010/main" xmlns="" w="9525">
                   <a:solidFill>
                     <a:srgbClr val="000000"/>
                   </a:solidFill>
@@ -2914,7 +2914,7 @@
             </a:ln>
             <a:extLst>
               <a:ext uri="{91240B29-F687-4f45-9708-019B960494DF}">
-                <a14:hiddenLine xmlns="" xmlns:a14="http://schemas.microsoft.com/office/drawing/2010/main" w="9525">
+                <a14:hiddenLine xmlns:a14="http://schemas.microsoft.com/office/drawing/2010/main" xmlns="" w="9525">
                   <a:solidFill>
                     <a:srgbClr val="000000"/>
                   </a:solidFill>
@@ -3004,7 +3004,7 @@
             </a:ln>
             <a:extLst>
               <a:ext uri="{91240B29-F687-4f45-9708-019B960494DF}">
-                <a14:hiddenLine xmlns="" xmlns:a14="http://schemas.microsoft.com/office/drawing/2010/main" w="9525">
+                <a14:hiddenLine xmlns:a14="http://schemas.microsoft.com/office/drawing/2010/main" xmlns="" w="9525">
                   <a:solidFill>
                     <a:srgbClr val="000000"/>
                   </a:solidFill>
@@ -3072,7 +3072,7 @@
             </a:ln>
             <a:extLst>
               <a:ext uri="{91240B29-F687-4f45-9708-019B960494DF}">
-                <a14:hiddenLine xmlns="" xmlns:a14="http://schemas.microsoft.com/office/drawing/2010/main" w="9525">
+                <a14:hiddenLine xmlns:a14="http://schemas.microsoft.com/office/drawing/2010/main" xmlns="" w="9525">
                   <a:solidFill>
                     <a:srgbClr val="000000"/>
                   </a:solidFill>
@@ -3134,7 +3134,7 @@
             </a:ln>
             <a:extLst>
               <a:ext uri="{91240B29-F687-4f45-9708-019B960494DF}">
-                <a14:hiddenLine xmlns="" xmlns:a14="http://schemas.microsoft.com/office/drawing/2010/main" w="9525">
+                <a14:hiddenLine xmlns:a14="http://schemas.microsoft.com/office/drawing/2010/main" xmlns="" w="9525">
                   <a:solidFill>
                     <a:srgbClr val="000000"/>
                   </a:solidFill>
@@ -3224,7 +3224,7 @@
             </a:ln>
             <a:extLst>
               <a:ext uri="{91240B29-F687-4f45-9708-019B960494DF}">
-                <a14:hiddenLine xmlns="" xmlns:a14="http://schemas.microsoft.com/office/drawing/2010/main" w="9525">
+                <a14:hiddenLine xmlns:a14="http://schemas.microsoft.com/office/drawing/2010/main" xmlns="" w="9525">
                   <a:solidFill>
                     <a:srgbClr val="000000"/>
                   </a:solidFill>
@@ -3286,7 +3286,7 @@
             </a:ln>
             <a:extLst>
               <a:ext uri="{91240B29-F687-4f45-9708-019B960494DF}">
-                <a14:hiddenLine xmlns="" xmlns:a14="http://schemas.microsoft.com/office/drawing/2010/main" w="9525">
+                <a14:hiddenLine xmlns:a14="http://schemas.microsoft.com/office/drawing/2010/main" xmlns="" w="9525">
                   <a:solidFill>
                     <a:srgbClr val="000000"/>
                   </a:solidFill>
@@ -3376,7 +3376,7 @@
             </a:ln>
             <a:extLst>
               <a:ext uri="{91240B29-F687-4f45-9708-019B960494DF}">
-                <a14:hiddenLine xmlns="" xmlns:a14="http://schemas.microsoft.com/office/drawing/2010/main" w="9525">
+                <a14:hiddenLine xmlns:a14="http://schemas.microsoft.com/office/drawing/2010/main" xmlns="" w="9525">
                   <a:solidFill>
                     <a:srgbClr val="000000"/>
                   </a:solidFill>
@@ -3438,7 +3438,7 @@
             </a:ln>
             <a:extLst>
               <a:ext uri="{91240B29-F687-4f45-9708-019B960494DF}">
-                <a14:hiddenLine xmlns="" xmlns:a14="http://schemas.microsoft.com/office/drawing/2010/main" w="9525">
+                <a14:hiddenLine xmlns:a14="http://schemas.microsoft.com/office/drawing/2010/main" xmlns="" w="9525">
                   <a:solidFill>
                     <a:srgbClr val="000000"/>
                   </a:solidFill>
@@ -3528,7 +3528,7 @@
             </a:ln>
             <a:extLst>
               <a:ext uri="{91240B29-F687-4f45-9708-019B960494DF}">
-                <a14:hiddenLine xmlns="" xmlns:a14="http://schemas.microsoft.com/office/drawing/2010/main" w="9525">
+                <a14:hiddenLine xmlns:a14="http://schemas.microsoft.com/office/drawing/2010/main" xmlns="" w="9525">
                   <a:solidFill>
                     <a:srgbClr val="000000"/>
                   </a:solidFill>
@@ -3562,7 +3562,7 @@
             </a:ln>
             <a:extLst>
               <a:ext uri="{91240B29-F687-4f45-9708-019B960494DF}">
-                <a14:hiddenLine xmlns="" xmlns:a14="http://schemas.microsoft.com/office/drawing/2010/main" w="9525">
+                <a14:hiddenLine xmlns:a14="http://schemas.microsoft.com/office/drawing/2010/main" xmlns="" w="9525">
                   <a:solidFill>
                     <a:srgbClr val="000000"/>
                   </a:solidFill>
@@ -3627,7 +3627,7 @@
             </a:ln>
             <a:extLst>
               <a:ext uri="{91240B29-F687-4f45-9708-019B960494DF}">
-                <a14:hiddenLine xmlns="" xmlns:a14="http://schemas.microsoft.com/office/drawing/2010/main" w="9525">
+                <a14:hiddenLine xmlns:a14="http://schemas.microsoft.com/office/drawing/2010/main" xmlns="" w="9525">
                   <a:solidFill>
                     <a:srgbClr val="000000"/>
                   </a:solidFill>
@@ -3717,7 +3717,7 @@
             </a:ln>
             <a:extLst>
               <a:ext uri="{91240B29-F687-4f45-9708-019B960494DF}">
-                <a14:hiddenLine xmlns="" xmlns:a14="http://schemas.microsoft.com/office/drawing/2010/main" w="9525">
+                <a14:hiddenLine xmlns:a14="http://schemas.microsoft.com/office/drawing/2010/main" xmlns="" w="9525">
                   <a:solidFill>
                     <a:srgbClr val="000000"/>
                   </a:solidFill>
@@ -3779,7 +3779,7 @@
             </a:ln>
             <a:extLst>
               <a:ext uri="{91240B29-F687-4f45-9708-019B960494DF}">
-                <a14:hiddenLine xmlns="" xmlns:a14="http://schemas.microsoft.com/office/drawing/2010/main" w="9525">
+                <a14:hiddenLine xmlns:a14="http://schemas.microsoft.com/office/drawing/2010/main" xmlns="" w="9525">
                   <a:solidFill>
                     <a:srgbClr val="000000"/>
                   </a:solidFill>
@@ -3869,7 +3869,7 @@
             </a:ln>
             <a:extLst>
               <a:ext uri="{91240B29-F687-4f45-9708-019B960494DF}">
-                <a14:hiddenLine xmlns="" xmlns:a14="http://schemas.microsoft.com/office/drawing/2010/main" w="9525">
+                <a14:hiddenLine xmlns:a14="http://schemas.microsoft.com/office/drawing/2010/main" xmlns="" w="9525">
                   <a:solidFill>
                     <a:srgbClr val="000000"/>
                   </a:solidFill>
@@ -3959,7 +3959,7 @@
             </a:ln>
             <a:extLst>
               <a:ext uri="{91240B29-F687-4f45-9708-019B960494DF}">
-                <a14:hiddenLine xmlns="" xmlns:a14="http://schemas.microsoft.com/office/drawing/2010/main" w="9525">
+                <a14:hiddenLine xmlns:a14="http://schemas.microsoft.com/office/drawing/2010/main" xmlns="" w="9525">
                   <a:solidFill>
                     <a:srgbClr val="000000"/>
                   </a:solidFill>
@@ -4024,7 +4024,7 @@
             </a:ln>
             <a:extLst>
               <a:ext uri="{91240B29-F687-4f45-9708-019B960494DF}">
-                <a14:hiddenLine xmlns="" xmlns:a14="http://schemas.microsoft.com/office/drawing/2010/main" w="9525">
+                <a14:hiddenLine xmlns:a14="http://schemas.microsoft.com/office/drawing/2010/main" xmlns="" w="9525">
                   <a:solidFill>
                     <a:srgbClr val="000000"/>
                   </a:solidFill>
@@ -4086,7 +4086,7 @@
             </a:ln>
             <a:extLst>
               <a:ext uri="{91240B29-F687-4f45-9708-019B960494DF}">
-                <a14:hiddenLine xmlns="" xmlns:a14="http://schemas.microsoft.com/office/drawing/2010/main" w="9525">
+                <a14:hiddenLine xmlns:a14="http://schemas.microsoft.com/office/drawing/2010/main" xmlns="" w="9525">
                   <a:solidFill>
                     <a:srgbClr val="000000"/>
                   </a:solidFill>
@@ -4176,7 +4176,7 @@
             </a:ln>
             <a:extLst>
               <a:ext uri="{91240B29-F687-4f45-9708-019B960494DF}">
-                <a14:hiddenLine xmlns="" xmlns:a14="http://schemas.microsoft.com/office/drawing/2010/main" w="9525">
+                <a14:hiddenLine xmlns:a14="http://schemas.microsoft.com/office/drawing/2010/main" xmlns="" w="9525">
                   <a:solidFill>
                     <a:srgbClr val="000000"/>
                   </a:solidFill>
@@ -4266,7 +4266,7 @@
             </a:ln>
             <a:extLst>
               <a:ext uri="{91240B29-F687-4f45-9708-019B960494DF}">
-                <a14:hiddenLine xmlns="" xmlns:a14="http://schemas.microsoft.com/office/drawing/2010/main" w="9525">
+                <a14:hiddenLine xmlns:a14="http://schemas.microsoft.com/office/drawing/2010/main" xmlns="" w="9525">
                   <a:solidFill>
                     <a:srgbClr val="000000"/>
                   </a:solidFill>
@@ -4328,7 +4328,7 @@
             </a:ln>
             <a:extLst>
               <a:ext uri="{91240B29-F687-4f45-9708-019B960494DF}">
-                <a14:hiddenLine xmlns="" xmlns:a14="http://schemas.microsoft.com/office/drawing/2010/main" w="9525">
+                <a14:hiddenLine xmlns:a14="http://schemas.microsoft.com/office/drawing/2010/main" xmlns="" w="9525">
                   <a:solidFill>
                     <a:srgbClr val="000000"/>
                   </a:solidFill>
@@ -4448,7 +4448,7 @@
             </a:ln>
             <a:extLst>
               <a:ext uri="{91240B29-F687-4f45-9708-019B960494DF}">
-                <a14:hiddenLine xmlns="" xmlns:a14="http://schemas.microsoft.com/office/drawing/2010/main" w="9525">
+                <a14:hiddenLine xmlns:a14="http://schemas.microsoft.com/office/drawing/2010/main" xmlns="" w="9525">
                   <a:solidFill>
                     <a:srgbClr val="000000"/>
                   </a:solidFill>
@@ -4516,7 +4516,7 @@
             </a:ln>
             <a:extLst>
               <a:ext uri="{91240B29-F687-4f45-9708-019B960494DF}">
-                <a14:hiddenLine xmlns="" xmlns:a14="http://schemas.microsoft.com/office/drawing/2010/main" w="9525">
+                <a14:hiddenLine xmlns:a14="http://schemas.microsoft.com/office/drawing/2010/main" xmlns="" w="9525">
                   <a:solidFill>
                     <a:srgbClr val="000000"/>
                   </a:solidFill>
@@ -4606,7 +4606,7 @@
             </a:ln>
             <a:extLst>
               <a:ext uri="{91240B29-F687-4f45-9708-019B960494DF}">
-                <a14:hiddenLine xmlns="" xmlns:a14="http://schemas.microsoft.com/office/drawing/2010/main" w="9525">
+                <a14:hiddenLine xmlns:a14="http://schemas.microsoft.com/office/drawing/2010/main" xmlns="" w="9525">
                   <a:solidFill>
                     <a:srgbClr val="000000"/>
                   </a:solidFill>
@@ -4746,7 +4746,7 @@
           <a:p>
             <a:fld id="{94B7BBFF-2B5D-40CC-AEF1-1D5C7602A7F1}" type="datetime1">
               <a:rPr lang="en-US" smtClean="0"/>
-              <a:t>07-May-21</a:t>
+              <a:t>24-May-21</a:t>
             </a:fld>
             <a:endParaRPr lang="en-US"/>
           </a:p>
@@ -5013,7 +5013,7 @@
           <a:p>
             <a:fld id="{B81A0966-22B2-4DDE-9915-9619969F4798}" type="datetime1">
               <a:rPr lang="en-US" smtClean="0"/>
-              <a:t>07-May-21</a:t>
+              <a:t>24-May-21</a:t>
             </a:fld>
             <a:endParaRPr lang="en-US"/>
           </a:p>
@@ -5209,7 +5209,7 @@
           <a:p>
             <a:fld id="{D7147E02-5CDE-49B3-9B69-30AE680BB017}" type="datetime1">
               <a:rPr lang="en-US" smtClean="0"/>
-              <a:t>07-May-21</a:t>
+              <a:t>24-May-21</a:t>
             </a:fld>
             <a:endParaRPr lang="en-US"/>
           </a:p>
@@ -5472,7 +5472,7 @@
           <a:p>
             <a:fld id="{F255F937-C4BF-4646-85FD-EA85595F0215}" type="datetime1">
               <a:rPr lang="en-US" smtClean="0"/>
-              <a:t>07-May-21</a:t>
+              <a:t>24-May-21</a:t>
             </a:fld>
             <a:endParaRPr lang="en-US"/>
           </a:p>
@@ -5907,7 +5907,7 @@
           <a:p>
             <a:fld id="{F255F937-C4BF-4646-85FD-EA85595F0215}" type="datetime1">
               <a:rPr lang="en-US" smtClean="0"/>
-              <a:t>07-May-21</a:t>
+              <a:t>24-May-21</a:t>
             </a:fld>
             <a:endParaRPr lang="en-US"/>
           </a:p>
@@ -6454,7 +6454,7 @@
           <a:p>
             <a:fld id="{2D203A81-F27B-4DF7-A8C0-B92011905C4F}" type="datetime1">
               <a:rPr lang="en-US" smtClean="0"/>
-              <a:t>07-May-21</a:t>
+              <a:t>24-May-21</a:t>
             </a:fld>
             <a:endParaRPr lang="en-US"/>
           </a:p>
@@ -7174,7 +7174,7 @@
           <a:p>
             <a:fld id="{C2379A67-6B77-4B3A-BADC-B915255B4901}" type="datetime1">
               <a:rPr lang="en-US" smtClean="0"/>
-              <a:t>07-May-21</a:t>
+              <a:t>24-May-21</a:t>
             </a:fld>
             <a:endParaRPr lang="en-US"/>
           </a:p>
@@ -7344,7 +7344,7 @@
           <a:p>
             <a:fld id="{87556FDF-C7BD-45F2-9656-EC0D9F8F9C0F}" type="datetime1">
               <a:rPr lang="en-US" smtClean="0"/>
-              <a:t>07-May-21</a:t>
+              <a:t>24-May-21</a:t>
             </a:fld>
             <a:endParaRPr lang="en-US"/>
           </a:p>
@@ -7524,7 +7524,7 @@
           <a:p>
             <a:fld id="{8AB8B8E1-5234-4E0C-8641-2B688982659E}" type="datetime1">
               <a:rPr lang="en-US" smtClean="0"/>
-              <a:t>07-May-21</a:t>
+              <a:t>24-May-21</a:t>
             </a:fld>
             <a:endParaRPr lang="en-US"/>
           </a:p>
@@ -7694,7 +7694,7 @@
           <a:p>
             <a:fld id="{43E427B2-C8F0-4BCE-B908-5B83552ABE08}" type="datetime1">
               <a:rPr lang="en-US" smtClean="0"/>
-              <a:t>07-May-21</a:t>
+              <a:t>24-May-21</a:t>
             </a:fld>
             <a:endParaRPr lang="en-US"/>
           </a:p>
@@ -7944,7 +7944,7 @@
           <a:p>
             <a:fld id="{56B454AA-6F4B-4BFF-9138-87152AEAAEAA}" type="datetime1">
               <a:rPr lang="en-US" smtClean="0"/>
-              <a:t>07-May-21</a:t>
+              <a:t>24-May-21</a:t>
             </a:fld>
             <a:endParaRPr lang="en-US"/>
           </a:p>
@@ -8176,7 +8176,7 @@
           <a:p>
             <a:fld id="{D07E30B7-6A6E-496E-A7DB-3C37A3420B17}" type="datetime1">
               <a:rPr lang="en-US" smtClean="0"/>
-              <a:t>07-May-21</a:t>
+              <a:t>24-May-21</a:t>
             </a:fld>
             <a:endParaRPr lang="en-US"/>
           </a:p>
@@ -8557,7 +8557,7 @@
           <a:p>
             <a:fld id="{7E031FD9-ED28-425C-B77A-2FB9B928027F}" type="datetime1">
               <a:rPr lang="en-US" smtClean="0"/>
-              <a:t>07-May-21</a:t>
+              <a:t>24-May-21</a:t>
             </a:fld>
             <a:endParaRPr lang="en-US"/>
           </a:p>
@@ -8675,7 +8675,7 @@
           <a:p>
             <a:fld id="{69064CFD-7C34-46A9-BA21-32932BDB55EC}" type="datetime1">
               <a:rPr lang="en-US" smtClean="0"/>
-              <a:t>07-May-21</a:t>
+              <a:t>24-May-21</a:t>
             </a:fld>
             <a:endParaRPr lang="en-US"/>
           </a:p>
@@ -8770,7 +8770,7 @@
           <a:p>
             <a:fld id="{9BEF9F80-9910-4E7E-B5EA-267B61358004}" type="datetime1">
               <a:rPr lang="en-US" smtClean="0"/>
-              <a:t>07-May-21</a:t>
+              <a:t>24-May-21</a:t>
             </a:fld>
             <a:endParaRPr lang="en-US"/>
           </a:p>
@@ -9019,7 +9019,7 @@
           <a:p>
             <a:fld id="{58FAF9B9-3EFD-46B9-AB8A-3106A8C69133}" type="datetime1">
               <a:rPr lang="en-US" smtClean="0"/>
-              <a:t>07-May-21</a:t>
+              <a:t>24-May-21</a:t>
             </a:fld>
             <a:endParaRPr lang="en-US"/>
           </a:p>
@@ -9299,7 +9299,7 @@
           <a:p>
             <a:fld id="{7724797B-141A-4FD8-935C-CB6B2F320804}" type="datetime1">
               <a:rPr lang="en-US" smtClean="0"/>
-              <a:t>07-May-21</a:t>
+              <a:t>24-May-21</a:t>
             </a:fld>
             <a:endParaRPr lang="en-US"/>
           </a:p>
@@ -9415,7 +9415,7 @@
           <a:noFill/>
           <a:extLst>
             <a:ext uri="{909E8E84-426E-40dd-AFC4-6F175D3DCCD1}">
-              <a14:hiddenFill xmlns="" xmlns:a14="http://schemas.microsoft.com/office/drawing/2010/main">
+              <a14:hiddenFill xmlns:a14="http://schemas.microsoft.com/office/drawing/2010/main" xmlns="">
                 <a:solidFill>
                   <a:srgbClr val="FFFFFF"/>
                 </a:solidFill>
@@ -9489,7 +9489,7 @@
               </a:ln>
               <a:extLst>
                 <a:ext uri="{91240B29-F687-4f45-9708-019B960494DF}">
-                  <a14:hiddenLine xmlns="" xmlns:a14="http://schemas.microsoft.com/office/drawing/2010/main" w="9525">
+                  <a14:hiddenLine xmlns:a14="http://schemas.microsoft.com/office/drawing/2010/main" xmlns="" w="9525">
                     <a:solidFill>
                       <a:srgbClr val="000000"/>
                     </a:solidFill>
@@ -9579,7 +9579,7 @@
               </a:ln>
               <a:extLst>
                 <a:ext uri="{91240B29-F687-4f45-9708-019B960494DF}">
-                  <a14:hiddenLine xmlns="" xmlns:a14="http://schemas.microsoft.com/office/drawing/2010/main" w="9525">
+                  <a14:hiddenLine xmlns:a14="http://schemas.microsoft.com/office/drawing/2010/main" xmlns="" w="9525">
                     <a:solidFill>
                       <a:srgbClr val="000000"/>
                     </a:solidFill>
@@ -9669,7 +9669,7 @@
               </a:ln>
               <a:extLst>
                 <a:ext uri="{91240B29-F687-4f45-9708-019B960494DF}">
-                  <a14:hiddenLine xmlns="" xmlns:a14="http://schemas.microsoft.com/office/drawing/2010/main" w="9525">
+                  <a14:hiddenLine xmlns:a14="http://schemas.microsoft.com/office/drawing/2010/main" xmlns="" w="9525">
                     <a:solidFill>
                       <a:srgbClr val="000000"/>
                     </a:solidFill>
@@ -9731,7 +9731,7 @@
               </a:ln>
               <a:extLst>
                 <a:ext uri="{91240B29-F687-4f45-9708-019B960494DF}">
-                  <a14:hiddenLine xmlns="" xmlns:a14="http://schemas.microsoft.com/office/drawing/2010/main" w="9525">
+                  <a14:hiddenLine xmlns:a14="http://schemas.microsoft.com/office/drawing/2010/main" xmlns="" w="9525">
                     <a:solidFill>
                       <a:srgbClr val="000000"/>
                     </a:solidFill>
@@ -9821,7 +9821,7 @@
               </a:ln>
               <a:extLst>
                 <a:ext uri="{91240B29-F687-4f45-9708-019B960494DF}">
-                  <a14:hiddenLine xmlns="" xmlns:a14="http://schemas.microsoft.com/office/drawing/2010/main" w="9525">
+                  <a14:hiddenLine xmlns:a14="http://schemas.microsoft.com/office/drawing/2010/main" xmlns="" w="9525">
                     <a:solidFill>
                       <a:srgbClr val="000000"/>
                     </a:solidFill>
@@ -9883,7 +9883,7 @@
               </a:ln>
               <a:extLst>
                 <a:ext uri="{91240B29-F687-4f45-9708-019B960494DF}">
-                  <a14:hiddenLine xmlns="" xmlns:a14="http://schemas.microsoft.com/office/drawing/2010/main" w="9525">
+                  <a14:hiddenLine xmlns:a14="http://schemas.microsoft.com/office/drawing/2010/main" xmlns="" w="9525">
                     <a:solidFill>
                       <a:srgbClr val="000000"/>
                     </a:solidFill>
@@ -9945,7 +9945,7 @@
               </a:ln>
               <a:extLst>
                 <a:ext uri="{91240B29-F687-4f45-9708-019B960494DF}">
-                  <a14:hiddenLine xmlns="" xmlns:a14="http://schemas.microsoft.com/office/drawing/2010/main" w="9525">
+                  <a14:hiddenLine xmlns:a14="http://schemas.microsoft.com/office/drawing/2010/main" xmlns="" w="9525">
                     <a:solidFill>
                       <a:srgbClr val="000000"/>
                     </a:solidFill>
@@ -10035,7 +10035,7 @@
               </a:ln>
               <a:extLst>
                 <a:ext uri="{91240B29-F687-4f45-9708-019B960494DF}">
-                  <a14:hiddenLine xmlns="" xmlns:a14="http://schemas.microsoft.com/office/drawing/2010/main" w="9525">
+                  <a14:hiddenLine xmlns:a14="http://schemas.microsoft.com/office/drawing/2010/main" xmlns="" w="9525">
                     <a:solidFill>
                       <a:srgbClr val="000000"/>
                     </a:solidFill>
@@ -10125,7 +10125,7 @@
               </a:ln>
               <a:extLst>
                 <a:ext uri="{91240B29-F687-4f45-9708-019B960494DF}">
-                  <a14:hiddenLine xmlns="" xmlns:a14="http://schemas.microsoft.com/office/drawing/2010/main" w="9525">
+                  <a14:hiddenLine xmlns:a14="http://schemas.microsoft.com/office/drawing/2010/main" xmlns="" w="9525">
                     <a:solidFill>
                       <a:srgbClr val="000000"/>
                     </a:solidFill>
@@ -10187,7 +10187,7 @@
               </a:ln>
               <a:extLst>
                 <a:ext uri="{91240B29-F687-4f45-9708-019B960494DF}">
-                  <a14:hiddenLine xmlns="" xmlns:a14="http://schemas.microsoft.com/office/drawing/2010/main" w="9525">
+                  <a14:hiddenLine xmlns:a14="http://schemas.microsoft.com/office/drawing/2010/main" xmlns="" w="9525">
                     <a:solidFill>
                       <a:srgbClr val="000000"/>
                     </a:solidFill>
@@ -10297,7 +10297,7 @@
               </a:ln>
               <a:extLst>
                 <a:ext uri="{91240B29-F687-4f45-9708-019B960494DF}">
-                  <a14:hiddenLine xmlns="" xmlns:a14="http://schemas.microsoft.com/office/drawing/2010/main" w="9525">
+                  <a14:hiddenLine xmlns:a14="http://schemas.microsoft.com/office/drawing/2010/main" xmlns="" w="9525">
                     <a:solidFill>
                       <a:srgbClr val="000000"/>
                     </a:solidFill>
@@ -10381,7 +10381,7 @@
               </a:ln>
               <a:extLst>
                 <a:ext uri="{91240B29-F687-4f45-9708-019B960494DF}">
-                  <a14:hiddenLine xmlns="" xmlns:a14="http://schemas.microsoft.com/office/drawing/2010/main" w="9525">
+                  <a14:hiddenLine xmlns:a14="http://schemas.microsoft.com/office/drawing/2010/main" xmlns="" w="9525">
                     <a:solidFill>
                       <a:srgbClr val="000000"/>
                     </a:solidFill>
@@ -10443,7 +10443,7 @@
               </a:ln>
               <a:extLst>
                 <a:ext uri="{91240B29-F687-4f45-9708-019B960494DF}">
-                  <a14:hiddenLine xmlns="" xmlns:a14="http://schemas.microsoft.com/office/drawing/2010/main" w="9525">
+                  <a14:hiddenLine xmlns:a14="http://schemas.microsoft.com/office/drawing/2010/main" xmlns="" w="9525">
                     <a:solidFill>
                       <a:srgbClr val="000000"/>
                     </a:solidFill>
@@ -10505,7 +10505,7 @@
               </a:ln>
               <a:extLst>
                 <a:ext uri="{91240B29-F687-4f45-9708-019B960494DF}">
-                  <a14:hiddenLine xmlns="" xmlns:a14="http://schemas.microsoft.com/office/drawing/2010/main" w="9525">
+                  <a14:hiddenLine xmlns:a14="http://schemas.microsoft.com/office/drawing/2010/main" xmlns="" w="9525">
                     <a:solidFill>
                       <a:srgbClr val="000000"/>
                     </a:solidFill>
@@ -10595,7 +10595,7 @@
               </a:ln>
               <a:extLst>
                 <a:ext uri="{91240B29-F687-4f45-9708-019B960494DF}">
-                  <a14:hiddenLine xmlns="" xmlns:a14="http://schemas.microsoft.com/office/drawing/2010/main" w="9525">
+                  <a14:hiddenLine xmlns:a14="http://schemas.microsoft.com/office/drawing/2010/main" xmlns="" w="9525">
                     <a:solidFill>
                       <a:srgbClr val="000000"/>
                     </a:solidFill>
@@ -10629,7 +10629,7 @@
               </a:ln>
               <a:extLst>
                 <a:ext uri="{91240B29-F687-4f45-9708-019B960494DF}">
-                  <a14:hiddenLine xmlns="" xmlns:a14="http://schemas.microsoft.com/office/drawing/2010/main" w="9525">
+                  <a14:hiddenLine xmlns:a14="http://schemas.microsoft.com/office/drawing/2010/main" xmlns="" w="9525">
                     <a:solidFill>
                       <a:srgbClr val="000000"/>
                     </a:solidFill>
@@ -10694,7 +10694,7 @@
               </a:ln>
               <a:extLst>
                 <a:ext uri="{91240B29-F687-4f45-9708-019B960494DF}">
-                  <a14:hiddenLine xmlns="" xmlns:a14="http://schemas.microsoft.com/office/drawing/2010/main" w="9525">
+                  <a14:hiddenLine xmlns:a14="http://schemas.microsoft.com/office/drawing/2010/main" xmlns="" w="9525">
                     <a:solidFill>
                       <a:srgbClr val="000000"/>
                     </a:solidFill>
@@ -10784,7 +10784,7 @@
               </a:ln>
               <a:extLst>
                 <a:ext uri="{91240B29-F687-4f45-9708-019B960494DF}">
-                  <a14:hiddenLine xmlns="" xmlns:a14="http://schemas.microsoft.com/office/drawing/2010/main" w="9525">
+                  <a14:hiddenLine xmlns:a14="http://schemas.microsoft.com/office/drawing/2010/main" xmlns="" w="9525">
                     <a:solidFill>
                       <a:srgbClr val="000000"/>
                     </a:solidFill>
@@ -10846,7 +10846,7 @@
               </a:ln>
               <a:extLst>
                 <a:ext uri="{91240B29-F687-4f45-9708-019B960494DF}">
-                  <a14:hiddenLine xmlns="" xmlns:a14="http://schemas.microsoft.com/office/drawing/2010/main" w="9525">
+                  <a14:hiddenLine xmlns:a14="http://schemas.microsoft.com/office/drawing/2010/main" xmlns="" w="9525">
                     <a:solidFill>
                       <a:srgbClr val="000000"/>
                     </a:solidFill>
@@ -10936,7 +10936,7 @@
               </a:ln>
               <a:extLst>
                 <a:ext uri="{91240B29-F687-4f45-9708-019B960494DF}">
-                  <a14:hiddenLine xmlns="" xmlns:a14="http://schemas.microsoft.com/office/drawing/2010/main" w="9525">
+                  <a14:hiddenLine xmlns:a14="http://schemas.microsoft.com/office/drawing/2010/main" xmlns="" w="9525">
                     <a:solidFill>
                       <a:srgbClr val="000000"/>
                     </a:solidFill>
@@ -11001,7 +11001,7 @@
               </a:ln>
               <a:extLst>
                 <a:ext uri="{91240B29-F687-4f45-9708-019B960494DF}">
-                  <a14:hiddenLine xmlns="" xmlns:a14="http://schemas.microsoft.com/office/drawing/2010/main" w="9525">
+                  <a14:hiddenLine xmlns:a14="http://schemas.microsoft.com/office/drawing/2010/main" xmlns="" w="9525">
                     <a:solidFill>
                       <a:srgbClr val="000000"/>
                     </a:solidFill>
@@ -11063,7 +11063,7 @@
               </a:ln>
               <a:extLst>
                 <a:ext uri="{91240B29-F687-4f45-9708-019B960494DF}">
-                  <a14:hiddenLine xmlns="" xmlns:a14="http://schemas.microsoft.com/office/drawing/2010/main" w="9525">
+                  <a14:hiddenLine xmlns:a14="http://schemas.microsoft.com/office/drawing/2010/main" xmlns="" w="9525">
                     <a:solidFill>
                       <a:srgbClr val="000000"/>
                     </a:solidFill>
@@ -11153,7 +11153,7 @@
               </a:ln>
               <a:extLst>
                 <a:ext uri="{91240B29-F687-4f45-9708-019B960494DF}">
-                  <a14:hiddenLine xmlns="" xmlns:a14="http://schemas.microsoft.com/office/drawing/2010/main" w="9525">
+                  <a14:hiddenLine xmlns:a14="http://schemas.microsoft.com/office/drawing/2010/main" xmlns="" w="9525">
                     <a:solidFill>
                       <a:srgbClr val="000000"/>
                     </a:solidFill>
@@ -11243,7 +11243,7 @@
               </a:ln>
               <a:extLst>
                 <a:ext uri="{91240B29-F687-4f45-9708-019B960494DF}">
-                  <a14:hiddenLine xmlns="" xmlns:a14="http://schemas.microsoft.com/office/drawing/2010/main" w="9525">
+                  <a14:hiddenLine xmlns:a14="http://schemas.microsoft.com/office/drawing/2010/main" xmlns="" w="9525">
                     <a:solidFill>
                       <a:srgbClr val="000000"/>
                     </a:solidFill>
@@ -11308,7 +11308,7 @@
               </a:ln>
               <a:extLst>
                 <a:ext uri="{91240B29-F687-4f45-9708-019B960494DF}">
-                  <a14:hiddenLine xmlns="" xmlns:a14="http://schemas.microsoft.com/office/drawing/2010/main" w="9525">
+                  <a14:hiddenLine xmlns:a14="http://schemas.microsoft.com/office/drawing/2010/main" xmlns="" w="9525">
                     <a:solidFill>
                       <a:srgbClr val="000000"/>
                     </a:solidFill>
@@ -11428,7 +11428,7 @@
               </a:ln>
               <a:extLst>
                 <a:ext uri="{91240B29-F687-4f45-9708-019B960494DF}">
-                  <a14:hiddenLine xmlns="" xmlns:a14="http://schemas.microsoft.com/office/drawing/2010/main" w="9525">
+                  <a14:hiddenLine xmlns:a14="http://schemas.microsoft.com/office/drawing/2010/main" xmlns="" w="9525">
                     <a:solidFill>
                       <a:srgbClr val="000000"/>
                     </a:solidFill>
@@ -11526,7 +11526,7 @@
               </a:ln>
               <a:extLst>
                 <a:ext uri="{91240B29-F687-4f45-9708-019B960494DF}">
-                  <a14:hiddenLine xmlns="" xmlns:a14="http://schemas.microsoft.com/office/drawing/2010/main" w="9525">
+                  <a14:hiddenLine xmlns:a14="http://schemas.microsoft.com/office/drawing/2010/main" xmlns="" w="9525">
                     <a:solidFill>
                       <a:srgbClr val="000000"/>
                     </a:solidFill>
@@ -11641,7 +11641,7 @@
               </a:ln>
               <a:extLst>
                 <a:ext uri="{91240B29-F687-4f45-9708-019B960494DF}">
-                  <a14:hiddenLine xmlns="" xmlns:a14="http://schemas.microsoft.com/office/drawing/2010/main" w="9525">
+                  <a14:hiddenLine xmlns:a14="http://schemas.microsoft.com/office/drawing/2010/main" xmlns="" w="9525">
                     <a:solidFill>
                       <a:srgbClr val="000000"/>
                     </a:solidFill>
@@ -11731,7 +11731,7 @@
               </a:ln>
               <a:extLst>
                 <a:ext uri="{91240B29-F687-4f45-9708-019B960494DF}">
-                  <a14:hiddenLine xmlns="" xmlns:a14="http://schemas.microsoft.com/office/drawing/2010/main" w="9525">
+                  <a14:hiddenLine xmlns:a14="http://schemas.microsoft.com/office/drawing/2010/main" xmlns="" w="9525">
                     <a:solidFill>
                       <a:srgbClr val="000000"/>
                     </a:solidFill>
@@ -11796,7 +11796,7 @@
               </a:ln>
               <a:extLst>
                 <a:ext uri="{91240B29-F687-4f45-9708-019B960494DF}">
-                  <a14:hiddenLine xmlns="" xmlns:a14="http://schemas.microsoft.com/office/drawing/2010/main" w="9525">
+                  <a14:hiddenLine xmlns:a14="http://schemas.microsoft.com/office/drawing/2010/main" xmlns="" w="9525">
                     <a:solidFill>
                       <a:srgbClr val="000000"/>
                     </a:solidFill>
@@ -11886,7 +11886,7 @@
               </a:ln>
               <a:extLst>
                 <a:ext uri="{91240B29-F687-4f45-9708-019B960494DF}">
-                  <a14:hiddenLine xmlns="" xmlns:a14="http://schemas.microsoft.com/office/drawing/2010/main" w="9525">
+                  <a14:hiddenLine xmlns:a14="http://schemas.microsoft.com/office/drawing/2010/main" xmlns="" w="9525">
                     <a:solidFill>
                       <a:srgbClr val="000000"/>
                     </a:solidFill>
@@ -11954,7 +11954,7 @@
               </a:ln>
               <a:extLst>
                 <a:ext uri="{91240B29-F687-4f45-9708-019B960494DF}">
-                  <a14:hiddenLine xmlns="" xmlns:a14="http://schemas.microsoft.com/office/drawing/2010/main" w="9525">
+                  <a14:hiddenLine xmlns:a14="http://schemas.microsoft.com/office/drawing/2010/main" xmlns="" w="9525">
                     <a:solidFill>
                       <a:srgbClr val="000000"/>
                     </a:solidFill>
@@ -12044,7 +12044,7 @@
               </a:ln>
               <a:extLst>
                 <a:ext uri="{91240B29-F687-4f45-9708-019B960494DF}">
-                  <a14:hiddenLine xmlns="" xmlns:a14="http://schemas.microsoft.com/office/drawing/2010/main" w="9525">
+                  <a14:hiddenLine xmlns:a14="http://schemas.microsoft.com/office/drawing/2010/main" xmlns="" w="9525">
                     <a:solidFill>
                       <a:srgbClr val="000000"/>
                     </a:solidFill>
@@ -12112,7 +12112,7 @@
               </a:ln>
               <a:extLst>
                 <a:ext uri="{91240B29-F687-4f45-9708-019B960494DF}">
-                  <a14:hiddenLine xmlns="" xmlns:a14="http://schemas.microsoft.com/office/drawing/2010/main" w="9525">
+                  <a14:hiddenLine xmlns:a14="http://schemas.microsoft.com/office/drawing/2010/main" xmlns="" w="9525">
                     <a:solidFill>
                       <a:srgbClr val="000000"/>
                     </a:solidFill>
@@ -12202,7 +12202,7 @@
               </a:ln>
               <a:extLst>
                 <a:ext uri="{91240B29-F687-4f45-9708-019B960494DF}">
-                  <a14:hiddenLine xmlns="" xmlns:a14="http://schemas.microsoft.com/office/drawing/2010/main" w="9525">
+                  <a14:hiddenLine xmlns:a14="http://schemas.microsoft.com/office/drawing/2010/main" xmlns="" w="9525">
                     <a:solidFill>
                       <a:srgbClr val="000000"/>
                     </a:solidFill>
@@ -12236,7 +12236,7 @@
               </a:ln>
               <a:extLst>
                 <a:ext uri="{91240B29-F687-4f45-9708-019B960494DF}">
-                  <a14:hiddenLine xmlns="" xmlns:a14="http://schemas.microsoft.com/office/drawing/2010/main" w="9525">
+                  <a14:hiddenLine xmlns:a14="http://schemas.microsoft.com/office/drawing/2010/main" xmlns="" w="9525">
                     <a:solidFill>
                       <a:srgbClr val="000000"/>
                     </a:solidFill>
@@ -12376,7 +12376,7 @@
           <a:p>
             <a:fld id="{F255F937-C4BF-4646-85FD-EA85595F0215}" type="datetime1">
               <a:rPr lang="en-US" smtClean="0"/>
-              <a:t>07-May-21</a:t>
+              <a:t>24-May-21</a:t>
             </a:fld>
             <a:endParaRPr lang="en-US"/>
           </a:p>
@@ -12951,7 +12951,7 @@
             </a:ln>
             <a:extLst>
               <a:ext uri="{91240B29-F687-4f45-9708-019B960494DF}">
-                <a14:hiddenLine xmlns="" xmlns:a16="http://schemas.microsoft.com/office/drawing/2014/main" xmlns:p14="http://schemas.microsoft.com/office/powerpoint/2010/main" xmlns:a14="http://schemas.microsoft.com/office/drawing/2010/main" w="9525">
+                <a14:hiddenLine xmlns:a14="http://schemas.microsoft.com/office/drawing/2010/main" xmlns:p14="http://schemas.microsoft.com/office/powerpoint/2010/main" xmlns:a16="http://schemas.microsoft.com/office/drawing/2014/main" xmlns="" w="9525">
                   <a:solidFill>
                     <a:srgbClr val="000000"/>
                   </a:solidFill>
@@ -13056,7 +13056,7 @@
             </a:ln>
             <a:extLst>
               <a:ext uri="{91240B29-F687-4f45-9708-019B960494DF}">
-                <a14:hiddenLine xmlns="" xmlns:a16="http://schemas.microsoft.com/office/drawing/2014/main" xmlns:p14="http://schemas.microsoft.com/office/powerpoint/2010/main" xmlns:a14="http://schemas.microsoft.com/office/drawing/2010/main" w="9525">
+                <a14:hiddenLine xmlns:a14="http://schemas.microsoft.com/office/drawing/2010/main" xmlns:p14="http://schemas.microsoft.com/office/powerpoint/2010/main" xmlns:a16="http://schemas.microsoft.com/office/drawing/2014/main" xmlns="" w="9525">
                   <a:solidFill>
                     <a:srgbClr val="000000"/>
                   </a:solidFill>
@@ -13161,7 +13161,7 @@
             </a:ln>
             <a:extLst>
               <a:ext uri="{91240B29-F687-4f45-9708-019B960494DF}">
-                <a14:hiddenLine xmlns="" xmlns:a16="http://schemas.microsoft.com/office/drawing/2014/main" xmlns:p14="http://schemas.microsoft.com/office/powerpoint/2010/main" xmlns:a14="http://schemas.microsoft.com/office/drawing/2010/main" w="9525">
+                <a14:hiddenLine xmlns:a14="http://schemas.microsoft.com/office/drawing/2010/main" xmlns:p14="http://schemas.microsoft.com/office/powerpoint/2010/main" xmlns:a16="http://schemas.microsoft.com/office/drawing/2014/main" xmlns="" w="9525">
                   <a:solidFill>
                     <a:srgbClr val="000000"/>
                   </a:solidFill>
@@ -13238,7 +13238,7 @@
             </a:ln>
             <a:extLst>
               <a:ext uri="{91240B29-F687-4f45-9708-019B960494DF}">
-                <a14:hiddenLine xmlns="" xmlns:a16="http://schemas.microsoft.com/office/drawing/2014/main" xmlns:p14="http://schemas.microsoft.com/office/powerpoint/2010/main" xmlns:a14="http://schemas.microsoft.com/office/drawing/2010/main" w="9525">
+                <a14:hiddenLine xmlns:a14="http://schemas.microsoft.com/office/drawing/2010/main" xmlns:p14="http://schemas.microsoft.com/office/powerpoint/2010/main" xmlns:a16="http://schemas.microsoft.com/office/drawing/2014/main" xmlns="" w="9525">
                   <a:solidFill>
                     <a:srgbClr val="000000"/>
                   </a:solidFill>
@@ -13343,7 +13343,7 @@
             </a:ln>
             <a:extLst>
               <a:ext uri="{91240B29-F687-4f45-9708-019B960494DF}">
-                <a14:hiddenLine xmlns="" xmlns:a16="http://schemas.microsoft.com/office/drawing/2014/main" xmlns:p14="http://schemas.microsoft.com/office/powerpoint/2010/main" xmlns:a14="http://schemas.microsoft.com/office/drawing/2010/main" w="9525">
+                <a14:hiddenLine xmlns:a14="http://schemas.microsoft.com/office/drawing/2010/main" xmlns:p14="http://schemas.microsoft.com/office/powerpoint/2010/main" xmlns:a16="http://schemas.microsoft.com/office/drawing/2014/main" xmlns="" w="9525">
                   <a:solidFill>
                     <a:srgbClr val="000000"/>
                   </a:solidFill>
@@ -13420,7 +13420,7 @@
             </a:ln>
             <a:extLst>
               <a:ext uri="{91240B29-F687-4f45-9708-019B960494DF}">
-                <a14:hiddenLine xmlns="" xmlns:a16="http://schemas.microsoft.com/office/drawing/2014/main" xmlns:p14="http://schemas.microsoft.com/office/powerpoint/2010/main" xmlns:a14="http://schemas.microsoft.com/office/drawing/2010/main" w="9525">
+                <a14:hiddenLine xmlns:a14="http://schemas.microsoft.com/office/drawing/2010/main" xmlns:p14="http://schemas.microsoft.com/office/powerpoint/2010/main" xmlns:a16="http://schemas.microsoft.com/office/drawing/2014/main" xmlns="" w="9525">
                   <a:solidFill>
                     <a:srgbClr val="000000"/>
                   </a:solidFill>
@@ -13497,7 +13497,7 @@
             </a:ln>
             <a:extLst>
               <a:ext uri="{91240B29-F687-4f45-9708-019B960494DF}">
-                <a14:hiddenLine xmlns="" xmlns:a16="http://schemas.microsoft.com/office/drawing/2014/main" xmlns:p14="http://schemas.microsoft.com/office/powerpoint/2010/main" xmlns:a14="http://schemas.microsoft.com/office/drawing/2010/main" w="9525">
+                <a14:hiddenLine xmlns:a14="http://schemas.microsoft.com/office/drawing/2010/main" xmlns:p14="http://schemas.microsoft.com/office/powerpoint/2010/main" xmlns:a16="http://schemas.microsoft.com/office/drawing/2014/main" xmlns="" w="9525">
                   <a:solidFill>
                     <a:srgbClr val="000000"/>
                   </a:solidFill>
@@ -13602,7 +13602,7 @@
             </a:ln>
             <a:extLst>
               <a:ext uri="{91240B29-F687-4f45-9708-019B960494DF}">
-                <a14:hiddenLine xmlns="" xmlns:a16="http://schemas.microsoft.com/office/drawing/2014/main" xmlns:p14="http://schemas.microsoft.com/office/powerpoint/2010/main" xmlns:a14="http://schemas.microsoft.com/office/drawing/2010/main" w="9525">
+                <a14:hiddenLine xmlns:a14="http://schemas.microsoft.com/office/drawing/2010/main" xmlns:p14="http://schemas.microsoft.com/office/powerpoint/2010/main" xmlns:a16="http://schemas.microsoft.com/office/drawing/2014/main" xmlns="" w="9525">
                   <a:solidFill>
                     <a:srgbClr val="000000"/>
                   </a:solidFill>
@@ -13707,7 +13707,7 @@
             </a:ln>
             <a:extLst>
               <a:ext uri="{91240B29-F687-4f45-9708-019B960494DF}">
-                <a14:hiddenLine xmlns="" xmlns:a16="http://schemas.microsoft.com/office/drawing/2014/main" xmlns:p14="http://schemas.microsoft.com/office/powerpoint/2010/main" xmlns:a14="http://schemas.microsoft.com/office/drawing/2010/main" w="9525">
+                <a14:hiddenLine xmlns:a14="http://schemas.microsoft.com/office/drawing/2010/main" xmlns:p14="http://schemas.microsoft.com/office/powerpoint/2010/main" xmlns:a16="http://schemas.microsoft.com/office/drawing/2014/main" xmlns="" w="9525">
                   <a:solidFill>
                     <a:srgbClr val="000000"/>
                   </a:solidFill>
@@ -13784,7 +13784,7 @@
             </a:ln>
             <a:extLst>
               <a:ext uri="{91240B29-F687-4f45-9708-019B960494DF}">
-                <a14:hiddenLine xmlns="" xmlns:a16="http://schemas.microsoft.com/office/drawing/2014/main" xmlns:p14="http://schemas.microsoft.com/office/powerpoint/2010/main" xmlns:a14="http://schemas.microsoft.com/office/drawing/2010/main" w="9525">
+                <a14:hiddenLine xmlns:a14="http://schemas.microsoft.com/office/drawing/2010/main" xmlns:p14="http://schemas.microsoft.com/office/powerpoint/2010/main" xmlns:a16="http://schemas.microsoft.com/office/drawing/2014/main" xmlns="" w="9525">
                   <a:solidFill>
                     <a:srgbClr val="000000"/>
                   </a:solidFill>
@@ -13909,7 +13909,7 @@
             </a:ln>
             <a:extLst>
               <a:ext uri="{91240B29-F687-4f45-9708-019B960494DF}">
-                <a14:hiddenLine xmlns="" xmlns:a16="http://schemas.microsoft.com/office/drawing/2014/main" xmlns:p14="http://schemas.microsoft.com/office/powerpoint/2010/main" xmlns:a14="http://schemas.microsoft.com/office/drawing/2010/main" w="9525">
+                <a14:hiddenLine xmlns:a14="http://schemas.microsoft.com/office/drawing/2010/main" xmlns:p14="http://schemas.microsoft.com/office/powerpoint/2010/main" xmlns:a16="http://schemas.microsoft.com/office/drawing/2014/main" xmlns="" w="9525">
                   <a:solidFill>
                     <a:srgbClr val="000000"/>
                   </a:solidFill>
@@ -14023,7 +14023,7 @@
             </a:ln>
             <a:extLst>
               <a:ext uri="{91240B29-F687-4f45-9708-019B960494DF}">
-                <a14:hiddenLine xmlns="" xmlns:a16="http://schemas.microsoft.com/office/drawing/2014/main" xmlns:p14="http://schemas.microsoft.com/office/powerpoint/2010/main" xmlns:a14="http://schemas.microsoft.com/office/drawing/2010/main" w="9525">
+                <a14:hiddenLine xmlns:a14="http://schemas.microsoft.com/office/drawing/2010/main" xmlns:p14="http://schemas.microsoft.com/office/powerpoint/2010/main" xmlns:a16="http://schemas.microsoft.com/office/drawing/2014/main" xmlns="" w="9525">
                   <a:solidFill>
                     <a:srgbClr val="000000"/>
                   </a:solidFill>
@@ -14100,7 +14100,7 @@
             </a:ln>
             <a:extLst>
               <a:ext uri="{91240B29-F687-4f45-9708-019B960494DF}">
-                <a14:hiddenLine xmlns="" xmlns:a16="http://schemas.microsoft.com/office/drawing/2014/main" xmlns:p14="http://schemas.microsoft.com/office/powerpoint/2010/main" xmlns:a14="http://schemas.microsoft.com/office/drawing/2010/main" w="9525">
+                <a14:hiddenLine xmlns:a14="http://schemas.microsoft.com/office/drawing/2010/main" xmlns:p14="http://schemas.microsoft.com/office/powerpoint/2010/main" xmlns:a16="http://schemas.microsoft.com/office/drawing/2014/main" xmlns="" w="9525">
                   <a:solidFill>
                     <a:srgbClr val="000000"/>
                   </a:solidFill>
@@ -14177,7 +14177,7 @@
             </a:ln>
             <a:extLst>
               <a:ext uri="{91240B29-F687-4f45-9708-019B960494DF}">
-                <a14:hiddenLine xmlns="" xmlns:a16="http://schemas.microsoft.com/office/drawing/2014/main" xmlns:p14="http://schemas.microsoft.com/office/powerpoint/2010/main" xmlns:a14="http://schemas.microsoft.com/office/drawing/2010/main" w="9525">
+                <a14:hiddenLine xmlns:a14="http://schemas.microsoft.com/office/drawing/2010/main" xmlns:p14="http://schemas.microsoft.com/office/powerpoint/2010/main" xmlns:a16="http://schemas.microsoft.com/office/drawing/2014/main" xmlns="" w="9525">
                   <a:solidFill>
                     <a:srgbClr val="000000"/>
                   </a:solidFill>
@@ -14282,7 +14282,7 @@
             </a:ln>
             <a:extLst>
               <a:ext uri="{91240B29-F687-4f45-9708-019B960494DF}">
-                <a14:hiddenLine xmlns="" xmlns:a16="http://schemas.microsoft.com/office/drawing/2014/main" xmlns:p14="http://schemas.microsoft.com/office/powerpoint/2010/main" xmlns:a14="http://schemas.microsoft.com/office/drawing/2010/main" w="9525">
+                <a14:hiddenLine xmlns:a14="http://schemas.microsoft.com/office/drawing/2010/main" xmlns:p14="http://schemas.microsoft.com/office/powerpoint/2010/main" xmlns:a16="http://schemas.microsoft.com/office/drawing/2014/main" xmlns="" w="9525">
                   <a:solidFill>
                     <a:srgbClr val="000000"/>
                   </a:solidFill>
@@ -14331,7 +14331,7 @@
             </a:ln>
             <a:extLst>
               <a:ext uri="{91240B29-F687-4f45-9708-019B960494DF}">
-                <a14:hiddenLine xmlns="" xmlns:a16="http://schemas.microsoft.com/office/drawing/2014/main" xmlns:p14="http://schemas.microsoft.com/office/powerpoint/2010/main" xmlns:a14="http://schemas.microsoft.com/office/drawing/2010/main" w="9525">
+                <a14:hiddenLine xmlns:a14="http://schemas.microsoft.com/office/drawing/2010/main" xmlns:p14="http://schemas.microsoft.com/office/powerpoint/2010/main" xmlns:a16="http://schemas.microsoft.com/office/drawing/2014/main" xmlns="" w="9525">
                   <a:solidFill>
                     <a:srgbClr val="000000"/>
                   </a:solidFill>
@@ -14411,7 +14411,7 @@
             </a:ln>
             <a:extLst>
               <a:ext uri="{91240B29-F687-4f45-9708-019B960494DF}">
-                <a14:hiddenLine xmlns="" xmlns:a16="http://schemas.microsoft.com/office/drawing/2014/main" xmlns:p14="http://schemas.microsoft.com/office/powerpoint/2010/main" xmlns:a14="http://schemas.microsoft.com/office/drawing/2010/main" w="9525">
+                <a14:hiddenLine xmlns:a14="http://schemas.microsoft.com/office/drawing/2010/main" xmlns:p14="http://schemas.microsoft.com/office/powerpoint/2010/main" xmlns:a16="http://schemas.microsoft.com/office/drawing/2014/main" xmlns="" w="9525">
                   <a:solidFill>
                     <a:srgbClr val="000000"/>
                   </a:solidFill>
@@ -14516,7 +14516,7 @@
             </a:ln>
             <a:extLst>
               <a:ext uri="{91240B29-F687-4f45-9708-019B960494DF}">
-                <a14:hiddenLine xmlns="" xmlns:a16="http://schemas.microsoft.com/office/drawing/2014/main" xmlns:p14="http://schemas.microsoft.com/office/powerpoint/2010/main" xmlns:a14="http://schemas.microsoft.com/office/drawing/2010/main" w="9525">
+                <a14:hiddenLine xmlns:a14="http://schemas.microsoft.com/office/drawing/2010/main" xmlns:p14="http://schemas.microsoft.com/office/powerpoint/2010/main" xmlns:a16="http://schemas.microsoft.com/office/drawing/2014/main" xmlns="" w="9525">
                   <a:solidFill>
                     <a:srgbClr val="000000"/>
                   </a:solidFill>
@@ -14593,7 +14593,7 @@
             </a:ln>
             <a:extLst>
               <a:ext uri="{91240B29-F687-4f45-9708-019B960494DF}">
-                <a14:hiddenLine xmlns="" xmlns:a16="http://schemas.microsoft.com/office/drawing/2014/main" xmlns:p14="http://schemas.microsoft.com/office/powerpoint/2010/main" xmlns:a14="http://schemas.microsoft.com/office/drawing/2010/main" w="9525">
+                <a14:hiddenLine xmlns:a14="http://schemas.microsoft.com/office/drawing/2010/main" xmlns:p14="http://schemas.microsoft.com/office/powerpoint/2010/main" xmlns:a16="http://schemas.microsoft.com/office/drawing/2014/main" xmlns="" w="9525">
                   <a:solidFill>
                     <a:srgbClr val="000000"/>
                   </a:solidFill>
@@ -14698,7 +14698,7 @@
             </a:ln>
             <a:extLst>
               <a:ext uri="{91240B29-F687-4f45-9708-019B960494DF}">
-                <a14:hiddenLine xmlns="" xmlns:a16="http://schemas.microsoft.com/office/drawing/2014/main" xmlns:p14="http://schemas.microsoft.com/office/powerpoint/2010/main" xmlns:a14="http://schemas.microsoft.com/office/drawing/2010/main" w="9525">
+                <a14:hiddenLine xmlns:a14="http://schemas.microsoft.com/office/drawing/2010/main" xmlns:p14="http://schemas.microsoft.com/office/powerpoint/2010/main" xmlns:a16="http://schemas.microsoft.com/office/drawing/2014/main" xmlns="" w="9525">
                   <a:solidFill>
                     <a:srgbClr val="000000"/>
                   </a:solidFill>
@@ -14778,7 +14778,7 @@
             </a:ln>
             <a:extLst>
               <a:ext uri="{91240B29-F687-4f45-9708-019B960494DF}">
-                <a14:hiddenLine xmlns="" xmlns:a16="http://schemas.microsoft.com/office/drawing/2014/main" xmlns:p14="http://schemas.microsoft.com/office/powerpoint/2010/main" xmlns:a14="http://schemas.microsoft.com/office/drawing/2010/main" w="9525">
+                <a14:hiddenLine xmlns:a14="http://schemas.microsoft.com/office/drawing/2010/main" xmlns:p14="http://schemas.microsoft.com/office/powerpoint/2010/main" xmlns:a16="http://schemas.microsoft.com/office/drawing/2014/main" xmlns="" w="9525">
                   <a:solidFill>
                     <a:srgbClr val="000000"/>
                   </a:solidFill>
@@ -14855,7 +14855,7 @@
             </a:ln>
             <a:extLst>
               <a:ext uri="{91240B29-F687-4f45-9708-019B960494DF}">
-                <a14:hiddenLine xmlns="" xmlns:a16="http://schemas.microsoft.com/office/drawing/2014/main" xmlns:p14="http://schemas.microsoft.com/office/powerpoint/2010/main" xmlns:a14="http://schemas.microsoft.com/office/drawing/2010/main" w="9525">
+                <a14:hiddenLine xmlns:a14="http://schemas.microsoft.com/office/drawing/2010/main" xmlns:p14="http://schemas.microsoft.com/office/powerpoint/2010/main" xmlns:a16="http://schemas.microsoft.com/office/drawing/2014/main" xmlns="" w="9525">
                   <a:solidFill>
                     <a:srgbClr val="000000"/>
                   </a:solidFill>
@@ -14960,7 +14960,7 @@
             </a:ln>
             <a:extLst>
               <a:ext uri="{91240B29-F687-4f45-9708-019B960494DF}">
-                <a14:hiddenLine xmlns="" xmlns:a16="http://schemas.microsoft.com/office/drawing/2014/main" xmlns:p14="http://schemas.microsoft.com/office/powerpoint/2010/main" xmlns:a14="http://schemas.microsoft.com/office/drawing/2010/main" w="9525">
+                <a14:hiddenLine xmlns:a14="http://schemas.microsoft.com/office/drawing/2010/main" xmlns:p14="http://schemas.microsoft.com/office/powerpoint/2010/main" xmlns:a16="http://schemas.microsoft.com/office/drawing/2014/main" xmlns="" w="9525">
                   <a:solidFill>
                     <a:srgbClr val="000000"/>
                   </a:solidFill>
@@ -15065,7 +15065,7 @@
             </a:ln>
             <a:extLst>
               <a:ext uri="{91240B29-F687-4f45-9708-019B960494DF}">
-                <a14:hiddenLine xmlns="" xmlns:a16="http://schemas.microsoft.com/office/drawing/2014/main" xmlns:p14="http://schemas.microsoft.com/office/powerpoint/2010/main" xmlns:a14="http://schemas.microsoft.com/office/drawing/2010/main" w="9525">
+                <a14:hiddenLine xmlns:a14="http://schemas.microsoft.com/office/drawing/2010/main" xmlns:p14="http://schemas.microsoft.com/office/powerpoint/2010/main" xmlns:a16="http://schemas.microsoft.com/office/drawing/2014/main" xmlns="" w="9525">
                   <a:solidFill>
                     <a:srgbClr val="000000"/>
                   </a:solidFill>
@@ -15145,7 +15145,7 @@
             </a:ln>
             <a:extLst>
               <a:ext uri="{91240B29-F687-4f45-9708-019B960494DF}">
-                <a14:hiddenLine xmlns="" xmlns:a16="http://schemas.microsoft.com/office/drawing/2014/main" xmlns:p14="http://schemas.microsoft.com/office/powerpoint/2010/main" xmlns:a14="http://schemas.microsoft.com/office/drawing/2010/main" w="9525">
+                <a14:hiddenLine xmlns:a14="http://schemas.microsoft.com/office/drawing/2010/main" xmlns:p14="http://schemas.microsoft.com/office/powerpoint/2010/main" xmlns:a16="http://schemas.microsoft.com/office/drawing/2014/main" xmlns="" w="9525">
                   <a:solidFill>
                     <a:srgbClr val="000000"/>
                   </a:solidFill>
@@ -15280,7 +15280,7 @@
             </a:ln>
             <a:extLst>
               <a:ext uri="{91240B29-F687-4f45-9708-019B960494DF}">
-                <a14:hiddenLine xmlns="" xmlns:a16="http://schemas.microsoft.com/office/drawing/2014/main" xmlns:p14="http://schemas.microsoft.com/office/powerpoint/2010/main" xmlns:a14="http://schemas.microsoft.com/office/drawing/2010/main" w="9525">
+                <a14:hiddenLine xmlns:a14="http://schemas.microsoft.com/office/drawing/2010/main" xmlns:p14="http://schemas.microsoft.com/office/powerpoint/2010/main" xmlns:a16="http://schemas.microsoft.com/office/drawing/2014/main" xmlns="" w="9525">
                   <a:solidFill>
                     <a:srgbClr val="000000"/>
                   </a:solidFill>
@@ -15456,7 +15456,7 @@
             </a:ln>
             <a:extLst>
               <a:ext uri="{91240B29-F687-4f45-9708-019B960494DF}">
-                <a14:hiddenLine xmlns="" xmlns:a16="http://schemas.microsoft.com/office/drawing/2014/main" xmlns:p14="http://schemas.microsoft.com/office/powerpoint/2010/main" xmlns:a14="http://schemas.microsoft.com/office/drawing/2010/main" w="9525">
+                <a14:hiddenLine xmlns:a14="http://schemas.microsoft.com/office/drawing/2010/main" xmlns:p14="http://schemas.microsoft.com/office/powerpoint/2010/main" xmlns:a16="http://schemas.microsoft.com/office/drawing/2014/main" xmlns="" w="9525">
                   <a:solidFill>
                     <a:srgbClr val="000000"/>
                   </a:solidFill>
@@ -15586,7 +15586,7 @@
             </a:ln>
             <a:extLst>
               <a:ext uri="{91240B29-F687-4f45-9708-019B960494DF}">
-                <a14:hiddenLine xmlns="" xmlns:a16="http://schemas.microsoft.com/office/drawing/2014/main" xmlns:p14="http://schemas.microsoft.com/office/powerpoint/2010/main" xmlns:a14="http://schemas.microsoft.com/office/drawing/2010/main" w="9525">
+                <a14:hiddenLine xmlns:a14="http://schemas.microsoft.com/office/drawing/2010/main" xmlns:p14="http://schemas.microsoft.com/office/powerpoint/2010/main" xmlns:a16="http://schemas.microsoft.com/office/drawing/2014/main" xmlns="" w="9525">
                   <a:solidFill>
                     <a:srgbClr val="000000"/>
                   </a:solidFill>
@@ -15691,7 +15691,7 @@
             </a:ln>
             <a:extLst>
               <a:ext uri="{91240B29-F687-4f45-9708-019B960494DF}">
-                <a14:hiddenLine xmlns="" xmlns:a16="http://schemas.microsoft.com/office/drawing/2014/main" xmlns:p14="http://schemas.microsoft.com/office/powerpoint/2010/main" xmlns:a14="http://schemas.microsoft.com/office/drawing/2010/main" w="9525">
+                <a14:hiddenLine xmlns:a14="http://schemas.microsoft.com/office/drawing/2010/main" xmlns:p14="http://schemas.microsoft.com/office/powerpoint/2010/main" xmlns:a16="http://schemas.microsoft.com/office/drawing/2014/main" xmlns="" w="9525">
                   <a:solidFill>
                     <a:srgbClr val="000000"/>
                   </a:solidFill>
@@ -15771,7 +15771,7 @@
             </a:ln>
             <a:extLst>
               <a:ext uri="{91240B29-F687-4f45-9708-019B960494DF}">
-                <a14:hiddenLine xmlns="" xmlns:a16="http://schemas.microsoft.com/office/drawing/2014/main" xmlns:p14="http://schemas.microsoft.com/office/powerpoint/2010/main" xmlns:a14="http://schemas.microsoft.com/office/drawing/2010/main" w="9525">
+                <a14:hiddenLine xmlns:a14="http://schemas.microsoft.com/office/drawing/2010/main" xmlns:p14="http://schemas.microsoft.com/office/powerpoint/2010/main" xmlns:a16="http://schemas.microsoft.com/office/drawing/2014/main" xmlns="" w="9525">
                   <a:solidFill>
                     <a:srgbClr val="000000"/>
                   </a:solidFill>
@@ -15876,7 +15876,7 @@
             </a:ln>
             <a:extLst>
               <a:ext uri="{91240B29-F687-4f45-9708-019B960494DF}">
-                <a14:hiddenLine xmlns="" xmlns:a16="http://schemas.microsoft.com/office/drawing/2014/main" xmlns:p14="http://schemas.microsoft.com/office/powerpoint/2010/main" xmlns:a14="http://schemas.microsoft.com/office/drawing/2010/main" w="9525">
+                <a14:hiddenLine xmlns:a14="http://schemas.microsoft.com/office/drawing/2010/main" xmlns:p14="http://schemas.microsoft.com/office/powerpoint/2010/main" xmlns:a16="http://schemas.microsoft.com/office/drawing/2014/main" xmlns="" w="9525">
                   <a:solidFill>
                     <a:srgbClr val="000000"/>
                   </a:solidFill>
@@ -15959,7 +15959,7 @@
             </a:ln>
             <a:extLst>
               <a:ext uri="{91240B29-F687-4f45-9708-019B960494DF}">
-                <a14:hiddenLine xmlns="" xmlns:a16="http://schemas.microsoft.com/office/drawing/2014/main" xmlns:p14="http://schemas.microsoft.com/office/powerpoint/2010/main" xmlns:a14="http://schemas.microsoft.com/office/drawing/2010/main" w="9525">
+                <a14:hiddenLine xmlns:a14="http://schemas.microsoft.com/office/drawing/2010/main" xmlns:p14="http://schemas.microsoft.com/office/powerpoint/2010/main" xmlns:a16="http://schemas.microsoft.com/office/drawing/2014/main" xmlns="" w="9525">
                   <a:solidFill>
                     <a:srgbClr val="000000"/>
                   </a:solidFill>
@@ -16064,7 +16064,7 @@
             </a:ln>
             <a:extLst>
               <a:ext uri="{91240B29-F687-4f45-9708-019B960494DF}">
-                <a14:hiddenLine xmlns="" xmlns:a16="http://schemas.microsoft.com/office/drawing/2014/main" xmlns:p14="http://schemas.microsoft.com/office/powerpoint/2010/main" xmlns:a14="http://schemas.microsoft.com/office/drawing/2010/main" w="9525">
+                <a14:hiddenLine xmlns:a14="http://schemas.microsoft.com/office/drawing/2010/main" xmlns:p14="http://schemas.microsoft.com/office/powerpoint/2010/main" xmlns:a16="http://schemas.microsoft.com/office/drawing/2014/main" xmlns="" w="9525">
                   <a:solidFill>
                     <a:srgbClr val="000000"/>
                   </a:solidFill>
@@ -16147,7 +16147,7 @@
             </a:ln>
             <a:extLst>
               <a:ext uri="{91240B29-F687-4f45-9708-019B960494DF}">
-                <a14:hiddenLine xmlns="" xmlns:a16="http://schemas.microsoft.com/office/drawing/2014/main" xmlns:p14="http://schemas.microsoft.com/office/powerpoint/2010/main" xmlns:a14="http://schemas.microsoft.com/office/drawing/2010/main" w="9525">
+                <a14:hiddenLine xmlns:a14="http://schemas.microsoft.com/office/drawing/2010/main" xmlns:p14="http://schemas.microsoft.com/office/powerpoint/2010/main" xmlns:a16="http://schemas.microsoft.com/office/drawing/2014/main" xmlns="" w="9525">
                   <a:solidFill>
                     <a:srgbClr val="000000"/>
                   </a:solidFill>
@@ -16252,7 +16252,7 @@
             </a:ln>
             <a:extLst>
               <a:ext uri="{91240B29-F687-4f45-9708-019B960494DF}">
-                <a14:hiddenLine xmlns="" xmlns:a16="http://schemas.microsoft.com/office/drawing/2014/main" xmlns:p14="http://schemas.microsoft.com/office/powerpoint/2010/main" xmlns:a14="http://schemas.microsoft.com/office/drawing/2010/main" w="9525">
+                <a14:hiddenLine xmlns:a14="http://schemas.microsoft.com/office/drawing/2010/main" xmlns:p14="http://schemas.microsoft.com/office/powerpoint/2010/main" xmlns:a16="http://schemas.microsoft.com/office/drawing/2014/main" xmlns="" w="9525">
                   <a:solidFill>
                     <a:srgbClr val="000000"/>
                   </a:solidFill>
@@ -16301,7 +16301,7 @@
             </a:ln>
             <a:extLst>
               <a:ext uri="{91240B29-F687-4f45-9708-019B960494DF}">
-                <a14:hiddenLine xmlns="" xmlns:a16="http://schemas.microsoft.com/office/drawing/2014/main" xmlns:p14="http://schemas.microsoft.com/office/powerpoint/2010/main" xmlns:a14="http://schemas.microsoft.com/office/drawing/2010/main" w="9525">
+                <a14:hiddenLine xmlns:a14="http://schemas.microsoft.com/office/drawing/2010/main" xmlns:p14="http://schemas.microsoft.com/office/powerpoint/2010/main" xmlns:a16="http://schemas.microsoft.com/office/drawing/2014/main" xmlns="" w="9525">
                   <a:solidFill>
                     <a:srgbClr val="000000"/>
                   </a:solidFill>
@@ -16495,7 +16495,7 @@
         </p:spPr>
         <p:txBody>
           <a:bodyPr vert="horz" lIns="91440" tIns="45720" rIns="91440" bIns="45720" rtlCol="0">
-            <a:normAutofit lnSpcReduction="10000"/>
+            <a:normAutofit/>
           </a:bodyPr>
           <a:lstStyle>
             <a:lvl1pPr marL="228600" indent="-228600" algn="l" defTabSz="914400" rtl="0" eaLnBrk="1" latinLnBrk="0" hangingPunct="1">
@@ -16710,23 +16710,7 @@
                   <a:srgbClr val="FFFFFF"/>
                 </a:solidFill>
               </a:rPr>
-              <a:t>Ayesha </a:t>
-            </a:r>
-            <a:r>
-              <a:rPr lang="en-US" b="1" dirty="0" err="1">
-                <a:solidFill>
-                  <a:srgbClr val="FFFFFF"/>
-                </a:solidFill>
-              </a:rPr>
-              <a:t>Akter</a:t>
-            </a:r>
-            <a:r>
-              <a:rPr lang="en-US" b="1" dirty="0">
-                <a:solidFill>
-                  <a:srgbClr val="FFFFFF"/>
-                </a:solidFill>
-              </a:rPr>
-              <a:t> - 21166014</a:t>
+              <a:t>Md. Ashfaqul Haque – 21166016</a:t>
             </a:r>
           </a:p>
           <a:p>
@@ -16770,25 +16754,6 @@
                 </a:solidFill>
               </a:rPr>
               <a:t> - 21166046</a:t>
-            </a:r>
-          </a:p>
-          <a:p>
-            <a:pPr marL="0" indent="0">
-              <a:lnSpc>
-                <a:spcPct val="100000"/>
-              </a:lnSpc>
-              <a:spcBef>
-                <a:spcPts val="0"/>
-              </a:spcBef>
-              <a:buNone/>
-            </a:pPr>
-            <a:r>
-              <a:rPr lang="en-US" b="1" dirty="0">
-                <a:solidFill>
-                  <a:srgbClr val="FFFFFF"/>
-                </a:solidFill>
-              </a:rPr>
-              <a:t>Md. Ashfaqul Haque – 21166016</a:t>
             </a:r>
           </a:p>
           <a:p>
@@ -17410,7 +17375,7 @@
             </a:ln>
             <a:extLst>
               <a:ext uri="{91240B29-F687-4f45-9708-019B960494DF}">
-                <a14:hiddenLine xmlns:a14="http://schemas.microsoft.com/office/drawing/2010/main" xmlns:p14="http://schemas.microsoft.com/office/powerpoint/2010/main" xmlns:a16="http://schemas.microsoft.com/office/drawing/2014/main" xmlns="" w="9525">
+                <a14:hiddenLine xmlns="" xmlns:a16="http://schemas.microsoft.com/office/drawing/2014/main" xmlns:p14="http://schemas.microsoft.com/office/powerpoint/2010/main" xmlns:a14="http://schemas.microsoft.com/office/drawing/2010/main" w="9525">
                   <a:solidFill>
                     <a:srgbClr val="000000"/>
                   </a:solidFill>
@@ -17515,7 +17480,7 @@
             </a:ln>
             <a:extLst>
               <a:ext uri="{91240B29-F687-4f45-9708-019B960494DF}">
-                <a14:hiddenLine xmlns:a14="http://schemas.microsoft.com/office/drawing/2010/main" xmlns:p14="http://schemas.microsoft.com/office/powerpoint/2010/main" xmlns:a16="http://schemas.microsoft.com/office/drawing/2014/main" xmlns="" w="9525">
+                <a14:hiddenLine xmlns="" xmlns:a16="http://schemas.microsoft.com/office/drawing/2014/main" xmlns:p14="http://schemas.microsoft.com/office/powerpoint/2010/main" xmlns:a14="http://schemas.microsoft.com/office/drawing/2010/main" w="9525">
                   <a:solidFill>
                     <a:srgbClr val="000000"/>
                   </a:solidFill>
@@ -17620,7 +17585,7 @@
             </a:ln>
             <a:extLst>
               <a:ext uri="{91240B29-F687-4f45-9708-019B960494DF}">
-                <a14:hiddenLine xmlns:a14="http://schemas.microsoft.com/office/drawing/2010/main" xmlns:p14="http://schemas.microsoft.com/office/powerpoint/2010/main" xmlns:a16="http://schemas.microsoft.com/office/drawing/2014/main" xmlns="" w="9525">
+                <a14:hiddenLine xmlns="" xmlns:a16="http://schemas.microsoft.com/office/drawing/2014/main" xmlns:p14="http://schemas.microsoft.com/office/powerpoint/2010/main" xmlns:a14="http://schemas.microsoft.com/office/drawing/2010/main" w="9525">
                   <a:solidFill>
                     <a:srgbClr val="000000"/>
                   </a:solidFill>
@@ -17697,7 +17662,7 @@
             </a:ln>
             <a:extLst>
               <a:ext uri="{91240B29-F687-4f45-9708-019B960494DF}">
-                <a14:hiddenLine xmlns:a14="http://schemas.microsoft.com/office/drawing/2010/main" xmlns:p14="http://schemas.microsoft.com/office/powerpoint/2010/main" xmlns:a16="http://schemas.microsoft.com/office/drawing/2014/main" xmlns="" w="9525">
+                <a14:hiddenLine xmlns="" xmlns:a16="http://schemas.microsoft.com/office/drawing/2014/main" xmlns:p14="http://schemas.microsoft.com/office/powerpoint/2010/main" xmlns:a14="http://schemas.microsoft.com/office/drawing/2010/main" w="9525">
                   <a:solidFill>
                     <a:srgbClr val="000000"/>
                   </a:solidFill>
@@ -17802,7 +17767,7 @@
             </a:ln>
             <a:extLst>
               <a:ext uri="{91240B29-F687-4f45-9708-019B960494DF}">
-                <a14:hiddenLine xmlns:a14="http://schemas.microsoft.com/office/drawing/2010/main" xmlns:p14="http://schemas.microsoft.com/office/powerpoint/2010/main" xmlns:a16="http://schemas.microsoft.com/office/drawing/2014/main" xmlns="" w="9525">
+                <a14:hiddenLine xmlns="" xmlns:a16="http://schemas.microsoft.com/office/drawing/2014/main" xmlns:p14="http://schemas.microsoft.com/office/powerpoint/2010/main" xmlns:a14="http://schemas.microsoft.com/office/drawing/2010/main" w="9525">
                   <a:solidFill>
                     <a:srgbClr val="000000"/>
                   </a:solidFill>
@@ -17879,7 +17844,7 @@
             </a:ln>
             <a:extLst>
               <a:ext uri="{91240B29-F687-4f45-9708-019B960494DF}">
-                <a14:hiddenLine xmlns:a14="http://schemas.microsoft.com/office/drawing/2010/main" xmlns:p14="http://schemas.microsoft.com/office/powerpoint/2010/main" xmlns:a16="http://schemas.microsoft.com/office/drawing/2014/main" xmlns="" w="9525">
+                <a14:hiddenLine xmlns="" xmlns:a16="http://schemas.microsoft.com/office/drawing/2014/main" xmlns:p14="http://schemas.microsoft.com/office/powerpoint/2010/main" xmlns:a14="http://schemas.microsoft.com/office/drawing/2010/main" w="9525">
                   <a:solidFill>
                     <a:srgbClr val="000000"/>
                   </a:solidFill>
@@ -17956,7 +17921,7 @@
             </a:ln>
             <a:extLst>
               <a:ext uri="{91240B29-F687-4f45-9708-019B960494DF}">
-                <a14:hiddenLine xmlns:a14="http://schemas.microsoft.com/office/drawing/2010/main" xmlns:p14="http://schemas.microsoft.com/office/powerpoint/2010/main" xmlns:a16="http://schemas.microsoft.com/office/drawing/2014/main" xmlns="" w="9525">
+                <a14:hiddenLine xmlns="" xmlns:a16="http://schemas.microsoft.com/office/drawing/2014/main" xmlns:p14="http://schemas.microsoft.com/office/powerpoint/2010/main" xmlns:a14="http://schemas.microsoft.com/office/drawing/2010/main" w="9525">
                   <a:solidFill>
                     <a:srgbClr val="000000"/>
                   </a:solidFill>
@@ -18061,7 +18026,7 @@
             </a:ln>
             <a:extLst>
               <a:ext uri="{91240B29-F687-4f45-9708-019B960494DF}">
-                <a14:hiddenLine xmlns:a14="http://schemas.microsoft.com/office/drawing/2010/main" xmlns:p14="http://schemas.microsoft.com/office/powerpoint/2010/main" xmlns:a16="http://schemas.microsoft.com/office/drawing/2014/main" xmlns="" w="9525">
+                <a14:hiddenLine xmlns="" xmlns:a16="http://schemas.microsoft.com/office/drawing/2014/main" xmlns:p14="http://schemas.microsoft.com/office/powerpoint/2010/main" xmlns:a14="http://schemas.microsoft.com/office/drawing/2010/main" w="9525">
                   <a:solidFill>
                     <a:srgbClr val="000000"/>
                   </a:solidFill>
@@ -18166,7 +18131,7 @@
             </a:ln>
             <a:extLst>
               <a:ext uri="{91240B29-F687-4f45-9708-019B960494DF}">
-                <a14:hiddenLine xmlns:a14="http://schemas.microsoft.com/office/drawing/2010/main" xmlns:p14="http://schemas.microsoft.com/office/powerpoint/2010/main" xmlns:a16="http://schemas.microsoft.com/office/drawing/2014/main" xmlns="" w="9525">
+                <a14:hiddenLine xmlns="" xmlns:a16="http://schemas.microsoft.com/office/drawing/2014/main" xmlns:p14="http://schemas.microsoft.com/office/powerpoint/2010/main" xmlns:a14="http://schemas.microsoft.com/office/drawing/2010/main" w="9525">
                   <a:solidFill>
                     <a:srgbClr val="000000"/>
                   </a:solidFill>
@@ -18243,7 +18208,7 @@
             </a:ln>
             <a:extLst>
               <a:ext uri="{91240B29-F687-4f45-9708-019B960494DF}">
-                <a14:hiddenLine xmlns:a14="http://schemas.microsoft.com/office/drawing/2010/main" xmlns:p14="http://schemas.microsoft.com/office/powerpoint/2010/main" xmlns:a16="http://schemas.microsoft.com/office/drawing/2014/main" xmlns="" w="9525">
+                <a14:hiddenLine xmlns="" xmlns:a16="http://schemas.microsoft.com/office/drawing/2014/main" xmlns:p14="http://schemas.microsoft.com/office/powerpoint/2010/main" xmlns:a14="http://schemas.microsoft.com/office/drawing/2010/main" w="9525">
                   <a:solidFill>
                     <a:srgbClr val="000000"/>
                   </a:solidFill>
@@ -18368,7 +18333,7 @@
             </a:ln>
             <a:extLst>
               <a:ext uri="{91240B29-F687-4f45-9708-019B960494DF}">
-                <a14:hiddenLine xmlns:a14="http://schemas.microsoft.com/office/drawing/2010/main" xmlns:p14="http://schemas.microsoft.com/office/powerpoint/2010/main" xmlns:a16="http://schemas.microsoft.com/office/drawing/2014/main" xmlns="" w="9525">
+                <a14:hiddenLine xmlns="" xmlns:a16="http://schemas.microsoft.com/office/drawing/2014/main" xmlns:p14="http://schemas.microsoft.com/office/powerpoint/2010/main" xmlns:a14="http://schemas.microsoft.com/office/drawing/2010/main" w="9525">
                   <a:solidFill>
                     <a:srgbClr val="000000"/>
                   </a:solidFill>
@@ -18482,7 +18447,7 @@
             </a:ln>
             <a:extLst>
               <a:ext uri="{91240B29-F687-4f45-9708-019B960494DF}">
-                <a14:hiddenLine xmlns:a14="http://schemas.microsoft.com/office/drawing/2010/main" xmlns:p14="http://schemas.microsoft.com/office/powerpoint/2010/main" xmlns:a16="http://schemas.microsoft.com/office/drawing/2014/main" xmlns="" w="9525">
+                <a14:hiddenLine xmlns="" xmlns:a16="http://schemas.microsoft.com/office/drawing/2014/main" xmlns:p14="http://schemas.microsoft.com/office/powerpoint/2010/main" xmlns:a14="http://schemas.microsoft.com/office/drawing/2010/main" w="9525">
                   <a:solidFill>
                     <a:srgbClr val="000000"/>
                   </a:solidFill>
@@ -18559,7 +18524,7 @@
             </a:ln>
             <a:extLst>
               <a:ext uri="{91240B29-F687-4f45-9708-019B960494DF}">
-                <a14:hiddenLine xmlns:a14="http://schemas.microsoft.com/office/drawing/2010/main" xmlns:p14="http://schemas.microsoft.com/office/powerpoint/2010/main" xmlns:a16="http://schemas.microsoft.com/office/drawing/2014/main" xmlns="" w="9525">
+                <a14:hiddenLine xmlns="" xmlns:a16="http://schemas.microsoft.com/office/drawing/2014/main" xmlns:p14="http://schemas.microsoft.com/office/powerpoint/2010/main" xmlns:a14="http://schemas.microsoft.com/office/drawing/2010/main" w="9525">
                   <a:solidFill>
                     <a:srgbClr val="000000"/>
                   </a:solidFill>
@@ -18636,7 +18601,7 @@
             </a:ln>
             <a:extLst>
               <a:ext uri="{91240B29-F687-4f45-9708-019B960494DF}">
-                <a14:hiddenLine xmlns:a14="http://schemas.microsoft.com/office/drawing/2010/main" xmlns:p14="http://schemas.microsoft.com/office/powerpoint/2010/main" xmlns:a16="http://schemas.microsoft.com/office/drawing/2014/main" xmlns="" w="9525">
+                <a14:hiddenLine xmlns="" xmlns:a16="http://schemas.microsoft.com/office/drawing/2014/main" xmlns:p14="http://schemas.microsoft.com/office/powerpoint/2010/main" xmlns:a14="http://schemas.microsoft.com/office/drawing/2010/main" w="9525">
                   <a:solidFill>
                     <a:srgbClr val="000000"/>
                   </a:solidFill>
@@ -18741,7 +18706,7 @@
             </a:ln>
             <a:extLst>
               <a:ext uri="{91240B29-F687-4f45-9708-019B960494DF}">
-                <a14:hiddenLine xmlns:a14="http://schemas.microsoft.com/office/drawing/2010/main" xmlns:p14="http://schemas.microsoft.com/office/powerpoint/2010/main" xmlns:a16="http://schemas.microsoft.com/office/drawing/2014/main" xmlns="" w="9525">
+                <a14:hiddenLine xmlns="" xmlns:a16="http://schemas.microsoft.com/office/drawing/2014/main" xmlns:p14="http://schemas.microsoft.com/office/powerpoint/2010/main" xmlns:a14="http://schemas.microsoft.com/office/drawing/2010/main" w="9525">
                   <a:solidFill>
                     <a:srgbClr val="000000"/>
                   </a:solidFill>
@@ -18790,7 +18755,7 @@
             </a:ln>
             <a:extLst>
               <a:ext uri="{91240B29-F687-4f45-9708-019B960494DF}">
-                <a14:hiddenLine xmlns:a14="http://schemas.microsoft.com/office/drawing/2010/main" xmlns:p14="http://schemas.microsoft.com/office/powerpoint/2010/main" xmlns:a16="http://schemas.microsoft.com/office/drawing/2014/main" xmlns="" w="9525">
+                <a14:hiddenLine xmlns="" xmlns:a16="http://schemas.microsoft.com/office/drawing/2014/main" xmlns:p14="http://schemas.microsoft.com/office/powerpoint/2010/main" xmlns:a14="http://schemas.microsoft.com/office/drawing/2010/main" w="9525">
                   <a:solidFill>
                     <a:srgbClr val="000000"/>
                   </a:solidFill>
@@ -18870,7 +18835,7 @@
             </a:ln>
             <a:extLst>
               <a:ext uri="{91240B29-F687-4f45-9708-019B960494DF}">
-                <a14:hiddenLine xmlns:a14="http://schemas.microsoft.com/office/drawing/2010/main" xmlns:p14="http://schemas.microsoft.com/office/powerpoint/2010/main" xmlns:a16="http://schemas.microsoft.com/office/drawing/2014/main" xmlns="" w="9525">
+                <a14:hiddenLine xmlns="" xmlns:a16="http://schemas.microsoft.com/office/drawing/2014/main" xmlns:p14="http://schemas.microsoft.com/office/powerpoint/2010/main" xmlns:a14="http://schemas.microsoft.com/office/drawing/2010/main" w="9525">
                   <a:solidFill>
                     <a:srgbClr val="000000"/>
                   </a:solidFill>
@@ -18975,7 +18940,7 @@
             </a:ln>
             <a:extLst>
               <a:ext uri="{91240B29-F687-4f45-9708-019B960494DF}">
-                <a14:hiddenLine xmlns:a14="http://schemas.microsoft.com/office/drawing/2010/main" xmlns:p14="http://schemas.microsoft.com/office/powerpoint/2010/main" xmlns:a16="http://schemas.microsoft.com/office/drawing/2014/main" xmlns="" w="9525">
+                <a14:hiddenLine xmlns="" xmlns:a16="http://schemas.microsoft.com/office/drawing/2014/main" xmlns:p14="http://schemas.microsoft.com/office/powerpoint/2010/main" xmlns:a14="http://schemas.microsoft.com/office/drawing/2010/main" w="9525">
                   <a:solidFill>
                     <a:srgbClr val="000000"/>
                   </a:solidFill>
@@ -19052,7 +19017,7 @@
             </a:ln>
             <a:extLst>
               <a:ext uri="{91240B29-F687-4f45-9708-019B960494DF}">
-                <a14:hiddenLine xmlns:a14="http://schemas.microsoft.com/office/drawing/2010/main" xmlns:p14="http://schemas.microsoft.com/office/powerpoint/2010/main" xmlns:a16="http://schemas.microsoft.com/office/drawing/2014/main" xmlns="" w="9525">
+                <a14:hiddenLine xmlns="" xmlns:a16="http://schemas.microsoft.com/office/drawing/2014/main" xmlns:p14="http://schemas.microsoft.com/office/powerpoint/2010/main" xmlns:a14="http://schemas.microsoft.com/office/drawing/2010/main" w="9525">
                   <a:solidFill>
                     <a:srgbClr val="000000"/>
                   </a:solidFill>
@@ -19157,7 +19122,7 @@
             </a:ln>
             <a:extLst>
               <a:ext uri="{91240B29-F687-4f45-9708-019B960494DF}">
-                <a14:hiddenLine xmlns:a14="http://schemas.microsoft.com/office/drawing/2010/main" xmlns:p14="http://schemas.microsoft.com/office/powerpoint/2010/main" xmlns:a16="http://schemas.microsoft.com/office/drawing/2014/main" xmlns="" w="9525">
+                <a14:hiddenLine xmlns="" xmlns:a16="http://schemas.microsoft.com/office/drawing/2014/main" xmlns:p14="http://schemas.microsoft.com/office/powerpoint/2010/main" xmlns:a14="http://schemas.microsoft.com/office/drawing/2010/main" w="9525">
                   <a:solidFill>
                     <a:srgbClr val="000000"/>
                   </a:solidFill>
@@ -19237,7 +19202,7 @@
             </a:ln>
             <a:extLst>
               <a:ext uri="{91240B29-F687-4f45-9708-019B960494DF}">
-                <a14:hiddenLine xmlns:a14="http://schemas.microsoft.com/office/drawing/2010/main" xmlns:p14="http://schemas.microsoft.com/office/powerpoint/2010/main" xmlns:a16="http://schemas.microsoft.com/office/drawing/2014/main" xmlns="" w="9525">
+                <a14:hiddenLine xmlns="" xmlns:a16="http://schemas.microsoft.com/office/drawing/2014/main" xmlns:p14="http://schemas.microsoft.com/office/powerpoint/2010/main" xmlns:a14="http://schemas.microsoft.com/office/drawing/2010/main" w="9525">
                   <a:solidFill>
                     <a:srgbClr val="000000"/>
                   </a:solidFill>
@@ -19314,7 +19279,7 @@
             </a:ln>
             <a:extLst>
               <a:ext uri="{91240B29-F687-4f45-9708-019B960494DF}">
-                <a14:hiddenLine xmlns:a14="http://schemas.microsoft.com/office/drawing/2010/main" xmlns:p14="http://schemas.microsoft.com/office/powerpoint/2010/main" xmlns:a16="http://schemas.microsoft.com/office/drawing/2014/main" xmlns="" w="9525">
+                <a14:hiddenLine xmlns="" xmlns:a16="http://schemas.microsoft.com/office/drawing/2014/main" xmlns:p14="http://schemas.microsoft.com/office/powerpoint/2010/main" xmlns:a14="http://schemas.microsoft.com/office/drawing/2010/main" w="9525">
                   <a:solidFill>
                     <a:srgbClr val="000000"/>
                   </a:solidFill>
@@ -19419,7 +19384,7 @@
             </a:ln>
             <a:extLst>
               <a:ext uri="{91240B29-F687-4f45-9708-019B960494DF}">
-                <a14:hiddenLine xmlns:a14="http://schemas.microsoft.com/office/drawing/2010/main" xmlns:p14="http://schemas.microsoft.com/office/powerpoint/2010/main" xmlns:a16="http://schemas.microsoft.com/office/drawing/2014/main" xmlns="" w="9525">
+                <a14:hiddenLine xmlns="" xmlns:a16="http://schemas.microsoft.com/office/drawing/2014/main" xmlns:p14="http://schemas.microsoft.com/office/powerpoint/2010/main" xmlns:a14="http://schemas.microsoft.com/office/drawing/2010/main" w="9525">
                   <a:solidFill>
                     <a:srgbClr val="000000"/>
                   </a:solidFill>
@@ -19524,7 +19489,7 @@
             </a:ln>
             <a:extLst>
               <a:ext uri="{91240B29-F687-4f45-9708-019B960494DF}">
-                <a14:hiddenLine xmlns:a14="http://schemas.microsoft.com/office/drawing/2010/main" xmlns:p14="http://schemas.microsoft.com/office/powerpoint/2010/main" xmlns:a16="http://schemas.microsoft.com/office/drawing/2014/main" xmlns="" w="9525">
+                <a14:hiddenLine xmlns="" xmlns:a16="http://schemas.microsoft.com/office/drawing/2014/main" xmlns:p14="http://schemas.microsoft.com/office/powerpoint/2010/main" xmlns:a14="http://schemas.microsoft.com/office/drawing/2010/main" w="9525">
                   <a:solidFill>
                     <a:srgbClr val="000000"/>
                   </a:solidFill>
@@ -19604,7 +19569,7 @@
             </a:ln>
             <a:extLst>
               <a:ext uri="{91240B29-F687-4f45-9708-019B960494DF}">
-                <a14:hiddenLine xmlns:a14="http://schemas.microsoft.com/office/drawing/2010/main" xmlns:p14="http://schemas.microsoft.com/office/powerpoint/2010/main" xmlns:a16="http://schemas.microsoft.com/office/drawing/2014/main" xmlns="" w="9525">
+                <a14:hiddenLine xmlns="" xmlns:a16="http://schemas.microsoft.com/office/drawing/2014/main" xmlns:p14="http://schemas.microsoft.com/office/powerpoint/2010/main" xmlns:a14="http://schemas.microsoft.com/office/drawing/2010/main" w="9525">
                   <a:solidFill>
                     <a:srgbClr val="000000"/>
                   </a:solidFill>
@@ -19739,7 +19704,7 @@
             </a:ln>
             <a:extLst>
               <a:ext uri="{91240B29-F687-4f45-9708-019B960494DF}">
-                <a14:hiddenLine xmlns:a14="http://schemas.microsoft.com/office/drawing/2010/main" xmlns:p14="http://schemas.microsoft.com/office/powerpoint/2010/main" xmlns:a16="http://schemas.microsoft.com/office/drawing/2014/main" xmlns="" w="9525">
+                <a14:hiddenLine xmlns="" xmlns:a16="http://schemas.microsoft.com/office/drawing/2014/main" xmlns:p14="http://schemas.microsoft.com/office/powerpoint/2010/main" xmlns:a14="http://schemas.microsoft.com/office/drawing/2010/main" w="9525">
                   <a:solidFill>
                     <a:srgbClr val="000000"/>
                   </a:solidFill>
@@ -19770,8 +19735,8 @@
         </p:nvSpPr>
         <p:spPr>
           <a:xfrm>
-            <a:off x="1273179" y="1061705"/>
-            <a:ext cx="2398070" cy="698501"/>
+            <a:off x="1273178" y="1061705"/>
+            <a:ext cx="2971275" cy="698501"/>
           </a:xfrm>
           <a:solidFill>
             <a:schemeClr val="bg1">
@@ -19782,7 +19747,7 @@
         </p:spPr>
         <p:txBody>
           <a:bodyPr>
-            <a:normAutofit/>
+            <a:normAutofit fontScale="90000"/>
           </a:bodyPr>
           <a:lstStyle/>
           <a:p>
@@ -19790,7 +19755,7 @@
               <a:rPr lang="en-US" dirty="0">
                 <a:latin typeface="Franklin Gothic Demi" panose="020B0703020102020204" pitchFamily="34" charset="0"/>
               </a:rPr>
-              <a:t>abstract</a:t>
+              <a:t>Introduction</a:t>
             </a:r>
           </a:p>
         </p:txBody>
@@ -20115,7 +20080,7 @@
             </a:ln>
             <a:extLst>
               <a:ext uri="{91240B29-F687-4f45-9708-019B960494DF}">
-                <a14:hiddenLine xmlns:a14="http://schemas.microsoft.com/office/drawing/2010/main" xmlns:p14="http://schemas.microsoft.com/office/powerpoint/2010/main" xmlns:a16="http://schemas.microsoft.com/office/drawing/2014/main" xmlns="" w="9525">
+                <a14:hiddenLine xmlns="" xmlns:a16="http://schemas.microsoft.com/office/drawing/2014/main" xmlns:p14="http://schemas.microsoft.com/office/powerpoint/2010/main" xmlns:a14="http://schemas.microsoft.com/office/drawing/2010/main" w="9525">
                   <a:solidFill>
                     <a:srgbClr val="000000"/>
                   </a:solidFill>
@@ -20245,7 +20210,7 @@
             </a:ln>
             <a:extLst>
               <a:ext uri="{91240B29-F687-4f45-9708-019B960494DF}">
-                <a14:hiddenLine xmlns:a14="http://schemas.microsoft.com/office/drawing/2010/main" xmlns:p14="http://schemas.microsoft.com/office/powerpoint/2010/main" xmlns:a16="http://schemas.microsoft.com/office/drawing/2014/main" xmlns="" w="9525">
+                <a14:hiddenLine xmlns="" xmlns:a16="http://schemas.microsoft.com/office/drawing/2014/main" xmlns:p14="http://schemas.microsoft.com/office/powerpoint/2010/main" xmlns:a14="http://schemas.microsoft.com/office/drawing/2010/main" w="9525">
                   <a:solidFill>
                     <a:srgbClr val="000000"/>
                   </a:solidFill>
@@ -20350,7 +20315,7 @@
             </a:ln>
             <a:extLst>
               <a:ext uri="{91240B29-F687-4f45-9708-019B960494DF}">
-                <a14:hiddenLine xmlns:a14="http://schemas.microsoft.com/office/drawing/2010/main" xmlns:p14="http://schemas.microsoft.com/office/powerpoint/2010/main" xmlns:a16="http://schemas.microsoft.com/office/drawing/2014/main" xmlns="" w="9525">
+                <a14:hiddenLine xmlns="" xmlns:a16="http://schemas.microsoft.com/office/drawing/2014/main" xmlns:p14="http://schemas.microsoft.com/office/powerpoint/2010/main" xmlns:a14="http://schemas.microsoft.com/office/drawing/2010/main" w="9525">
                   <a:solidFill>
                     <a:srgbClr val="000000"/>
                   </a:solidFill>
@@ -20430,7 +20395,7 @@
             </a:ln>
             <a:extLst>
               <a:ext uri="{91240B29-F687-4f45-9708-019B960494DF}">
-                <a14:hiddenLine xmlns:a14="http://schemas.microsoft.com/office/drawing/2010/main" xmlns:p14="http://schemas.microsoft.com/office/powerpoint/2010/main" xmlns:a16="http://schemas.microsoft.com/office/drawing/2014/main" xmlns="" w="9525">
+                <a14:hiddenLine xmlns="" xmlns:a16="http://schemas.microsoft.com/office/drawing/2014/main" xmlns:p14="http://schemas.microsoft.com/office/powerpoint/2010/main" xmlns:a14="http://schemas.microsoft.com/office/drawing/2010/main" w="9525">
                   <a:solidFill>
                     <a:srgbClr val="000000"/>
                   </a:solidFill>
@@ -20535,7 +20500,7 @@
             </a:ln>
             <a:extLst>
               <a:ext uri="{91240B29-F687-4f45-9708-019B960494DF}">
-                <a14:hiddenLine xmlns:a14="http://schemas.microsoft.com/office/drawing/2010/main" xmlns:p14="http://schemas.microsoft.com/office/powerpoint/2010/main" xmlns:a16="http://schemas.microsoft.com/office/drawing/2014/main" xmlns="" w="9525">
+                <a14:hiddenLine xmlns="" xmlns:a16="http://schemas.microsoft.com/office/drawing/2014/main" xmlns:p14="http://schemas.microsoft.com/office/powerpoint/2010/main" xmlns:a14="http://schemas.microsoft.com/office/drawing/2010/main" w="9525">
                   <a:solidFill>
                     <a:srgbClr val="000000"/>
                   </a:solidFill>
@@ -20618,7 +20583,7 @@
             </a:ln>
             <a:extLst>
               <a:ext uri="{91240B29-F687-4f45-9708-019B960494DF}">
-                <a14:hiddenLine xmlns:a14="http://schemas.microsoft.com/office/drawing/2010/main" xmlns:p14="http://schemas.microsoft.com/office/powerpoint/2010/main" xmlns:a16="http://schemas.microsoft.com/office/drawing/2014/main" xmlns="" w="9525">
+                <a14:hiddenLine xmlns="" xmlns:a16="http://schemas.microsoft.com/office/drawing/2014/main" xmlns:p14="http://schemas.microsoft.com/office/powerpoint/2010/main" xmlns:a14="http://schemas.microsoft.com/office/drawing/2010/main" w="9525">
                   <a:solidFill>
                     <a:srgbClr val="000000"/>
                   </a:solidFill>
@@ -20723,7 +20688,7 @@
             </a:ln>
             <a:extLst>
               <a:ext uri="{91240B29-F687-4f45-9708-019B960494DF}">
-                <a14:hiddenLine xmlns:a14="http://schemas.microsoft.com/office/drawing/2010/main" xmlns:p14="http://schemas.microsoft.com/office/powerpoint/2010/main" xmlns:a16="http://schemas.microsoft.com/office/drawing/2014/main" xmlns="" w="9525">
+                <a14:hiddenLine xmlns="" xmlns:a16="http://schemas.microsoft.com/office/drawing/2014/main" xmlns:p14="http://schemas.microsoft.com/office/powerpoint/2010/main" xmlns:a14="http://schemas.microsoft.com/office/drawing/2010/main" w="9525">
                   <a:solidFill>
                     <a:srgbClr val="000000"/>
                   </a:solidFill>
@@ -20806,7 +20771,7 @@
             </a:ln>
             <a:extLst>
               <a:ext uri="{91240B29-F687-4f45-9708-019B960494DF}">
-                <a14:hiddenLine xmlns:a14="http://schemas.microsoft.com/office/drawing/2010/main" xmlns:p14="http://schemas.microsoft.com/office/powerpoint/2010/main" xmlns:a16="http://schemas.microsoft.com/office/drawing/2014/main" xmlns="" w="9525">
+                <a14:hiddenLine xmlns="" xmlns:a16="http://schemas.microsoft.com/office/drawing/2014/main" xmlns:p14="http://schemas.microsoft.com/office/powerpoint/2010/main" xmlns:a14="http://schemas.microsoft.com/office/drawing/2010/main" w="9525">
                   <a:solidFill>
                     <a:srgbClr val="000000"/>
                   </a:solidFill>
@@ -20911,7 +20876,7 @@
             </a:ln>
             <a:extLst>
               <a:ext uri="{91240B29-F687-4f45-9708-019B960494DF}">
-                <a14:hiddenLine xmlns:a14="http://schemas.microsoft.com/office/drawing/2010/main" xmlns:p14="http://schemas.microsoft.com/office/powerpoint/2010/main" xmlns:a16="http://schemas.microsoft.com/office/drawing/2014/main" xmlns="" w="9525">
+                <a14:hiddenLine xmlns="" xmlns:a16="http://schemas.microsoft.com/office/drawing/2014/main" xmlns:p14="http://schemas.microsoft.com/office/powerpoint/2010/main" xmlns:a14="http://schemas.microsoft.com/office/drawing/2010/main" w="9525">
                   <a:solidFill>
                     <a:srgbClr val="000000"/>
                   </a:solidFill>
@@ -20960,7 +20925,7 @@
             </a:ln>
             <a:extLst>
               <a:ext uri="{91240B29-F687-4f45-9708-019B960494DF}">
-                <a14:hiddenLine xmlns:a14="http://schemas.microsoft.com/office/drawing/2010/main" xmlns:p14="http://schemas.microsoft.com/office/powerpoint/2010/main" xmlns:a16="http://schemas.microsoft.com/office/drawing/2014/main" xmlns="" w="9525">
+                <a14:hiddenLine xmlns="" xmlns:a16="http://schemas.microsoft.com/office/drawing/2014/main" xmlns:p14="http://schemas.microsoft.com/office/powerpoint/2010/main" xmlns:a14="http://schemas.microsoft.com/office/drawing/2010/main" w="9525">
                   <a:solidFill>
                     <a:srgbClr val="000000"/>
                   </a:solidFill>
@@ -21157,7 +21122,7 @@
             </a:ln>
             <a:extLst>
               <a:ext uri="{91240B29-F687-4f45-9708-019B960494DF}">
-                <a14:hiddenLine xmlns="" xmlns:a16="http://schemas.microsoft.com/office/drawing/2014/main" xmlns:p14="http://schemas.microsoft.com/office/powerpoint/2010/main" xmlns:a14="http://schemas.microsoft.com/office/drawing/2010/main" w="9525">
+                <a14:hiddenLine xmlns:a14="http://schemas.microsoft.com/office/drawing/2010/main" xmlns:p14="http://schemas.microsoft.com/office/powerpoint/2010/main" xmlns:a16="http://schemas.microsoft.com/office/drawing/2014/main" xmlns="" w="9525">
                   <a:solidFill>
                     <a:srgbClr val="000000"/>
                   </a:solidFill>
@@ -21262,7 +21227,7 @@
             </a:ln>
             <a:extLst>
               <a:ext uri="{91240B29-F687-4f45-9708-019B960494DF}">
-                <a14:hiddenLine xmlns="" xmlns:a16="http://schemas.microsoft.com/office/drawing/2014/main" xmlns:p14="http://schemas.microsoft.com/office/powerpoint/2010/main" xmlns:a14="http://schemas.microsoft.com/office/drawing/2010/main" w="9525">
+                <a14:hiddenLine xmlns:a14="http://schemas.microsoft.com/office/drawing/2010/main" xmlns:p14="http://schemas.microsoft.com/office/powerpoint/2010/main" xmlns:a16="http://schemas.microsoft.com/office/drawing/2014/main" xmlns="" w="9525">
                   <a:solidFill>
                     <a:srgbClr val="000000"/>
                   </a:solidFill>
@@ -21367,7 +21332,7 @@
             </a:ln>
             <a:extLst>
               <a:ext uri="{91240B29-F687-4f45-9708-019B960494DF}">
-                <a14:hiddenLine xmlns="" xmlns:a16="http://schemas.microsoft.com/office/drawing/2014/main" xmlns:p14="http://schemas.microsoft.com/office/powerpoint/2010/main" xmlns:a14="http://schemas.microsoft.com/office/drawing/2010/main" w="9525">
+                <a14:hiddenLine xmlns:a14="http://schemas.microsoft.com/office/drawing/2010/main" xmlns:p14="http://schemas.microsoft.com/office/powerpoint/2010/main" xmlns:a16="http://schemas.microsoft.com/office/drawing/2014/main" xmlns="" w="9525">
                   <a:solidFill>
                     <a:srgbClr val="000000"/>
                   </a:solidFill>
@@ -21444,7 +21409,7 @@
             </a:ln>
             <a:extLst>
               <a:ext uri="{91240B29-F687-4f45-9708-019B960494DF}">
-                <a14:hiddenLine xmlns="" xmlns:a16="http://schemas.microsoft.com/office/drawing/2014/main" xmlns:p14="http://schemas.microsoft.com/office/powerpoint/2010/main" xmlns:a14="http://schemas.microsoft.com/office/drawing/2010/main" w="9525">
+                <a14:hiddenLine xmlns:a14="http://schemas.microsoft.com/office/drawing/2010/main" xmlns:p14="http://schemas.microsoft.com/office/powerpoint/2010/main" xmlns:a16="http://schemas.microsoft.com/office/drawing/2014/main" xmlns="" w="9525">
                   <a:solidFill>
                     <a:srgbClr val="000000"/>
                   </a:solidFill>
@@ -21549,7 +21514,7 @@
             </a:ln>
             <a:extLst>
               <a:ext uri="{91240B29-F687-4f45-9708-019B960494DF}">
-                <a14:hiddenLine xmlns="" xmlns:a16="http://schemas.microsoft.com/office/drawing/2014/main" xmlns:p14="http://schemas.microsoft.com/office/powerpoint/2010/main" xmlns:a14="http://schemas.microsoft.com/office/drawing/2010/main" w="9525">
+                <a14:hiddenLine xmlns:a14="http://schemas.microsoft.com/office/drawing/2010/main" xmlns:p14="http://schemas.microsoft.com/office/powerpoint/2010/main" xmlns:a16="http://schemas.microsoft.com/office/drawing/2014/main" xmlns="" w="9525">
                   <a:solidFill>
                     <a:srgbClr val="000000"/>
                   </a:solidFill>
@@ -21626,7 +21591,7 @@
             </a:ln>
             <a:extLst>
               <a:ext uri="{91240B29-F687-4f45-9708-019B960494DF}">
-                <a14:hiddenLine xmlns="" xmlns:a16="http://schemas.microsoft.com/office/drawing/2014/main" xmlns:p14="http://schemas.microsoft.com/office/powerpoint/2010/main" xmlns:a14="http://schemas.microsoft.com/office/drawing/2010/main" w="9525">
+                <a14:hiddenLine xmlns:a14="http://schemas.microsoft.com/office/drawing/2010/main" xmlns:p14="http://schemas.microsoft.com/office/powerpoint/2010/main" xmlns:a16="http://schemas.microsoft.com/office/drawing/2014/main" xmlns="" w="9525">
                   <a:solidFill>
                     <a:srgbClr val="000000"/>
                   </a:solidFill>
@@ -21703,7 +21668,7 @@
             </a:ln>
             <a:extLst>
               <a:ext uri="{91240B29-F687-4f45-9708-019B960494DF}">
-                <a14:hiddenLine xmlns="" xmlns:a16="http://schemas.microsoft.com/office/drawing/2014/main" xmlns:p14="http://schemas.microsoft.com/office/powerpoint/2010/main" xmlns:a14="http://schemas.microsoft.com/office/drawing/2010/main" w="9525">
+                <a14:hiddenLine xmlns:a14="http://schemas.microsoft.com/office/drawing/2010/main" xmlns:p14="http://schemas.microsoft.com/office/powerpoint/2010/main" xmlns:a16="http://schemas.microsoft.com/office/drawing/2014/main" xmlns="" w="9525">
                   <a:solidFill>
                     <a:srgbClr val="000000"/>
                   </a:solidFill>
@@ -21808,7 +21773,7 @@
             </a:ln>
             <a:extLst>
               <a:ext uri="{91240B29-F687-4f45-9708-019B960494DF}">
-                <a14:hiddenLine xmlns="" xmlns:a16="http://schemas.microsoft.com/office/drawing/2014/main" xmlns:p14="http://schemas.microsoft.com/office/powerpoint/2010/main" xmlns:a14="http://schemas.microsoft.com/office/drawing/2010/main" w="9525">
+                <a14:hiddenLine xmlns:a14="http://schemas.microsoft.com/office/drawing/2010/main" xmlns:p14="http://schemas.microsoft.com/office/powerpoint/2010/main" xmlns:a16="http://schemas.microsoft.com/office/drawing/2014/main" xmlns="" w="9525">
                   <a:solidFill>
                     <a:srgbClr val="000000"/>
                   </a:solidFill>
@@ -21913,7 +21878,7 @@
             </a:ln>
             <a:extLst>
               <a:ext uri="{91240B29-F687-4f45-9708-019B960494DF}">
-                <a14:hiddenLine xmlns="" xmlns:a16="http://schemas.microsoft.com/office/drawing/2014/main" xmlns:p14="http://schemas.microsoft.com/office/powerpoint/2010/main" xmlns:a14="http://schemas.microsoft.com/office/drawing/2010/main" w="9525">
+                <a14:hiddenLine xmlns:a14="http://schemas.microsoft.com/office/drawing/2010/main" xmlns:p14="http://schemas.microsoft.com/office/powerpoint/2010/main" xmlns:a16="http://schemas.microsoft.com/office/drawing/2014/main" xmlns="" w="9525">
                   <a:solidFill>
                     <a:srgbClr val="000000"/>
                   </a:solidFill>
@@ -21990,7 +21955,7 @@
             </a:ln>
             <a:extLst>
               <a:ext uri="{91240B29-F687-4f45-9708-019B960494DF}">
-                <a14:hiddenLine xmlns="" xmlns:a16="http://schemas.microsoft.com/office/drawing/2014/main" xmlns:p14="http://schemas.microsoft.com/office/powerpoint/2010/main" xmlns:a14="http://schemas.microsoft.com/office/drawing/2010/main" w="9525">
+                <a14:hiddenLine xmlns:a14="http://schemas.microsoft.com/office/drawing/2010/main" xmlns:p14="http://schemas.microsoft.com/office/powerpoint/2010/main" xmlns:a16="http://schemas.microsoft.com/office/drawing/2014/main" xmlns="" w="9525">
                   <a:solidFill>
                     <a:srgbClr val="000000"/>
                   </a:solidFill>
@@ -22115,7 +22080,7 @@
             </a:ln>
             <a:extLst>
               <a:ext uri="{91240B29-F687-4f45-9708-019B960494DF}">
-                <a14:hiddenLine xmlns="" xmlns:a16="http://schemas.microsoft.com/office/drawing/2014/main" xmlns:p14="http://schemas.microsoft.com/office/powerpoint/2010/main" xmlns:a14="http://schemas.microsoft.com/office/drawing/2010/main" w="9525">
+                <a14:hiddenLine xmlns:a14="http://schemas.microsoft.com/office/drawing/2010/main" xmlns:p14="http://schemas.microsoft.com/office/powerpoint/2010/main" xmlns:a16="http://schemas.microsoft.com/office/drawing/2014/main" xmlns="" w="9525">
                   <a:solidFill>
                     <a:srgbClr val="000000"/>
                   </a:solidFill>
@@ -22229,7 +22194,7 @@
             </a:ln>
             <a:extLst>
               <a:ext uri="{91240B29-F687-4f45-9708-019B960494DF}">
-                <a14:hiddenLine xmlns="" xmlns:a16="http://schemas.microsoft.com/office/drawing/2014/main" xmlns:p14="http://schemas.microsoft.com/office/powerpoint/2010/main" xmlns:a14="http://schemas.microsoft.com/office/drawing/2010/main" w="9525">
+                <a14:hiddenLine xmlns:a14="http://schemas.microsoft.com/office/drawing/2010/main" xmlns:p14="http://schemas.microsoft.com/office/powerpoint/2010/main" xmlns:a16="http://schemas.microsoft.com/office/drawing/2014/main" xmlns="" w="9525">
                   <a:solidFill>
                     <a:srgbClr val="000000"/>
                   </a:solidFill>
@@ -22306,7 +22271,7 @@
             </a:ln>
             <a:extLst>
               <a:ext uri="{91240B29-F687-4f45-9708-019B960494DF}">
-                <a14:hiddenLine xmlns="" xmlns:a16="http://schemas.microsoft.com/office/drawing/2014/main" xmlns:p14="http://schemas.microsoft.com/office/powerpoint/2010/main" xmlns:a14="http://schemas.microsoft.com/office/drawing/2010/main" w="9525">
+                <a14:hiddenLine xmlns:a14="http://schemas.microsoft.com/office/drawing/2010/main" xmlns:p14="http://schemas.microsoft.com/office/powerpoint/2010/main" xmlns:a16="http://schemas.microsoft.com/office/drawing/2014/main" xmlns="" w="9525">
                   <a:solidFill>
                     <a:srgbClr val="000000"/>
                   </a:solidFill>
@@ -22383,7 +22348,7 @@
             </a:ln>
             <a:extLst>
               <a:ext uri="{91240B29-F687-4f45-9708-019B960494DF}">
-                <a14:hiddenLine xmlns="" xmlns:a16="http://schemas.microsoft.com/office/drawing/2014/main" xmlns:p14="http://schemas.microsoft.com/office/powerpoint/2010/main" xmlns:a14="http://schemas.microsoft.com/office/drawing/2010/main" w="9525">
+                <a14:hiddenLine xmlns:a14="http://schemas.microsoft.com/office/drawing/2010/main" xmlns:p14="http://schemas.microsoft.com/office/powerpoint/2010/main" xmlns:a16="http://schemas.microsoft.com/office/drawing/2014/main" xmlns="" w="9525">
                   <a:solidFill>
                     <a:srgbClr val="000000"/>
                   </a:solidFill>
@@ -22488,7 +22453,7 @@
             </a:ln>
             <a:extLst>
               <a:ext uri="{91240B29-F687-4f45-9708-019B960494DF}">
-                <a14:hiddenLine xmlns="" xmlns:a16="http://schemas.microsoft.com/office/drawing/2014/main" xmlns:p14="http://schemas.microsoft.com/office/powerpoint/2010/main" xmlns:a14="http://schemas.microsoft.com/office/drawing/2010/main" w="9525">
+                <a14:hiddenLine xmlns:a14="http://schemas.microsoft.com/office/drawing/2010/main" xmlns:p14="http://schemas.microsoft.com/office/powerpoint/2010/main" xmlns:a16="http://schemas.microsoft.com/office/drawing/2014/main" xmlns="" w="9525">
                   <a:solidFill>
                     <a:srgbClr val="000000"/>
                   </a:solidFill>
@@ -22537,7 +22502,7 @@
             </a:ln>
             <a:extLst>
               <a:ext uri="{91240B29-F687-4f45-9708-019B960494DF}">
-                <a14:hiddenLine xmlns="" xmlns:a16="http://schemas.microsoft.com/office/drawing/2014/main" xmlns:p14="http://schemas.microsoft.com/office/powerpoint/2010/main" xmlns:a14="http://schemas.microsoft.com/office/drawing/2010/main" w="9525">
+                <a14:hiddenLine xmlns:a14="http://schemas.microsoft.com/office/drawing/2010/main" xmlns:p14="http://schemas.microsoft.com/office/powerpoint/2010/main" xmlns:a16="http://schemas.microsoft.com/office/drawing/2014/main" xmlns="" w="9525">
                   <a:solidFill>
                     <a:srgbClr val="000000"/>
                   </a:solidFill>
@@ -22617,7 +22582,7 @@
             </a:ln>
             <a:extLst>
               <a:ext uri="{91240B29-F687-4f45-9708-019B960494DF}">
-                <a14:hiddenLine xmlns="" xmlns:a16="http://schemas.microsoft.com/office/drawing/2014/main" xmlns:p14="http://schemas.microsoft.com/office/powerpoint/2010/main" xmlns:a14="http://schemas.microsoft.com/office/drawing/2010/main" w="9525">
+                <a14:hiddenLine xmlns:a14="http://schemas.microsoft.com/office/drawing/2010/main" xmlns:p14="http://schemas.microsoft.com/office/powerpoint/2010/main" xmlns:a16="http://schemas.microsoft.com/office/drawing/2014/main" xmlns="" w="9525">
                   <a:solidFill>
                     <a:srgbClr val="000000"/>
                   </a:solidFill>
@@ -22722,7 +22687,7 @@
             </a:ln>
             <a:extLst>
               <a:ext uri="{91240B29-F687-4f45-9708-019B960494DF}">
-                <a14:hiddenLine xmlns="" xmlns:a16="http://schemas.microsoft.com/office/drawing/2014/main" xmlns:p14="http://schemas.microsoft.com/office/powerpoint/2010/main" xmlns:a14="http://schemas.microsoft.com/office/drawing/2010/main" w="9525">
+                <a14:hiddenLine xmlns:a14="http://schemas.microsoft.com/office/drawing/2010/main" xmlns:p14="http://schemas.microsoft.com/office/powerpoint/2010/main" xmlns:a16="http://schemas.microsoft.com/office/drawing/2014/main" xmlns="" w="9525">
                   <a:solidFill>
                     <a:srgbClr val="000000"/>
                   </a:solidFill>
@@ -22799,7 +22764,7 @@
             </a:ln>
             <a:extLst>
               <a:ext uri="{91240B29-F687-4f45-9708-019B960494DF}">
-                <a14:hiddenLine xmlns="" xmlns:a16="http://schemas.microsoft.com/office/drawing/2014/main" xmlns:p14="http://schemas.microsoft.com/office/powerpoint/2010/main" xmlns:a14="http://schemas.microsoft.com/office/drawing/2010/main" w="9525">
+                <a14:hiddenLine xmlns:a14="http://schemas.microsoft.com/office/drawing/2010/main" xmlns:p14="http://schemas.microsoft.com/office/powerpoint/2010/main" xmlns:a16="http://schemas.microsoft.com/office/drawing/2014/main" xmlns="" w="9525">
                   <a:solidFill>
                     <a:srgbClr val="000000"/>
                   </a:solidFill>
@@ -22904,7 +22869,7 @@
             </a:ln>
             <a:extLst>
               <a:ext uri="{91240B29-F687-4f45-9708-019B960494DF}">
-                <a14:hiddenLine xmlns="" xmlns:a16="http://schemas.microsoft.com/office/drawing/2014/main" xmlns:p14="http://schemas.microsoft.com/office/powerpoint/2010/main" xmlns:a14="http://schemas.microsoft.com/office/drawing/2010/main" w="9525">
+                <a14:hiddenLine xmlns:a14="http://schemas.microsoft.com/office/drawing/2010/main" xmlns:p14="http://schemas.microsoft.com/office/powerpoint/2010/main" xmlns:a16="http://schemas.microsoft.com/office/drawing/2014/main" xmlns="" w="9525">
                   <a:solidFill>
                     <a:srgbClr val="000000"/>
                   </a:solidFill>
@@ -22984,7 +22949,7 @@
             </a:ln>
             <a:extLst>
               <a:ext uri="{91240B29-F687-4f45-9708-019B960494DF}">
-                <a14:hiddenLine xmlns="" xmlns:a16="http://schemas.microsoft.com/office/drawing/2014/main" xmlns:p14="http://schemas.microsoft.com/office/powerpoint/2010/main" xmlns:a14="http://schemas.microsoft.com/office/drawing/2010/main" w="9525">
+                <a14:hiddenLine xmlns:a14="http://schemas.microsoft.com/office/drawing/2010/main" xmlns:p14="http://schemas.microsoft.com/office/powerpoint/2010/main" xmlns:a16="http://schemas.microsoft.com/office/drawing/2014/main" xmlns="" w="9525">
                   <a:solidFill>
                     <a:srgbClr val="000000"/>
                   </a:solidFill>
@@ -23061,7 +23026,7 @@
             </a:ln>
             <a:extLst>
               <a:ext uri="{91240B29-F687-4f45-9708-019B960494DF}">
-                <a14:hiddenLine xmlns="" xmlns:a16="http://schemas.microsoft.com/office/drawing/2014/main" xmlns:p14="http://schemas.microsoft.com/office/powerpoint/2010/main" xmlns:a14="http://schemas.microsoft.com/office/drawing/2010/main" w="9525">
+                <a14:hiddenLine xmlns:a14="http://schemas.microsoft.com/office/drawing/2010/main" xmlns:p14="http://schemas.microsoft.com/office/powerpoint/2010/main" xmlns:a16="http://schemas.microsoft.com/office/drawing/2014/main" xmlns="" w="9525">
                   <a:solidFill>
                     <a:srgbClr val="000000"/>
                   </a:solidFill>
@@ -23166,7 +23131,7 @@
             </a:ln>
             <a:extLst>
               <a:ext uri="{91240B29-F687-4f45-9708-019B960494DF}">
-                <a14:hiddenLine xmlns="" xmlns:a16="http://schemas.microsoft.com/office/drawing/2014/main" xmlns:p14="http://schemas.microsoft.com/office/powerpoint/2010/main" xmlns:a14="http://schemas.microsoft.com/office/drawing/2010/main" w="9525">
+                <a14:hiddenLine xmlns:a14="http://schemas.microsoft.com/office/drawing/2010/main" xmlns:p14="http://schemas.microsoft.com/office/powerpoint/2010/main" xmlns:a16="http://schemas.microsoft.com/office/drawing/2014/main" xmlns="" w="9525">
                   <a:solidFill>
                     <a:srgbClr val="000000"/>
                   </a:solidFill>
@@ -23271,7 +23236,7 @@
             </a:ln>
             <a:extLst>
               <a:ext uri="{91240B29-F687-4f45-9708-019B960494DF}">
-                <a14:hiddenLine xmlns="" xmlns:a16="http://schemas.microsoft.com/office/drawing/2014/main" xmlns:p14="http://schemas.microsoft.com/office/powerpoint/2010/main" xmlns:a14="http://schemas.microsoft.com/office/drawing/2010/main" w="9525">
+                <a14:hiddenLine xmlns:a14="http://schemas.microsoft.com/office/drawing/2010/main" xmlns:p14="http://schemas.microsoft.com/office/powerpoint/2010/main" xmlns:a16="http://schemas.microsoft.com/office/drawing/2014/main" xmlns="" w="9525">
                   <a:solidFill>
                     <a:srgbClr val="000000"/>
                   </a:solidFill>
@@ -23351,7 +23316,7 @@
             </a:ln>
             <a:extLst>
               <a:ext uri="{91240B29-F687-4f45-9708-019B960494DF}">
-                <a14:hiddenLine xmlns="" xmlns:a16="http://schemas.microsoft.com/office/drawing/2014/main" xmlns:p14="http://schemas.microsoft.com/office/powerpoint/2010/main" xmlns:a14="http://schemas.microsoft.com/office/drawing/2010/main" w="9525">
+                <a14:hiddenLine xmlns:a14="http://schemas.microsoft.com/office/drawing/2010/main" xmlns:p14="http://schemas.microsoft.com/office/powerpoint/2010/main" xmlns:a16="http://schemas.microsoft.com/office/drawing/2014/main" xmlns="" w="9525">
                   <a:solidFill>
                     <a:srgbClr val="000000"/>
                   </a:solidFill>
@@ -23486,7 +23451,7 @@
             </a:ln>
             <a:extLst>
               <a:ext uri="{91240B29-F687-4f45-9708-019B960494DF}">
-                <a14:hiddenLine xmlns="" xmlns:a16="http://schemas.microsoft.com/office/drawing/2014/main" xmlns:p14="http://schemas.microsoft.com/office/powerpoint/2010/main" xmlns:a14="http://schemas.microsoft.com/office/drawing/2010/main" w="9525">
+                <a14:hiddenLine xmlns:a14="http://schemas.microsoft.com/office/drawing/2010/main" xmlns:p14="http://schemas.microsoft.com/office/powerpoint/2010/main" xmlns:a16="http://schemas.microsoft.com/office/drawing/2014/main" xmlns="" w="9525">
                   <a:solidFill>
                     <a:srgbClr val="000000"/>
                   </a:solidFill>
@@ -23499,49 +23464,6 @@
           </p:spPr>
         </p:sp>
       </p:grpSp>
-      <p:sp>
-        <p:nvSpPr>
-          <p:cNvPr id="2" name="Title 1">
-            <a:extLst>
-              <a:ext uri="{FF2B5EF4-FFF2-40B4-BE49-F238E27FC236}">
-                <a16:creationId xmlns:a16="http://schemas.microsoft.com/office/drawing/2014/main" id="{8D1F3855-3999-45C6-881E-FF3D43497EF8}"/>
-              </a:ext>
-            </a:extLst>
-          </p:cNvPr>
-          <p:cNvSpPr>
-            <a:spLocks noGrp="1"/>
-          </p:cNvSpPr>
-          <p:nvPr>
-            <p:ph type="title"/>
-          </p:nvPr>
-        </p:nvSpPr>
-        <p:spPr>
-          <a:xfrm>
-            <a:off x="1159765" y="883844"/>
-            <a:ext cx="3307757" cy="764195"/>
-          </a:xfrm>
-          <a:solidFill>
-            <a:schemeClr val="bg1">
-              <a:lumMod val="65000"/>
-              <a:lumOff val="35000"/>
-            </a:schemeClr>
-          </a:solidFill>
-        </p:spPr>
-        <p:txBody>
-          <a:bodyPr>
-            <a:normAutofit/>
-          </a:bodyPr>
-          <a:lstStyle/>
-          <a:p>
-            <a:r>
-              <a:rPr lang="en-US" dirty="0">
-                <a:latin typeface="Franklin Gothic Demi" panose="020B0703020102020204" pitchFamily="34" charset="0"/>
-              </a:rPr>
-              <a:t>INTRODUCTION</a:t>
-            </a:r>
-          </a:p>
-        </p:txBody>
-      </p:sp>
       <p:sp>
         <p:nvSpPr>
           <p:cNvPr id="3" name="Slide Number Placeholder 2">
@@ -23705,7 +23627,7 @@
             </a:ln>
             <a:extLst>
               <a:ext uri="{91240B29-F687-4f45-9708-019B960494DF}">
-                <a14:hiddenLine xmlns="" xmlns:a16="http://schemas.microsoft.com/office/drawing/2014/main" xmlns:p14="http://schemas.microsoft.com/office/powerpoint/2010/main" xmlns:a14="http://schemas.microsoft.com/office/drawing/2010/main" w="9525">
+                <a14:hiddenLine xmlns:a14="http://schemas.microsoft.com/office/drawing/2010/main" xmlns:p14="http://schemas.microsoft.com/office/powerpoint/2010/main" xmlns:a16="http://schemas.microsoft.com/office/drawing/2014/main" xmlns="" w="9525">
                   <a:solidFill>
                     <a:srgbClr val="000000"/>
                   </a:solidFill>
@@ -23835,7 +23757,7 @@
             </a:ln>
             <a:extLst>
               <a:ext uri="{91240B29-F687-4f45-9708-019B960494DF}">
-                <a14:hiddenLine xmlns="" xmlns:a16="http://schemas.microsoft.com/office/drawing/2014/main" xmlns:p14="http://schemas.microsoft.com/office/powerpoint/2010/main" xmlns:a14="http://schemas.microsoft.com/office/drawing/2010/main" w="9525">
+                <a14:hiddenLine xmlns:a14="http://schemas.microsoft.com/office/drawing/2010/main" xmlns:p14="http://schemas.microsoft.com/office/powerpoint/2010/main" xmlns:a16="http://schemas.microsoft.com/office/drawing/2014/main" xmlns="" w="9525">
                   <a:solidFill>
                     <a:srgbClr val="000000"/>
                   </a:solidFill>
@@ -23940,7 +23862,7 @@
             </a:ln>
             <a:extLst>
               <a:ext uri="{91240B29-F687-4f45-9708-019B960494DF}">
-                <a14:hiddenLine xmlns="" xmlns:a16="http://schemas.microsoft.com/office/drawing/2014/main" xmlns:p14="http://schemas.microsoft.com/office/powerpoint/2010/main" xmlns:a14="http://schemas.microsoft.com/office/drawing/2010/main" w="9525">
+                <a14:hiddenLine xmlns:a14="http://schemas.microsoft.com/office/drawing/2010/main" xmlns:p14="http://schemas.microsoft.com/office/powerpoint/2010/main" xmlns:a16="http://schemas.microsoft.com/office/drawing/2014/main" xmlns="" w="9525">
                   <a:solidFill>
                     <a:srgbClr val="000000"/>
                   </a:solidFill>
@@ -24020,7 +23942,7 @@
             </a:ln>
             <a:extLst>
               <a:ext uri="{91240B29-F687-4f45-9708-019B960494DF}">
-                <a14:hiddenLine xmlns="" xmlns:a16="http://schemas.microsoft.com/office/drawing/2014/main" xmlns:p14="http://schemas.microsoft.com/office/powerpoint/2010/main" xmlns:a14="http://schemas.microsoft.com/office/drawing/2010/main" w="9525">
+                <a14:hiddenLine xmlns:a14="http://schemas.microsoft.com/office/drawing/2010/main" xmlns:p14="http://schemas.microsoft.com/office/powerpoint/2010/main" xmlns:a16="http://schemas.microsoft.com/office/drawing/2014/main" xmlns="" w="9525">
                   <a:solidFill>
                     <a:srgbClr val="000000"/>
                   </a:solidFill>
@@ -24125,7 +24047,7 @@
             </a:ln>
             <a:extLst>
               <a:ext uri="{91240B29-F687-4f45-9708-019B960494DF}">
-                <a14:hiddenLine xmlns="" xmlns:a16="http://schemas.microsoft.com/office/drawing/2014/main" xmlns:p14="http://schemas.microsoft.com/office/powerpoint/2010/main" xmlns:a14="http://schemas.microsoft.com/office/drawing/2010/main" w="9525">
+                <a14:hiddenLine xmlns:a14="http://schemas.microsoft.com/office/drawing/2010/main" xmlns:p14="http://schemas.microsoft.com/office/powerpoint/2010/main" xmlns:a16="http://schemas.microsoft.com/office/drawing/2014/main" xmlns="" w="9525">
                   <a:solidFill>
                     <a:srgbClr val="000000"/>
                   </a:solidFill>
@@ -24208,7 +24130,7 @@
             </a:ln>
             <a:extLst>
               <a:ext uri="{91240B29-F687-4f45-9708-019B960494DF}">
-                <a14:hiddenLine xmlns="" xmlns:a16="http://schemas.microsoft.com/office/drawing/2014/main" xmlns:p14="http://schemas.microsoft.com/office/powerpoint/2010/main" xmlns:a14="http://schemas.microsoft.com/office/drawing/2010/main" w="9525">
+                <a14:hiddenLine xmlns:a14="http://schemas.microsoft.com/office/drawing/2010/main" xmlns:p14="http://schemas.microsoft.com/office/powerpoint/2010/main" xmlns:a16="http://schemas.microsoft.com/office/drawing/2014/main" xmlns="" w="9525">
                   <a:solidFill>
                     <a:srgbClr val="000000"/>
                   </a:solidFill>
@@ -24313,7 +24235,7 @@
             </a:ln>
             <a:extLst>
               <a:ext uri="{91240B29-F687-4f45-9708-019B960494DF}">
-                <a14:hiddenLine xmlns="" xmlns:a16="http://schemas.microsoft.com/office/drawing/2014/main" xmlns:p14="http://schemas.microsoft.com/office/powerpoint/2010/main" xmlns:a14="http://schemas.microsoft.com/office/drawing/2010/main" w="9525">
+                <a14:hiddenLine xmlns:a14="http://schemas.microsoft.com/office/drawing/2010/main" xmlns:p14="http://schemas.microsoft.com/office/powerpoint/2010/main" xmlns:a16="http://schemas.microsoft.com/office/drawing/2014/main" xmlns="" w="9525">
                   <a:solidFill>
                     <a:srgbClr val="000000"/>
                   </a:solidFill>
@@ -24396,7 +24318,7 @@
             </a:ln>
             <a:extLst>
               <a:ext uri="{91240B29-F687-4f45-9708-019B960494DF}">
-                <a14:hiddenLine xmlns="" xmlns:a16="http://schemas.microsoft.com/office/drawing/2014/main" xmlns:p14="http://schemas.microsoft.com/office/powerpoint/2010/main" xmlns:a14="http://schemas.microsoft.com/office/drawing/2010/main" w="9525">
+                <a14:hiddenLine xmlns:a14="http://schemas.microsoft.com/office/drawing/2010/main" xmlns:p14="http://schemas.microsoft.com/office/powerpoint/2010/main" xmlns:a16="http://schemas.microsoft.com/office/drawing/2014/main" xmlns="" w="9525">
                   <a:solidFill>
                     <a:srgbClr val="000000"/>
                   </a:solidFill>
@@ -24501,7 +24423,7 @@
             </a:ln>
             <a:extLst>
               <a:ext uri="{91240B29-F687-4f45-9708-019B960494DF}">
-                <a14:hiddenLine xmlns="" xmlns:a16="http://schemas.microsoft.com/office/drawing/2014/main" xmlns:p14="http://schemas.microsoft.com/office/powerpoint/2010/main" xmlns:a14="http://schemas.microsoft.com/office/drawing/2010/main" w="9525">
+                <a14:hiddenLine xmlns:a14="http://schemas.microsoft.com/office/drawing/2010/main" xmlns:p14="http://schemas.microsoft.com/office/powerpoint/2010/main" xmlns:a16="http://schemas.microsoft.com/office/drawing/2014/main" xmlns="" w="9525">
                   <a:solidFill>
                     <a:srgbClr val="000000"/>
                   </a:solidFill>
@@ -24550,7 +24472,7 @@
             </a:ln>
             <a:extLst>
               <a:ext uri="{91240B29-F687-4f45-9708-019B960494DF}">
-                <a14:hiddenLine xmlns="" xmlns:a16="http://schemas.microsoft.com/office/drawing/2014/main" xmlns:p14="http://schemas.microsoft.com/office/powerpoint/2010/main" xmlns:a14="http://schemas.microsoft.com/office/drawing/2010/main" w="9525">
+                <a14:hiddenLine xmlns:a14="http://schemas.microsoft.com/office/drawing/2010/main" xmlns:p14="http://schemas.microsoft.com/office/powerpoint/2010/main" xmlns:a16="http://schemas.microsoft.com/office/drawing/2014/main" xmlns="" w="9525">
                   <a:solidFill>
                     <a:srgbClr val="000000"/>
                   </a:solidFill>
@@ -24581,8 +24503,8 @@
         </p:nvSpPr>
         <p:spPr>
           <a:xfrm>
-            <a:off x="1020762" y="1692275"/>
-            <a:ext cx="10037764" cy="2181225"/>
+            <a:off x="1020762" y="1896995"/>
+            <a:ext cx="10037764" cy="3730693"/>
           </a:xfrm>
         </p:spPr>
         <p:txBody>
@@ -24598,11 +24520,77 @@
               <a:spcBef>
                 <a:spcPts val="0"/>
               </a:spcBef>
+              <a:spcAft>
+                <a:spcPts val="600"/>
+              </a:spcAft>
             </a:pPr>
             <a:r>
-              <a:rPr lang="en-US" sz="2000" b="1" dirty="0"/>
-              <a:t>Recommender systems are pervasive in ecommerce and other web systems. Alternative product recommendation is an important way to help customers easily find the right products and speed up their buying decision process. 2 main ways-</a:t>
+              <a:rPr lang="en-US" sz="2800" b="1" dirty="0"/>
+              <a:t>Textual information </a:t>
             </a:r>
+            <a:r>
+              <a:rPr lang="en-US" sz="3600" b="1" dirty="0">
+                <a:solidFill>
+                  <a:schemeClr val="accent2">
+                    <a:lumMod val="40000"/>
+                    <a:lumOff val="60000"/>
+                  </a:schemeClr>
+                </a:solidFill>
+              </a:rPr>
+              <a:t>𝑇 = {𝑥</a:t>
+            </a:r>
+            <a:r>
+              <a:rPr lang="en-US" sz="2000" b="1" dirty="0">
+                <a:solidFill>
+                  <a:schemeClr val="accent2">
+                    <a:lumMod val="40000"/>
+                    <a:lumOff val="60000"/>
+                  </a:schemeClr>
+                </a:solidFill>
+              </a:rPr>
+              <a:t>1</a:t>
+            </a:r>
+            <a:r>
+              <a:rPr lang="en-US" sz="3600" b="1" dirty="0">
+                <a:solidFill>
+                  <a:schemeClr val="accent2">
+                    <a:lumMod val="40000"/>
+                    <a:lumOff val="60000"/>
+                  </a:schemeClr>
+                </a:solidFill>
+              </a:rPr>
+              <a:t>, … , 𝑥</a:t>
+            </a:r>
+            <a:r>
+              <a:rPr lang="en-US" sz="2800" b="1" dirty="0">
+                <a:solidFill>
+                  <a:schemeClr val="accent2">
+                    <a:lumMod val="40000"/>
+                    <a:lumOff val="60000"/>
+                  </a:schemeClr>
+                </a:solidFill>
+              </a:rPr>
+              <a:t>n</a:t>
+            </a:r>
+            <a:r>
+              <a:rPr lang="en-US" sz="3600" b="1" dirty="0">
+                <a:solidFill>
+                  <a:schemeClr val="accent2">
+                    <a:lumMod val="40000"/>
+                    <a:lumOff val="60000"/>
+                  </a:schemeClr>
+                </a:solidFill>
+              </a:rPr>
+              <a:t>}</a:t>
+            </a:r>
+            <a:endParaRPr lang="en-US" sz="2800" b="1" dirty="0">
+              <a:solidFill>
+                <a:schemeClr val="accent2">
+                  <a:lumMod val="40000"/>
+                  <a:lumOff val="60000"/>
+                </a:schemeClr>
+              </a:solidFill>
+            </a:endParaRPr>
           </a:p>
           <a:p>
             <a:pPr>
@@ -24612,24 +24600,68 @@
               <a:spcBef>
                 <a:spcPts val="0"/>
               </a:spcBef>
+              <a:spcAft>
+                <a:spcPts val="600"/>
+              </a:spcAft>
             </a:pPr>
             <a:r>
-              <a:rPr lang="en-US" sz="2000" b="1" dirty="0"/>
-              <a:t>First is a content-based recommendation approach.</a:t>
+              <a:rPr lang="en-US" sz="2800" b="1" dirty="0"/>
+              <a:t>Catalog of products </a:t>
             </a:r>
-          </a:p>
-          <a:p>
-            <a:pPr>
-              <a:lnSpc>
-                <a:spcPct val="110000"/>
-              </a:lnSpc>
-              <a:spcBef>
-                <a:spcPts val="0"/>
-              </a:spcBef>
-            </a:pPr>
             <a:r>
-              <a:rPr lang="en-US" sz="2000" b="1" dirty="0"/>
-              <a:t>Second way is to leverage customer behavior to find alternative products in the style of item-to-item collaborative filtering</a:t>
+              <a:rPr lang="en-US" sz="3600" b="1" dirty="0">
+                <a:solidFill>
+                  <a:schemeClr val="accent2">
+                    <a:lumMod val="40000"/>
+                    <a:lumOff val="60000"/>
+                  </a:schemeClr>
+                </a:solidFill>
+              </a:rPr>
+              <a:t>𝑃 = {𝑝</a:t>
+            </a:r>
+            <a:r>
+              <a:rPr lang="en-US" b="1" dirty="0">
+                <a:solidFill>
+                  <a:schemeClr val="accent2">
+                    <a:lumMod val="40000"/>
+                    <a:lumOff val="60000"/>
+                  </a:schemeClr>
+                </a:solidFill>
+              </a:rPr>
+              <a:t>1</a:t>
+            </a:r>
+            <a:r>
+              <a:rPr lang="en-US" sz="3600" b="1" dirty="0">
+                <a:solidFill>
+                  <a:schemeClr val="accent2">
+                    <a:lumMod val="40000"/>
+                    <a:lumOff val="60000"/>
+                  </a:schemeClr>
+                </a:solidFill>
+              </a:rPr>
+              <a:t>, … , 𝑝</a:t>
+            </a:r>
+            <a:r>
+              <a:rPr lang="en-US" sz="2800" b="1" dirty="0">
+                <a:solidFill>
+                  <a:schemeClr val="accent2">
+                    <a:lumMod val="40000"/>
+                    <a:lumOff val="60000"/>
+                  </a:schemeClr>
+                </a:solidFill>
+              </a:rPr>
+              <a:t>n</a:t>
+            </a:r>
+            <a:r>
+              <a:rPr lang="en-US" sz="3600" b="1" dirty="0">
+                <a:solidFill>
+                  <a:schemeClr val="accent2">
+                    <a:lumMod val="40000"/>
+                    <a:lumOff val="60000"/>
+                  </a:schemeClr>
+                </a:solidFill>
+              </a:rPr>
+              <a:t>}</a:t>
             </a:r>
           </a:p>
           <a:p>
@@ -24644,7 +24676,207 @@
                 <a:spcPts val="600"/>
               </a:spcAft>
             </a:pPr>
-            <a:endParaRPr lang="en-US" sz="2000" b="1" dirty="0"/>
+            <a:r>
+              <a:rPr lang="en-US" sz="2800" b="1" dirty="0"/>
+              <a:t>Projection Function </a:t>
+            </a:r>
+            <a:r>
+              <a:rPr lang="en-US" sz="3600" b="1" dirty="0" err="1">
+                <a:solidFill>
+                  <a:schemeClr val="accent2">
+                    <a:lumMod val="40000"/>
+                    <a:lumOff val="60000"/>
+                  </a:schemeClr>
+                </a:solidFill>
+              </a:rPr>
+              <a:t>f</a:t>
+            </a:r>
+            <a:r>
+              <a:rPr lang="en-US" sz="2800" b="1" dirty="0" err="1">
+                <a:solidFill>
+                  <a:schemeClr val="accent2">
+                    <a:lumMod val="40000"/>
+                    <a:lumOff val="60000"/>
+                  </a:schemeClr>
+                </a:solidFill>
+              </a:rPr>
+              <a:t>w</a:t>
+            </a:r>
+            <a:endParaRPr lang="en-US" sz="2800" b="1" dirty="0">
+              <a:solidFill>
+                <a:schemeClr val="accent2">
+                  <a:lumMod val="40000"/>
+                  <a:lumOff val="60000"/>
+                </a:schemeClr>
+              </a:solidFill>
+            </a:endParaRPr>
+          </a:p>
+          <a:p>
+            <a:pPr>
+              <a:lnSpc>
+                <a:spcPct val="110000"/>
+              </a:lnSpc>
+              <a:spcBef>
+                <a:spcPts val="0"/>
+              </a:spcBef>
+              <a:spcAft>
+                <a:spcPts val="600"/>
+              </a:spcAft>
+            </a:pPr>
+            <a:r>
+              <a:rPr lang="en-US" sz="2800" b="1" dirty="0"/>
+              <a:t>Customer </a:t>
+            </a:r>
+            <a:r>
+              <a:rPr lang="en-US" sz="3600" b="1" dirty="0" err="1">
+                <a:solidFill>
+                  <a:schemeClr val="accent2">
+                    <a:lumMod val="40000"/>
+                    <a:lumOff val="60000"/>
+                  </a:schemeClr>
+                </a:solidFill>
+              </a:rPr>
+              <a:t>f</a:t>
+            </a:r>
+            <a:r>
+              <a:rPr lang="en-US" b="1" dirty="0" err="1">
+                <a:solidFill>
+                  <a:schemeClr val="accent2">
+                    <a:lumMod val="40000"/>
+                    <a:lumOff val="60000"/>
+                  </a:schemeClr>
+                </a:solidFill>
+              </a:rPr>
+              <a:t>w</a:t>
+            </a:r>
+            <a:r>
+              <a:rPr lang="en-US" sz="3600" b="1" dirty="0">
+                <a:solidFill>
+                  <a:schemeClr val="accent2">
+                    <a:lumMod val="40000"/>
+                    <a:lumOff val="60000"/>
+                  </a:schemeClr>
+                </a:solidFill>
+              </a:rPr>
+              <a:t>(</a:t>
+            </a:r>
+            <a:r>
+              <a:rPr lang="en-US" sz="3600" b="1" dirty="0" err="1">
+                <a:solidFill>
+                  <a:schemeClr val="accent2">
+                    <a:lumMod val="40000"/>
+                    <a:lumOff val="60000"/>
+                  </a:schemeClr>
+                </a:solidFill>
+              </a:rPr>
+              <a:t>x</a:t>
+            </a:r>
+            <a:r>
+              <a:rPr lang="en-US" b="1" dirty="0" err="1">
+                <a:solidFill>
+                  <a:schemeClr val="accent2">
+                    <a:lumMod val="40000"/>
+                    <a:lumOff val="60000"/>
+                  </a:schemeClr>
+                </a:solidFill>
+              </a:rPr>
+              <a:t>a</a:t>
+            </a:r>
+            <a:r>
+              <a:rPr lang="en-US" sz="3600" b="1" dirty="0">
+                <a:solidFill>
+                  <a:schemeClr val="accent2">
+                    <a:lumMod val="40000"/>
+                    <a:lumOff val="60000"/>
+                  </a:schemeClr>
+                </a:solidFill>
+              </a:rPr>
+              <a:t>)</a:t>
+            </a:r>
+          </a:p>
+          <a:p>
+            <a:pPr>
+              <a:lnSpc>
+                <a:spcPct val="110000"/>
+              </a:lnSpc>
+              <a:spcBef>
+                <a:spcPts val="0"/>
+              </a:spcBef>
+              <a:spcAft>
+                <a:spcPts val="600"/>
+              </a:spcAft>
+            </a:pPr>
+            <a:r>
+              <a:rPr lang="en-US" sz="2800" b="1" dirty="0"/>
+              <a:t>Alternatives </a:t>
+            </a:r>
+            <a:r>
+              <a:rPr lang="en-US" sz="3600" b="1" dirty="0" err="1">
+                <a:solidFill>
+                  <a:schemeClr val="accent2">
+                    <a:lumMod val="40000"/>
+                    <a:lumOff val="60000"/>
+                  </a:schemeClr>
+                </a:solidFill>
+              </a:rPr>
+              <a:t>f</a:t>
+            </a:r>
+            <a:r>
+              <a:rPr lang="en-US" b="1" dirty="0" err="1">
+                <a:solidFill>
+                  <a:schemeClr val="accent2">
+                    <a:lumMod val="40000"/>
+                    <a:lumOff val="60000"/>
+                  </a:schemeClr>
+                </a:solidFill>
+              </a:rPr>
+              <a:t>w</a:t>
+            </a:r>
+            <a:r>
+              <a:rPr lang="en-US" sz="3600" b="1" dirty="0">
+                <a:solidFill>
+                  <a:schemeClr val="accent2">
+                    <a:lumMod val="40000"/>
+                    <a:lumOff val="60000"/>
+                  </a:schemeClr>
+                </a:solidFill>
+              </a:rPr>
+              <a:t>(</a:t>
+            </a:r>
+            <a:r>
+              <a:rPr lang="en-US" sz="3600" b="1" dirty="0" err="1">
+                <a:solidFill>
+                  <a:schemeClr val="accent2">
+                    <a:lumMod val="40000"/>
+                    <a:lumOff val="60000"/>
+                  </a:schemeClr>
+                </a:solidFill>
+              </a:rPr>
+              <a:t>x</a:t>
+            </a:r>
+            <a:r>
+              <a:rPr lang="en-US" b="1" dirty="0" err="1"/>
+              <a:t>r</a:t>
+            </a:r>
+            <a:r>
+              <a:rPr lang="en-US" sz="3600" b="1" dirty="0">
+                <a:solidFill>
+                  <a:schemeClr val="accent2">
+                    <a:lumMod val="40000"/>
+                    <a:lumOff val="60000"/>
+                  </a:schemeClr>
+                </a:solidFill>
+              </a:rPr>
+              <a:t>)</a:t>
+            </a:r>
+            <a:endParaRPr lang="en-US" sz="2800" b="1" dirty="0">
+              <a:solidFill>
+                <a:schemeClr val="accent2">
+                  <a:lumMod val="40000"/>
+                  <a:lumOff val="60000"/>
+                </a:schemeClr>
+              </a:solidFill>
+            </a:endParaRPr>
           </a:p>
         </p:txBody>
       </p:sp>
@@ -24664,7 +24896,7 @@
         </p:nvSpPr>
         <p:spPr>
           <a:xfrm>
-            <a:off x="5564803" y="3749651"/>
+            <a:off x="1114270" y="991872"/>
             <a:ext cx="5482607" cy="731861"/>
           </a:xfrm>
           <a:prstGeom prst="rect">
@@ -24711,186 +24943,6 @@
           </a:p>
         </p:txBody>
       </p:sp>
-      <p:pic>
-        <p:nvPicPr>
-          <p:cNvPr id="49" name="Picture 48">
-            <a:extLst>
-              <a:ext uri="{FF2B5EF4-FFF2-40B4-BE49-F238E27FC236}">
-                <a16:creationId xmlns:a16="http://schemas.microsoft.com/office/drawing/2014/main" id="{01A26235-BFEF-4FFA-BAA1-F5EA6D501968}"/>
-              </a:ext>
-            </a:extLst>
-          </p:cNvPr>
-          <p:cNvPicPr>
-            <a:picLocks noChangeAspect="1"/>
-          </p:cNvPicPr>
-          <p:nvPr/>
-        </p:nvPicPr>
-        <p:blipFill>
-          <a:blip r:embed="rId2">
-            <a:extLst>
-              <a:ext uri="{28A0092B-C50C-407E-A947-70E740481C1C}">
-                <a14:useLocalDpi xmlns:a14="http://schemas.microsoft.com/office/drawing/2010/main" val="0"/>
-              </a:ext>
-            </a:extLst>
-          </a:blip>
-          <a:stretch>
-            <a:fillRect/>
-          </a:stretch>
-        </p:blipFill>
-        <p:spPr>
-          <a:xfrm>
-            <a:off x="944756" y="4391925"/>
-            <a:ext cx="4522415" cy="775271"/>
-          </a:xfrm>
-          <a:prstGeom prst="rect">
-            <a:avLst/>
-          </a:prstGeom>
-        </p:spPr>
-      </p:pic>
-      <p:pic>
-        <p:nvPicPr>
-          <p:cNvPr id="91" name="Picture 90">
-            <a:extLst>
-              <a:ext uri="{FF2B5EF4-FFF2-40B4-BE49-F238E27FC236}">
-                <a16:creationId xmlns:a16="http://schemas.microsoft.com/office/drawing/2014/main" id="{07439057-5F18-4F77-90B8-95065F07A102}"/>
-              </a:ext>
-            </a:extLst>
-          </p:cNvPr>
-          <p:cNvPicPr>
-            <a:picLocks noChangeAspect="1"/>
-          </p:cNvPicPr>
-          <p:nvPr/>
-        </p:nvPicPr>
-        <p:blipFill>
-          <a:blip r:embed="rId3">
-            <a:extLst>
-              <a:ext uri="{28A0092B-C50C-407E-A947-70E740481C1C}">
-                <a14:useLocalDpi xmlns:a14="http://schemas.microsoft.com/office/drawing/2010/main" val="0"/>
-              </a:ext>
-            </a:extLst>
-          </a:blip>
-          <a:stretch>
-            <a:fillRect/>
-          </a:stretch>
-        </p:blipFill>
-        <p:spPr>
-          <a:xfrm>
-            <a:off x="1155492" y="5195482"/>
-            <a:ext cx="4310855" cy="718476"/>
-          </a:xfrm>
-          <a:prstGeom prst="rect">
-            <a:avLst/>
-          </a:prstGeom>
-        </p:spPr>
-      </p:pic>
-      <p:pic>
-        <p:nvPicPr>
-          <p:cNvPr id="92" name="Picture 91">
-            <a:extLst>
-              <a:ext uri="{FF2B5EF4-FFF2-40B4-BE49-F238E27FC236}">
-                <a16:creationId xmlns:a16="http://schemas.microsoft.com/office/drawing/2014/main" id="{EACBB646-E9D4-487E-A330-B71850890181}"/>
-              </a:ext>
-            </a:extLst>
-          </p:cNvPr>
-          <p:cNvPicPr>
-            <a:picLocks noChangeAspect="1"/>
-          </p:cNvPicPr>
-          <p:nvPr/>
-        </p:nvPicPr>
-        <p:blipFill>
-          <a:blip r:embed="rId4">
-            <a:extLst>
-              <a:ext uri="{28A0092B-C50C-407E-A947-70E740481C1C}">
-                <a14:useLocalDpi xmlns:a14="http://schemas.microsoft.com/office/drawing/2010/main" val="0"/>
-              </a:ext>
-            </a:extLst>
-          </a:blip>
-          <a:stretch>
-            <a:fillRect/>
-          </a:stretch>
-        </p:blipFill>
-        <p:spPr>
-          <a:xfrm>
-            <a:off x="7269534" y="4549147"/>
-            <a:ext cx="3759451" cy="873753"/>
-          </a:xfrm>
-          <a:prstGeom prst="rect">
-            <a:avLst/>
-          </a:prstGeom>
-        </p:spPr>
-      </p:pic>
-      <p:pic>
-        <p:nvPicPr>
-          <p:cNvPr id="93" name="Picture 92">
-            <a:extLst>
-              <a:ext uri="{FF2B5EF4-FFF2-40B4-BE49-F238E27FC236}">
-                <a16:creationId xmlns:a16="http://schemas.microsoft.com/office/drawing/2014/main" id="{41625706-3561-44ED-B546-F401B933A379}"/>
-              </a:ext>
-            </a:extLst>
-          </p:cNvPr>
-          <p:cNvPicPr>
-            <a:picLocks noChangeAspect="1"/>
-          </p:cNvPicPr>
-          <p:nvPr/>
-        </p:nvPicPr>
-        <p:blipFill>
-          <a:blip r:embed="rId5">
-            <a:extLst>
-              <a:ext uri="{28A0092B-C50C-407E-A947-70E740481C1C}">
-                <a14:useLocalDpi xmlns:a14="http://schemas.microsoft.com/office/drawing/2010/main" val="0"/>
-              </a:ext>
-            </a:extLst>
-          </a:blip>
-          <a:stretch>
-            <a:fillRect/>
-          </a:stretch>
-        </p:blipFill>
-        <p:spPr>
-          <a:xfrm>
-            <a:off x="6328556" y="5217552"/>
-            <a:ext cx="4692838" cy="763021"/>
-          </a:xfrm>
-          <a:prstGeom prst="rect">
-            <a:avLst/>
-          </a:prstGeom>
-        </p:spPr>
-      </p:pic>
-      <p:pic>
-        <p:nvPicPr>
-          <p:cNvPr id="94" name="Picture 93">
-            <a:extLst>
-              <a:ext uri="{FF2B5EF4-FFF2-40B4-BE49-F238E27FC236}">
-                <a16:creationId xmlns:a16="http://schemas.microsoft.com/office/drawing/2014/main" id="{70883486-6031-41ED-9502-F32BCC53D212}"/>
-              </a:ext>
-            </a:extLst>
-          </p:cNvPr>
-          <p:cNvPicPr>
-            <a:picLocks noChangeAspect="1"/>
-          </p:cNvPicPr>
-          <p:nvPr/>
-        </p:nvPicPr>
-        <p:blipFill>
-          <a:blip r:embed="rId6">
-            <a:extLst>
-              <a:ext uri="{28A0092B-C50C-407E-A947-70E740481C1C}">
-                <a14:useLocalDpi xmlns:a14="http://schemas.microsoft.com/office/drawing/2010/main" val="0"/>
-              </a:ext>
-            </a:extLst>
-          </a:blip>
-          <a:stretch>
-            <a:fillRect/>
-          </a:stretch>
-        </p:blipFill>
-        <p:spPr>
-          <a:xfrm>
-            <a:off x="4604138" y="5942806"/>
-            <a:ext cx="6424847" cy="758943"/>
-          </a:xfrm>
-          <a:prstGeom prst="rect">
-            <a:avLst/>
-          </a:prstGeom>
-        </p:spPr>
-      </p:pic>
     </p:spTree>
     <p:extLst>
       <p:ext uri="{BB962C8B-B14F-4D97-AF65-F5344CB8AC3E}">
@@ -25075,7 +25127,7 @@
             </a:ln>
             <a:extLst>
               <a:ext uri="{91240B29-F687-4f45-9708-019B960494DF}">
-                <a14:hiddenLine xmlns="" xmlns:a16="http://schemas.microsoft.com/office/drawing/2014/main" xmlns:p14="http://schemas.microsoft.com/office/powerpoint/2010/main" xmlns:a14="http://schemas.microsoft.com/office/drawing/2010/main" w="9525">
+                <a14:hiddenLine xmlns:a14="http://schemas.microsoft.com/office/drawing/2010/main" xmlns:p14="http://schemas.microsoft.com/office/powerpoint/2010/main" xmlns:a16="http://schemas.microsoft.com/office/drawing/2014/main" xmlns="" w="9525">
                   <a:solidFill>
                     <a:srgbClr val="000000"/>
                   </a:solidFill>
@@ -25180,7 +25232,7 @@
             </a:ln>
             <a:extLst>
               <a:ext uri="{91240B29-F687-4f45-9708-019B960494DF}">
-                <a14:hiddenLine xmlns="" xmlns:a16="http://schemas.microsoft.com/office/drawing/2014/main" xmlns:p14="http://schemas.microsoft.com/office/powerpoint/2010/main" xmlns:a14="http://schemas.microsoft.com/office/drawing/2010/main" w="9525">
+                <a14:hiddenLine xmlns:a14="http://schemas.microsoft.com/office/drawing/2010/main" xmlns:p14="http://schemas.microsoft.com/office/powerpoint/2010/main" xmlns:a16="http://schemas.microsoft.com/office/drawing/2014/main" xmlns="" w="9525">
                   <a:solidFill>
                     <a:srgbClr val="000000"/>
                   </a:solidFill>
@@ -25285,7 +25337,7 @@
             </a:ln>
             <a:extLst>
               <a:ext uri="{91240B29-F687-4f45-9708-019B960494DF}">
-                <a14:hiddenLine xmlns="" xmlns:a16="http://schemas.microsoft.com/office/drawing/2014/main" xmlns:p14="http://schemas.microsoft.com/office/powerpoint/2010/main" xmlns:a14="http://schemas.microsoft.com/office/drawing/2010/main" w="9525">
+                <a14:hiddenLine xmlns:a14="http://schemas.microsoft.com/office/drawing/2010/main" xmlns:p14="http://schemas.microsoft.com/office/powerpoint/2010/main" xmlns:a16="http://schemas.microsoft.com/office/drawing/2014/main" xmlns="" w="9525">
                   <a:solidFill>
                     <a:srgbClr val="000000"/>
                   </a:solidFill>
@@ -25362,7 +25414,7 @@
             </a:ln>
             <a:extLst>
               <a:ext uri="{91240B29-F687-4f45-9708-019B960494DF}">
-                <a14:hiddenLine xmlns="" xmlns:a16="http://schemas.microsoft.com/office/drawing/2014/main" xmlns:p14="http://schemas.microsoft.com/office/powerpoint/2010/main" xmlns:a14="http://schemas.microsoft.com/office/drawing/2010/main" w="9525">
+                <a14:hiddenLine xmlns:a14="http://schemas.microsoft.com/office/drawing/2010/main" xmlns:p14="http://schemas.microsoft.com/office/powerpoint/2010/main" xmlns:a16="http://schemas.microsoft.com/office/drawing/2014/main" xmlns="" w="9525">
                   <a:solidFill>
                     <a:srgbClr val="000000"/>
                   </a:solidFill>
@@ -25467,7 +25519,7 @@
             </a:ln>
             <a:extLst>
               <a:ext uri="{91240B29-F687-4f45-9708-019B960494DF}">
-                <a14:hiddenLine xmlns="" xmlns:a16="http://schemas.microsoft.com/office/drawing/2014/main" xmlns:p14="http://schemas.microsoft.com/office/powerpoint/2010/main" xmlns:a14="http://schemas.microsoft.com/office/drawing/2010/main" w="9525">
+                <a14:hiddenLine xmlns:a14="http://schemas.microsoft.com/office/drawing/2010/main" xmlns:p14="http://schemas.microsoft.com/office/powerpoint/2010/main" xmlns:a16="http://schemas.microsoft.com/office/drawing/2014/main" xmlns="" w="9525">
                   <a:solidFill>
                     <a:srgbClr val="000000"/>
                   </a:solidFill>
@@ -25544,7 +25596,7 @@
             </a:ln>
             <a:extLst>
               <a:ext uri="{91240B29-F687-4f45-9708-019B960494DF}">
-                <a14:hiddenLine xmlns="" xmlns:a16="http://schemas.microsoft.com/office/drawing/2014/main" xmlns:p14="http://schemas.microsoft.com/office/powerpoint/2010/main" xmlns:a14="http://schemas.microsoft.com/office/drawing/2010/main" w="9525">
+                <a14:hiddenLine xmlns:a14="http://schemas.microsoft.com/office/drawing/2010/main" xmlns:p14="http://schemas.microsoft.com/office/powerpoint/2010/main" xmlns:a16="http://schemas.microsoft.com/office/drawing/2014/main" xmlns="" w="9525">
                   <a:solidFill>
                     <a:srgbClr val="000000"/>
                   </a:solidFill>
@@ -25621,7 +25673,7 @@
             </a:ln>
             <a:extLst>
               <a:ext uri="{91240B29-F687-4f45-9708-019B960494DF}">
-                <a14:hiddenLine xmlns="" xmlns:a16="http://schemas.microsoft.com/office/drawing/2014/main" xmlns:p14="http://schemas.microsoft.com/office/powerpoint/2010/main" xmlns:a14="http://schemas.microsoft.com/office/drawing/2010/main" w="9525">
+                <a14:hiddenLine xmlns:a14="http://schemas.microsoft.com/office/drawing/2010/main" xmlns:p14="http://schemas.microsoft.com/office/powerpoint/2010/main" xmlns:a16="http://schemas.microsoft.com/office/drawing/2014/main" xmlns="" w="9525">
                   <a:solidFill>
                     <a:srgbClr val="000000"/>
                   </a:solidFill>
@@ -25726,7 +25778,7 @@
             </a:ln>
             <a:extLst>
               <a:ext uri="{91240B29-F687-4f45-9708-019B960494DF}">
-                <a14:hiddenLine xmlns="" xmlns:a16="http://schemas.microsoft.com/office/drawing/2014/main" xmlns:p14="http://schemas.microsoft.com/office/powerpoint/2010/main" xmlns:a14="http://schemas.microsoft.com/office/drawing/2010/main" w="9525">
+                <a14:hiddenLine xmlns:a14="http://schemas.microsoft.com/office/drawing/2010/main" xmlns:p14="http://schemas.microsoft.com/office/powerpoint/2010/main" xmlns:a16="http://schemas.microsoft.com/office/drawing/2014/main" xmlns="" w="9525">
                   <a:solidFill>
                     <a:srgbClr val="000000"/>
                   </a:solidFill>
@@ -25831,7 +25883,7 @@
             </a:ln>
             <a:extLst>
               <a:ext uri="{91240B29-F687-4f45-9708-019B960494DF}">
-                <a14:hiddenLine xmlns="" xmlns:a16="http://schemas.microsoft.com/office/drawing/2014/main" xmlns:p14="http://schemas.microsoft.com/office/powerpoint/2010/main" xmlns:a14="http://schemas.microsoft.com/office/drawing/2010/main" w="9525">
+                <a14:hiddenLine xmlns:a14="http://schemas.microsoft.com/office/drawing/2010/main" xmlns:p14="http://schemas.microsoft.com/office/powerpoint/2010/main" xmlns:a16="http://schemas.microsoft.com/office/drawing/2014/main" xmlns="" w="9525">
                   <a:solidFill>
                     <a:srgbClr val="000000"/>
                   </a:solidFill>
@@ -25908,7 +25960,7 @@
             </a:ln>
             <a:extLst>
               <a:ext uri="{91240B29-F687-4f45-9708-019B960494DF}">
-                <a14:hiddenLine xmlns="" xmlns:a16="http://schemas.microsoft.com/office/drawing/2014/main" xmlns:p14="http://schemas.microsoft.com/office/powerpoint/2010/main" xmlns:a14="http://schemas.microsoft.com/office/drawing/2010/main" w="9525">
+                <a14:hiddenLine xmlns:a14="http://schemas.microsoft.com/office/drawing/2010/main" xmlns:p14="http://schemas.microsoft.com/office/powerpoint/2010/main" xmlns:a16="http://schemas.microsoft.com/office/drawing/2014/main" xmlns="" w="9525">
                   <a:solidFill>
                     <a:srgbClr val="000000"/>
                   </a:solidFill>
@@ -26033,7 +26085,7 @@
             </a:ln>
             <a:extLst>
               <a:ext uri="{91240B29-F687-4f45-9708-019B960494DF}">
-                <a14:hiddenLine xmlns="" xmlns:a16="http://schemas.microsoft.com/office/drawing/2014/main" xmlns:p14="http://schemas.microsoft.com/office/powerpoint/2010/main" xmlns:a14="http://schemas.microsoft.com/office/drawing/2010/main" w="9525">
+                <a14:hiddenLine xmlns:a14="http://schemas.microsoft.com/office/drawing/2010/main" xmlns:p14="http://schemas.microsoft.com/office/powerpoint/2010/main" xmlns:a16="http://schemas.microsoft.com/office/drawing/2014/main" xmlns="" w="9525">
                   <a:solidFill>
                     <a:srgbClr val="000000"/>
                   </a:solidFill>
@@ -26147,7 +26199,7 @@
             </a:ln>
             <a:extLst>
               <a:ext uri="{91240B29-F687-4f45-9708-019B960494DF}">
-                <a14:hiddenLine xmlns="" xmlns:a16="http://schemas.microsoft.com/office/drawing/2014/main" xmlns:p14="http://schemas.microsoft.com/office/powerpoint/2010/main" xmlns:a14="http://schemas.microsoft.com/office/drawing/2010/main" w="9525">
+                <a14:hiddenLine xmlns:a14="http://schemas.microsoft.com/office/drawing/2010/main" xmlns:p14="http://schemas.microsoft.com/office/powerpoint/2010/main" xmlns:a16="http://schemas.microsoft.com/office/drawing/2014/main" xmlns="" w="9525">
                   <a:solidFill>
                     <a:srgbClr val="000000"/>
                   </a:solidFill>
@@ -26224,7 +26276,7 @@
             </a:ln>
             <a:extLst>
               <a:ext uri="{91240B29-F687-4f45-9708-019B960494DF}">
-                <a14:hiddenLine xmlns="" xmlns:a16="http://schemas.microsoft.com/office/drawing/2014/main" xmlns:p14="http://schemas.microsoft.com/office/powerpoint/2010/main" xmlns:a14="http://schemas.microsoft.com/office/drawing/2010/main" w="9525">
+                <a14:hiddenLine xmlns:a14="http://schemas.microsoft.com/office/drawing/2010/main" xmlns:p14="http://schemas.microsoft.com/office/powerpoint/2010/main" xmlns:a16="http://schemas.microsoft.com/office/drawing/2014/main" xmlns="" w="9525">
                   <a:solidFill>
                     <a:srgbClr val="000000"/>
                   </a:solidFill>
@@ -26301,7 +26353,7 @@
             </a:ln>
             <a:extLst>
               <a:ext uri="{91240B29-F687-4f45-9708-019B960494DF}">
-                <a14:hiddenLine xmlns="" xmlns:a16="http://schemas.microsoft.com/office/drawing/2014/main" xmlns:p14="http://schemas.microsoft.com/office/powerpoint/2010/main" xmlns:a14="http://schemas.microsoft.com/office/drawing/2010/main" w="9525">
+                <a14:hiddenLine xmlns:a14="http://schemas.microsoft.com/office/drawing/2010/main" xmlns:p14="http://schemas.microsoft.com/office/powerpoint/2010/main" xmlns:a16="http://schemas.microsoft.com/office/drawing/2014/main" xmlns="" w="9525">
                   <a:solidFill>
                     <a:srgbClr val="000000"/>
                   </a:solidFill>
@@ -26406,7 +26458,7 @@
             </a:ln>
             <a:extLst>
               <a:ext uri="{91240B29-F687-4f45-9708-019B960494DF}">
-                <a14:hiddenLine xmlns="" xmlns:a16="http://schemas.microsoft.com/office/drawing/2014/main" xmlns:p14="http://schemas.microsoft.com/office/powerpoint/2010/main" xmlns:a14="http://schemas.microsoft.com/office/drawing/2010/main" w="9525">
+                <a14:hiddenLine xmlns:a14="http://schemas.microsoft.com/office/drawing/2010/main" xmlns:p14="http://schemas.microsoft.com/office/powerpoint/2010/main" xmlns:a16="http://schemas.microsoft.com/office/drawing/2014/main" xmlns="" w="9525">
                   <a:solidFill>
                     <a:srgbClr val="000000"/>
                   </a:solidFill>
@@ -26455,7 +26507,7 @@
             </a:ln>
             <a:extLst>
               <a:ext uri="{91240B29-F687-4f45-9708-019B960494DF}">
-                <a14:hiddenLine xmlns="" xmlns:a16="http://schemas.microsoft.com/office/drawing/2014/main" xmlns:p14="http://schemas.microsoft.com/office/powerpoint/2010/main" xmlns:a14="http://schemas.microsoft.com/office/drawing/2010/main" w="9525">
+                <a14:hiddenLine xmlns:a14="http://schemas.microsoft.com/office/drawing/2010/main" xmlns:p14="http://schemas.microsoft.com/office/powerpoint/2010/main" xmlns:a16="http://schemas.microsoft.com/office/drawing/2014/main" xmlns="" w="9525">
                   <a:solidFill>
                     <a:srgbClr val="000000"/>
                   </a:solidFill>
@@ -26535,7 +26587,7 @@
             </a:ln>
             <a:extLst>
               <a:ext uri="{91240B29-F687-4f45-9708-019B960494DF}">
-                <a14:hiddenLine xmlns="" xmlns:a16="http://schemas.microsoft.com/office/drawing/2014/main" xmlns:p14="http://schemas.microsoft.com/office/powerpoint/2010/main" xmlns:a14="http://schemas.microsoft.com/office/drawing/2010/main" w="9525">
+                <a14:hiddenLine xmlns:a14="http://schemas.microsoft.com/office/drawing/2010/main" xmlns:p14="http://schemas.microsoft.com/office/powerpoint/2010/main" xmlns:a16="http://schemas.microsoft.com/office/drawing/2014/main" xmlns="" w="9525">
                   <a:solidFill>
                     <a:srgbClr val="000000"/>
                   </a:solidFill>
@@ -26640,7 +26692,7 @@
             </a:ln>
             <a:extLst>
               <a:ext uri="{91240B29-F687-4f45-9708-019B960494DF}">
-                <a14:hiddenLine xmlns="" xmlns:a16="http://schemas.microsoft.com/office/drawing/2014/main" xmlns:p14="http://schemas.microsoft.com/office/powerpoint/2010/main" xmlns:a14="http://schemas.microsoft.com/office/drawing/2010/main" w="9525">
+                <a14:hiddenLine xmlns:a14="http://schemas.microsoft.com/office/drawing/2010/main" xmlns:p14="http://schemas.microsoft.com/office/powerpoint/2010/main" xmlns:a16="http://schemas.microsoft.com/office/drawing/2014/main" xmlns="" w="9525">
                   <a:solidFill>
                     <a:srgbClr val="000000"/>
                   </a:solidFill>
@@ -26717,7 +26769,7 @@
             </a:ln>
             <a:extLst>
               <a:ext uri="{91240B29-F687-4f45-9708-019B960494DF}">
-                <a14:hiddenLine xmlns="" xmlns:a16="http://schemas.microsoft.com/office/drawing/2014/main" xmlns:p14="http://schemas.microsoft.com/office/powerpoint/2010/main" xmlns:a14="http://schemas.microsoft.com/office/drawing/2010/main" w="9525">
+                <a14:hiddenLine xmlns:a14="http://schemas.microsoft.com/office/drawing/2010/main" xmlns:p14="http://schemas.microsoft.com/office/powerpoint/2010/main" xmlns:a16="http://schemas.microsoft.com/office/drawing/2014/main" xmlns="" w="9525">
                   <a:solidFill>
                     <a:srgbClr val="000000"/>
                   </a:solidFill>
@@ -26822,7 +26874,7 @@
             </a:ln>
             <a:extLst>
               <a:ext uri="{91240B29-F687-4f45-9708-019B960494DF}">
-                <a14:hiddenLine xmlns="" xmlns:a16="http://schemas.microsoft.com/office/drawing/2014/main" xmlns:p14="http://schemas.microsoft.com/office/powerpoint/2010/main" xmlns:a14="http://schemas.microsoft.com/office/drawing/2010/main" w="9525">
+                <a14:hiddenLine xmlns:a14="http://schemas.microsoft.com/office/drawing/2010/main" xmlns:p14="http://schemas.microsoft.com/office/powerpoint/2010/main" xmlns:a16="http://schemas.microsoft.com/office/drawing/2014/main" xmlns="" w="9525">
                   <a:solidFill>
                     <a:srgbClr val="000000"/>
                   </a:solidFill>
@@ -26902,7 +26954,7 @@
             </a:ln>
             <a:extLst>
               <a:ext uri="{91240B29-F687-4f45-9708-019B960494DF}">
-                <a14:hiddenLine xmlns="" xmlns:a16="http://schemas.microsoft.com/office/drawing/2014/main" xmlns:p14="http://schemas.microsoft.com/office/powerpoint/2010/main" xmlns:a14="http://schemas.microsoft.com/office/drawing/2010/main" w="9525">
+                <a14:hiddenLine xmlns:a14="http://schemas.microsoft.com/office/drawing/2010/main" xmlns:p14="http://schemas.microsoft.com/office/powerpoint/2010/main" xmlns:a16="http://schemas.microsoft.com/office/drawing/2014/main" xmlns="" w="9525">
                   <a:solidFill>
                     <a:srgbClr val="000000"/>
                   </a:solidFill>
@@ -26979,7 +27031,7 @@
             </a:ln>
             <a:extLst>
               <a:ext uri="{91240B29-F687-4f45-9708-019B960494DF}">
-                <a14:hiddenLine xmlns="" xmlns:a16="http://schemas.microsoft.com/office/drawing/2014/main" xmlns:p14="http://schemas.microsoft.com/office/powerpoint/2010/main" xmlns:a14="http://schemas.microsoft.com/office/drawing/2010/main" w="9525">
+                <a14:hiddenLine xmlns:a14="http://schemas.microsoft.com/office/drawing/2010/main" xmlns:p14="http://schemas.microsoft.com/office/powerpoint/2010/main" xmlns:a16="http://schemas.microsoft.com/office/drawing/2014/main" xmlns="" w="9525">
                   <a:solidFill>
                     <a:srgbClr val="000000"/>
                   </a:solidFill>
@@ -27084,7 +27136,7 @@
             </a:ln>
             <a:extLst>
               <a:ext uri="{91240B29-F687-4f45-9708-019B960494DF}">
-                <a14:hiddenLine xmlns="" xmlns:a16="http://schemas.microsoft.com/office/drawing/2014/main" xmlns:p14="http://schemas.microsoft.com/office/powerpoint/2010/main" xmlns:a14="http://schemas.microsoft.com/office/drawing/2010/main" w="9525">
+                <a14:hiddenLine xmlns:a14="http://schemas.microsoft.com/office/drawing/2010/main" xmlns:p14="http://schemas.microsoft.com/office/powerpoint/2010/main" xmlns:a16="http://schemas.microsoft.com/office/drawing/2014/main" xmlns="" w="9525">
                   <a:solidFill>
                     <a:srgbClr val="000000"/>
                   </a:solidFill>
@@ -27189,7 +27241,7 @@
             </a:ln>
             <a:extLst>
               <a:ext uri="{91240B29-F687-4f45-9708-019B960494DF}">
-                <a14:hiddenLine xmlns="" xmlns:a16="http://schemas.microsoft.com/office/drawing/2014/main" xmlns:p14="http://schemas.microsoft.com/office/powerpoint/2010/main" xmlns:a14="http://schemas.microsoft.com/office/drawing/2010/main" w="9525">
+                <a14:hiddenLine xmlns:a14="http://schemas.microsoft.com/office/drawing/2010/main" xmlns:p14="http://schemas.microsoft.com/office/powerpoint/2010/main" xmlns:a16="http://schemas.microsoft.com/office/drawing/2014/main" xmlns="" w="9525">
                   <a:solidFill>
                     <a:srgbClr val="000000"/>
                   </a:solidFill>
@@ -27269,7 +27321,7 @@
             </a:ln>
             <a:extLst>
               <a:ext uri="{91240B29-F687-4f45-9708-019B960494DF}">
-                <a14:hiddenLine xmlns="" xmlns:a16="http://schemas.microsoft.com/office/drawing/2014/main" xmlns:p14="http://schemas.microsoft.com/office/powerpoint/2010/main" xmlns:a14="http://schemas.microsoft.com/office/drawing/2010/main" w="9525">
+                <a14:hiddenLine xmlns:a14="http://schemas.microsoft.com/office/drawing/2010/main" xmlns:p14="http://schemas.microsoft.com/office/powerpoint/2010/main" xmlns:a16="http://schemas.microsoft.com/office/drawing/2014/main" xmlns="" w="9525">
                   <a:solidFill>
                     <a:srgbClr val="000000"/>
                   </a:solidFill>
@@ -27404,7 +27456,7 @@
             </a:ln>
             <a:extLst>
               <a:ext uri="{91240B29-F687-4f45-9708-019B960494DF}">
-                <a14:hiddenLine xmlns="" xmlns:a16="http://schemas.microsoft.com/office/drawing/2014/main" xmlns:p14="http://schemas.microsoft.com/office/powerpoint/2010/main" xmlns:a14="http://schemas.microsoft.com/office/drawing/2010/main" w="9525">
+                <a14:hiddenLine xmlns:a14="http://schemas.microsoft.com/office/drawing/2010/main" xmlns:p14="http://schemas.microsoft.com/office/powerpoint/2010/main" xmlns:a16="http://schemas.microsoft.com/office/drawing/2014/main" xmlns="" w="9525">
                   <a:solidFill>
                     <a:srgbClr val="000000"/>
                   </a:solidFill>
@@ -27628,7 +27680,7 @@
             </a:ln>
             <a:extLst>
               <a:ext uri="{91240B29-F687-4f45-9708-019B960494DF}">
-                <a14:hiddenLine xmlns="" xmlns:a16="http://schemas.microsoft.com/office/drawing/2014/main" xmlns:p14="http://schemas.microsoft.com/office/powerpoint/2010/main" xmlns:a14="http://schemas.microsoft.com/office/drawing/2010/main" w="9525">
+                <a14:hiddenLine xmlns:a14="http://schemas.microsoft.com/office/drawing/2010/main" xmlns:p14="http://schemas.microsoft.com/office/powerpoint/2010/main" xmlns:a16="http://schemas.microsoft.com/office/drawing/2014/main" xmlns="" w="9525">
                   <a:solidFill>
                     <a:srgbClr val="000000"/>
                   </a:solidFill>
@@ -27758,7 +27810,7 @@
             </a:ln>
             <a:extLst>
               <a:ext uri="{91240B29-F687-4f45-9708-019B960494DF}">
-                <a14:hiddenLine xmlns="" xmlns:a16="http://schemas.microsoft.com/office/drawing/2014/main" xmlns:p14="http://schemas.microsoft.com/office/powerpoint/2010/main" xmlns:a14="http://schemas.microsoft.com/office/drawing/2010/main" w="9525">
+                <a14:hiddenLine xmlns:a14="http://schemas.microsoft.com/office/drawing/2010/main" xmlns:p14="http://schemas.microsoft.com/office/powerpoint/2010/main" xmlns:a16="http://schemas.microsoft.com/office/drawing/2014/main" xmlns="" w="9525">
                   <a:solidFill>
                     <a:srgbClr val="000000"/>
                   </a:solidFill>
@@ -27863,7 +27915,7 @@
             </a:ln>
             <a:extLst>
               <a:ext uri="{91240B29-F687-4f45-9708-019B960494DF}">
-                <a14:hiddenLine xmlns="" xmlns:a16="http://schemas.microsoft.com/office/drawing/2014/main" xmlns:p14="http://schemas.microsoft.com/office/powerpoint/2010/main" xmlns:a14="http://schemas.microsoft.com/office/drawing/2010/main" w="9525">
+                <a14:hiddenLine xmlns:a14="http://schemas.microsoft.com/office/drawing/2010/main" xmlns:p14="http://schemas.microsoft.com/office/powerpoint/2010/main" xmlns:a16="http://schemas.microsoft.com/office/drawing/2014/main" xmlns="" w="9525">
                   <a:solidFill>
                     <a:srgbClr val="000000"/>
                   </a:solidFill>
@@ -27943,7 +27995,7 @@
             </a:ln>
             <a:extLst>
               <a:ext uri="{91240B29-F687-4f45-9708-019B960494DF}">
-                <a14:hiddenLine xmlns="" xmlns:a16="http://schemas.microsoft.com/office/drawing/2014/main" xmlns:p14="http://schemas.microsoft.com/office/powerpoint/2010/main" xmlns:a14="http://schemas.microsoft.com/office/drawing/2010/main" w="9525">
+                <a14:hiddenLine xmlns:a14="http://schemas.microsoft.com/office/drawing/2010/main" xmlns:p14="http://schemas.microsoft.com/office/powerpoint/2010/main" xmlns:a16="http://schemas.microsoft.com/office/drawing/2014/main" xmlns="" w="9525">
                   <a:solidFill>
                     <a:srgbClr val="000000"/>
                   </a:solidFill>
@@ -28048,7 +28100,7 @@
             </a:ln>
             <a:extLst>
               <a:ext uri="{91240B29-F687-4f45-9708-019B960494DF}">
-                <a14:hiddenLine xmlns="" xmlns:a16="http://schemas.microsoft.com/office/drawing/2014/main" xmlns:p14="http://schemas.microsoft.com/office/powerpoint/2010/main" xmlns:a14="http://schemas.microsoft.com/office/drawing/2010/main" w="9525">
+                <a14:hiddenLine xmlns:a14="http://schemas.microsoft.com/office/drawing/2010/main" xmlns:p14="http://schemas.microsoft.com/office/powerpoint/2010/main" xmlns:a16="http://schemas.microsoft.com/office/drawing/2014/main" xmlns="" w="9525">
                   <a:solidFill>
                     <a:srgbClr val="000000"/>
                   </a:solidFill>
@@ -28131,7 +28183,7 @@
             </a:ln>
             <a:extLst>
               <a:ext uri="{91240B29-F687-4f45-9708-019B960494DF}">
-                <a14:hiddenLine xmlns="" xmlns:a16="http://schemas.microsoft.com/office/drawing/2014/main" xmlns:p14="http://schemas.microsoft.com/office/powerpoint/2010/main" xmlns:a14="http://schemas.microsoft.com/office/drawing/2010/main" w="9525">
+                <a14:hiddenLine xmlns:a14="http://schemas.microsoft.com/office/drawing/2010/main" xmlns:p14="http://schemas.microsoft.com/office/powerpoint/2010/main" xmlns:a16="http://schemas.microsoft.com/office/drawing/2014/main" xmlns="" w="9525">
                   <a:solidFill>
                     <a:srgbClr val="000000"/>
                   </a:solidFill>
@@ -28236,7 +28288,7 @@
             </a:ln>
             <a:extLst>
               <a:ext uri="{91240B29-F687-4f45-9708-019B960494DF}">
-                <a14:hiddenLine xmlns="" xmlns:a16="http://schemas.microsoft.com/office/drawing/2014/main" xmlns:p14="http://schemas.microsoft.com/office/powerpoint/2010/main" xmlns:a14="http://schemas.microsoft.com/office/drawing/2010/main" w="9525">
+                <a14:hiddenLine xmlns:a14="http://schemas.microsoft.com/office/drawing/2010/main" xmlns:p14="http://schemas.microsoft.com/office/powerpoint/2010/main" xmlns:a16="http://schemas.microsoft.com/office/drawing/2014/main" xmlns="" w="9525">
                   <a:solidFill>
                     <a:srgbClr val="000000"/>
                   </a:solidFill>
@@ -28319,7 +28371,7 @@
             </a:ln>
             <a:extLst>
               <a:ext uri="{91240B29-F687-4f45-9708-019B960494DF}">
-                <a14:hiddenLine xmlns="" xmlns:a16="http://schemas.microsoft.com/office/drawing/2014/main" xmlns:p14="http://schemas.microsoft.com/office/powerpoint/2010/main" xmlns:a14="http://schemas.microsoft.com/office/drawing/2010/main" w="9525">
+                <a14:hiddenLine xmlns:a14="http://schemas.microsoft.com/office/drawing/2010/main" xmlns:p14="http://schemas.microsoft.com/office/powerpoint/2010/main" xmlns:a16="http://schemas.microsoft.com/office/drawing/2014/main" xmlns="" w="9525">
                   <a:solidFill>
                     <a:srgbClr val="000000"/>
                   </a:solidFill>
@@ -28424,7 +28476,7 @@
             </a:ln>
             <a:extLst>
               <a:ext uri="{91240B29-F687-4f45-9708-019B960494DF}">
-                <a14:hiddenLine xmlns="" xmlns:a16="http://schemas.microsoft.com/office/drawing/2014/main" xmlns:p14="http://schemas.microsoft.com/office/powerpoint/2010/main" xmlns:a14="http://schemas.microsoft.com/office/drawing/2010/main" w="9525">
+                <a14:hiddenLine xmlns:a14="http://schemas.microsoft.com/office/drawing/2010/main" xmlns:p14="http://schemas.microsoft.com/office/powerpoint/2010/main" xmlns:a16="http://schemas.microsoft.com/office/drawing/2014/main" xmlns="" w="9525">
                   <a:solidFill>
                     <a:srgbClr val="000000"/>
                   </a:solidFill>
@@ -28473,7 +28525,7 @@
             </a:ln>
             <a:extLst>
               <a:ext uri="{91240B29-F687-4f45-9708-019B960494DF}">
-                <a14:hiddenLine xmlns="" xmlns:a16="http://schemas.microsoft.com/office/drawing/2014/main" xmlns:p14="http://schemas.microsoft.com/office/powerpoint/2010/main" xmlns:a14="http://schemas.microsoft.com/office/drawing/2010/main" w="9525">
+                <a14:hiddenLine xmlns:a14="http://schemas.microsoft.com/office/drawing/2010/main" xmlns:p14="http://schemas.microsoft.com/office/powerpoint/2010/main" xmlns:a16="http://schemas.microsoft.com/office/drawing/2014/main" xmlns="" w="9525">
                   <a:solidFill>
                     <a:srgbClr val="000000"/>
                   </a:solidFill>
@@ -29808,7 +29860,7 @@
             </a:ln>
             <a:extLst>
               <a:ext uri="{91240B29-F687-4f45-9708-019B960494DF}">
-                <a14:hiddenLine xmlns="" xmlns:a16="http://schemas.microsoft.com/office/drawing/2014/main" xmlns:p14="http://schemas.microsoft.com/office/powerpoint/2010/main" xmlns:a14="http://schemas.microsoft.com/office/drawing/2010/main" w="9525">
+                <a14:hiddenLine xmlns:a14="http://schemas.microsoft.com/office/drawing/2010/main" xmlns:p14="http://schemas.microsoft.com/office/powerpoint/2010/main" xmlns:a16="http://schemas.microsoft.com/office/drawing/2014/main" xmlns="" w="9525">
                   <a:solidFill>
                     <a:srgbClr val="000000"/>
                   </a:solidFill>
@@ -29913,7 +29965,7 @@
             </a:ln>
             <a:extLst>
               <a:ext uri="{91240B29-F687-4f45-9708-019B960494DF}">
-                <a14:hiddenLine xmlns="" xmlns:a16="http://schemas.microsoft.com/office/drawing/2014/main" xmlns:p14="http://schemas.microsoft.com/office/powerpoint/2010/main" xmlns:a14="http://schemas.microsoft.com/office/drawing/2010/main" w="9525">
+                <a14:hiddenLine xmlns:a14="http://schemas.microsoft.com/office/drawing/2010/main" xmlns:p14="http://schemas.microsoft.com/office/powerpoint/2010/main" xmlns:a16="http://schemas.microsoft.com/office/drawing/2014/main" xmlns="" w="9525">
                   <a:solidFill>
                     <a:srgbClr val="000000"/>
                   </a:solidFill>
@@ -30018,7 +30070,7 @@
             </a:ln>
             <a:extLst>
               <a:ext uri="{91240B29-F687-4f45-9708-019B960494DF}">
-                <a14:hiddenLine xmlns="" xmlns:a16="http://schemas.microsoft.com/office/drawing/2014/main" xmlns:p14="http://schemas.microsoft.com/office/powerpoint/2010/main" xmlns:a14="http://schemas.microsoft.com/office/drawing/2010/main" w="9525">
+                <a14:hiddenLine xmlns:a14="http://schemas.microsoft.com/office/drawing/2010/main" xmlns:p14="http://schemas.microsoft.com/office/powerpoint/2010/main" xmlns:a16="http://schemas.microsoft.com/office/drawing/2014/main" xmlns="" w="9525">
                   <a:solidFill>
                     <a:srgbClr val="000000"/>
                   </a:solidFill>
@@ -30095,7 +30147,7 @@
             </a:ln>
             <a:extLst>
               <a:ext uri="{91240B29-F687-4f45-9708-019B960494DF}">
-                <a14:hiddenLine xmlns="" xmlns:a16="http://schemas.microsoft.com/office/drawing/2014/main" xmlns:p14="http://schemas.microsoft.com/office/powerpoint/2010/main" xmlns:a14="http://schemas.microsoft.com/office/drawing/2010/main" w="9525">
+                <a14:hiddenLine xmlns:a14="http://schemas.microsoft.com/office/drawing/2010/main" xmlns:p14="http://schemas.microsoft.com/office/powerpoint/2010/main" xmlns:a16="http://schemas.microsoft.com/office/drawing/2014/main" xmlns="" w="9525">
                   <a:solidFill>
                     <a:srgbClr val="000000"/>
                   </a:solidFill>
@@ -30200,7 +30252,7 @@
             </a:ln>
             <a:extLst>
               <a:ext uri="{91240B29-F687-4f45-9708-019B960494DF}">
-                <a14:hiddenLine xmlns="" xmlns:a16="http://schemas.microsoft.com/office/drawing/2014/main" xmlns:p14="http://schemas.microsoft.com/office/powerpoint/2010/main" xmlns:a14="http://schemas.microsoft.com/office/drawing/2010/main" w="9525">
+                <a14:hiddenLine xmlns:a14="http://schemas.microsoft.com/office/drawing/2010/main" xmlns:p14="http://schemas.microsoft.com/office/powerpoint/2010/main" xmlns:a16="http://schemas.microsoft.com/office/drawing/2014/main" xmlns="" w="9525">
                   <a:solidFill>
                     <a:srgbClr val="000000"/>
                   </a:solidFill>
@@ -30277,7 +30329,7 @@
             </a:ln>
             <a:extLst>
               <a:ext uri="{91240B29-F687-4f45-9708-019B960494DF}">
-                <a14:hiddenLine xmlns="" xmlns:a16="http://schemas.microsoft.com/office/drawing/2014/main" xmlns:p14="http://schemas.microsoft.com/office/powerpoint/2010/main" xmlns:a14="http://schemas.microsoft.com/office/drawing/2010/main" w="9525">
+                <a14:hiddenLine xmlns:a14="http://schemas.microsoft.com/office/drawing/2010/main" xmlns:p14="http://schemas.microsoft.com/office/powerpoint/2010/main" xmlns:a16="http://schemas.microsoft.com/office/drawing/2014/main" xmlns="" w="9525">
                   <a:solidFill>
                     <a:srgbClr val="000000"/>
                   </a:solidFill>
@@ -30354,7 +30406,7 @@
             </a:ln>
             <a:extLst>
               <a:ext uri="{91240B29-F687-4f45-9708-019B960494DF}">
-                <a14:hiddenLine xmlns="" xmlns:a16="http://schemas.microsoft.com/office/drawing/2014/main" xmlns:p14="http://schemas.microsoft.com/office/powerpoint/2010/main" xmlns:a14="http://schemas.microsoft.com/office/drawing/2010/main" w="9525">
+                <a14:hiddenLine xmlns:a14="http://schemas.microsoft.com/office/drawing/2010/main" xmlns:p14="http://schemas.microsoft.com/office/powerpoint/2010/main" xmlns:a16="http://schemas.microsoft.com/office/drawing/2014/main" xmlns="" w="9525">
                   <a:solidFill>
                     <a:srgbClr val="000000"/>
                   </a:solidFill>
@@ -30459,7 +30511,7 @@
             </a:ln>
             <a:extLst>
               <a:ext uri="{91240B29-F687-4f45-9708-019B960494DF}">
-                <a14:hiddenLine xmlns="" xmlns:a16="http://schemas.microsoft.com/office/drawing/2014/main" xmlns:p14="http://schemas.microsoft.com/office/powerpoint/2010/main" xmlns:a14="http://schemas.microsoft.com/office/drawing/2010/main" w="9525">
+                <a14:hiddenLine xmlns:a14="http://schemas.microsoft.com/office/drawing/2010/main" xmlns:p14="http://schemas.microsoft.com/office/powerpoint/2010/main" xmlns:a16="http://schemas.microsoft.com/office/drawing/2014/main" xmlns="" w="9525">
                   <a:solidFill>
                     <a:srgbClr val="000000"/>
                   </a:solidFill>
@@ -30564,7 +30616,7 @@
             </a:ln>
             <a:extLst>
               <a:ext uri="{91240B29-F687-4f45-9708-019B960494DF}">
-                <a14:hiddenLine xmlns="" xmlns:a16="http://schemas.microsoft.com/office/drawing/2014/main" xmlns:p14="http://schemas.microsoft.com/office/powerpoint/2010/main" xmlns:a14="http://schemas.microsoft.com/office/drawing/2010/main" w="9525">
+                <a14:hiddenLine xmlns:a14="http://schemas.microsoft.com/office/drawing/2010/main" xmlns:p14="http://schemas.microsoft.com/office/powerpoint/2010/main" xmlns:a16="http://schemas.microsoft.com/office/drawing/2014/main" xmlns="" w="9525">
                   <a:solidFill>
                     <a:srgbClr val="000000"/>
                   </a:solidFill>
@@ -30641,7 +30693,7 @@
             </a:ln>
             <a:extLst>
               <a:ext uri="{91240B29-F687-4f45-9708-019B960494DF}">
-                <a14:hiddenLine xmlns="" xmlns:a16="http://schemas.microsoft.com/office/drawing/2014/main" xmlns:p14="http://schemas.microsoft.com/office/powerpoint/2010/main" xmlns:a14="http://schemas.microsoft.com/office/drawing/2010/main" w="9525">
+                <a14:hiddenLine xmlns:a14="http://schemas.microsoft.com/office/drawing/2010/main" xmlns:p14="http://schemas.microsoft.com/office/powerpoint/2010/main" xmlns:a16="http://schemas.microsoft.com/office/drawing/2014/main" xmlns="" w="9525">
                   <a:solidFill>
                     <a:srgbClr val="000000"/>
                   </a:solidFill>
@@ -30766,7 +30818,7 @@
             </a:ln>
             <a:extLst>
               <a:ext uri="{91240B29-F687-4f45-9708-019B960494DF}">
-                <a14:hiddenLine xmlns="" xmlns:a16="http://schemas.microsoft.com/office/drawing/2014/main" xmlns:p14="http://schemas.microsoft.com/office/powerpoint/2010/main" xmlns:a14="http://schemas.microsoft.com/office/drawing/2010/main" w="9525">
+                <a14:hiddenLine xmlns:a14="http://schemas.microsoft.com/office/drawing/2010/main" xmlns:p14="http://schemas.microsoft.com/office/powerpoint/2010/main" xmlns:a16="http://schemas.microsoft.com/office/drawing/2014/main" xmlns="" w="9525">
                   <a:solidFill>
                     <a:srgbClr val="000000"/>
                   </a:solidFill>
@@ -30880,7 +30932,7 @@
             </a:ln>
             <a:extLst>
               <a:ext uri="{91240B29-F687-4f45-9708-019B960494DF}">
-                <a14:hiddenLine xmlns="" xmlns:a16="http://schemas.microsoft.com/office/drawing/2014/main" xmlns:p14="http://schemas.microsoft.com/office/powerpoint/2010/main" xmlns:a14="http://schemas.microsoft.com/office/drawing/2010/main" w="9525">
+                <a14:hiddenLine xmlns:a14="http://schemas.microsoft.com/office/drawing/2010/main" xmlns:p14="http://schemas.microsoft.com/office/powerpoint/2010/main" xmlns:a16="http://schemas.microsoft.com/office/drawing/2014/main" xmlns="" w="9525">
                   <a:solidFill>
                     <a:srgbClr val="000000"/>
                   </a:solidFill>
@@ -30957,7 +31009,7 @@
             </a:ln>
             <a:extLst>
               <a:ext uri="{91240B29-F687-4f45-9708-019B960494DF}">
-                <a14:hiddenLine xmlns="" xmlns:a16="http://schemas.microsoft.com/office/drawing/2014/main" xmlns:p14="http://schemas.microsoft.com/office/powerpoint/2010/main" xmlns:a14="http://schemas.microsoft.com/office/drawing/2010/main" w="9525">
+                <a14:hiddenLine xmlns:a14="http://schemas.microsoft.com/office/drawing/2010/main" xmlns:p14="http://schemas.microsoft.com/office/powerpoint/2010/main" xmlns:a16="http://schemas.microsoft.com/office/drawing/2014/main" xmlns="" w="9525">
                   <a:solidFill>
                     <a:srgbClr val="000000"/>
                   </a:solidFill>
@@ -31034,7 +31086,7 @@
             </a:ln>
             <a:extLst>
               <a:ext uri="{91240B29-F687-4f45-9708-019B960494DF}">
-                <a14:hiddenLine xmlns="" xmlns:a16="http://schemas.microsoft.com/office/drawing/2014/main" xmlns:p14="http://schemas.microsoft.com/office/powerpoint/2010/main" xmlns:a14="http://schemas.microsoft.com/office/drawing/2010/main" w="9525">
+                <a14:hiddenLine xmlns:a14="http://schemas.microsoft.com/office/drawing/2010/main" xmlns:p14="http://schemas.microsoft.com/office/powerpoint/2010/main" xmlns:a16="http://schemas.microsoft.com/office/drawing/2014/main" xmlns="" w="9525">
                   <a:solidFill>
                     <a:srgbClr val="000000"/>
                   </a:solidFill>
@@ -31139,7 +31191,7 @@
             </a:ln>
             <a:extLst>
               <a:ext uri="{91240B29-F687-4f45-9708-019B960494DF}">
-                <a14:hiddenLine xmlns="" xmlns:a16="http://schemas.microsoft.com/office/drawing/2014/main" xmlns:p14="http://schemas.microsoft.com/office/powerpoint/2010/main" xmlns:a14="http://schemas.microsoft.com/office/drawing/2010/main" w="9525">
+                <a14:hiddenLine xmlns:a14="http://schemas.microsoft.com/office/drawing/2010/main" xmlns:p14="http://schemas.microsoft.com/office/powerpoint/2010/main" xmlns:a16="http://schemas.microsoft.com/office/drawing/2014/main" xmlns="" w="9525">
                   <a:solidFill>
                     <a:srgbClr val="000000"/>
                   </a:solidFill>
@@ -31188,7 +31240,7 @@
             </a:ln>
             <a:extLst>
               <a:ext uri="{91240B29-F687-4f45-9708-019B960494DF}">
-                <a14:hiddenLine xmlns="" xmlns:a16="http://schemas.microsoft.com/office/drawing/2014/main" xmlns:p14="http://schemas.microsoft.com/office/powerpoint/2010/main" xmlns:a14="http://schemas.microsoft.com/office/drawing/2010/main" w="9525">
+                <a14:hiddenLine xmlns:a14="http://schemas.microsoft.com/office/drawing/2010/main" xmlns:p14="http://schemas.microsoft.com/office/powerpoint/2010/main" xmlns:a16="http://schemas.microsoft.com/office/drawing/2014/main" xmlns="" w="9525">
                   <a:solidFill>
                     <a:srgbClr val="000000"/>
                   </a:solidFill>
@@ -31268,7 +31320,7 @@
             </a:ln>
             <a:extLst>
               <a:ext uri="{91240B29-F687-4f45-9708-019B960494DF}">
-                <a14:hiddenLine xmlns="" xmlns:a16="http://schemas.microsoft.com/office/drawing/2014/main" xmlns:p14="http://schemas.microsoft.com/office/powerpoint/2010/main" xmlns:a14="http://schemas.microsoft.com/office/drawing/2010/main" w="9525">
+                <a14:hiddenLine xmlns:a14="http://schemas.microsoft.com/office/drawing/2010/main" xmlns:p14="http://schemas.microsoft.com/office/powerpoint/2010/main" xmlns:a16="http://schemas.microsoft.com/office/drawing/2014/main" xmlns="" w="9525">
                   <a:solidFill>
                     <a:srgbClr val="000000"/>
                   </a:solidFill>
@@ -31373,7 +31425,7 @@
             </a:ln>
             <a:extLst>
               <a:ext uri="{91240B29-F687-4f45-9708-019B960494DF}">
-                <a14:hiddenLine xmlns="" xmlns:a16="http://schemas.microsoft.com/office/drawing/2014/main" xmlns:p14="http://schemas.microsoft.com/office/powerpoint/2010/main" xmlns:a14="http://schemas.microsoft.com/office/drawing/2010/main" w="9525">
+                <a14:hiddenLine xmlns:a14="http://schemas.microsoft.com/office/drawing/2010/main" xmlns:p14="http://schemas.microsoft.com/office/powerpoint/2010/main" xmlns:a16="http://schemas.microsoft.com/office/drawing/2014/main" xmlns="" w="9525">
                   <a:solidFill>
                     <a:srgbClr val="000000"/>
                   </a:solidFill>
@@ -31450,7 +31502,7 @@
             </a:ln>
             <a:extLst>
               <a:ext uri="{91240B29-F687-4f45-9708-019B960494DF}">
-                <a14:hiddenLine xmlns="" xmlns:a16="http://schemas.microsoft.com/office/drawing/2014/main" xmlns:p14="http://schemas.microsoft.com/office/powerpoint/2010/main" xmlns:a14="http://schemas.microsoft.com/office/drawing/2010/main" w="9525">
+                <a14:hiddenLine xmlns:a14="http://schemas.microsoft.com/office/drawing/2010/main" xmlns:p14="http://schemas.microsoft.com/office/powerpoint/2010/main" xmlns:a16="http://schemas.microsoft.com/office/drawing/2014/main" xmlns="" w="9525">
                   <a:solidFill>
                     <a:srgbClr val="000000"/>
                   </a:solidFill>
@@ -31555,7 +31607,7 @@
             </a:ln>
             <a:extLst>
               <a:ext uri="{91240B29-F687-4f45-9708-019B960494DF}">
-                <a14:hiddenLine xmlns="" xmlns:a16="http://schemas.microsoft.com/office/drawing/2014/main" xmlns:p14="http://schemas.microsoft.com/office/powerpoint/2010/main" xmlns:a14="http://schemas.microsoft.com/office/drawing/2010/main" w="9525">
+                <a14:hiddenLine xmlns:a14="http://schemas.microsoft.com/office/drawing/2010/main" xmlns:p14="http://schemas.microsoft.com/office/powerpoint/2010/main" xmlns:a16="http://schemas.microsoft.com/office/drawing/2014/main" xmlns="" w="9525">
                   <a:solidFill>
                     <a:srgbClr val="000000"/>
                   </a:solidFill>
@@ -31635,7 +31687,7 @@
             </a:ln>
             <a:extLst>
               <a:ext uri="{91240B29-F687-4f45-9708-019B960494DF}">
-                <a14:hiddenLine xmlns="" xmlns:a16="http://schemas.microsoft.com/office/drawing/2014/main" xmlns:p14="http://schemas.microsoft.com/office/powerpoint/2010/main" xmlns:a14="http://schemas.microsoft.com/office/drawing/2010/main" w="9525">
+                <a14:hiddenLine xmlns:a14="http://schemas.microsoft.com/office/drawing/2010/main" xmlns:p14="http://schemas.microsoft.com/office/powerpoint/2010/main" xmlns:a16="http://schemas.microsoft.com/office/drawing/2014/main" xmlns="" w="9525">
                   <a:solidFill>
                     <a:srgbClr val="000000"/>
                   </a:solidFill>
@@ -31712,7 +31764,7 @@
             </a:ln>
             <a:extLst>
               <a:ext uri="{91240B29-F687-4f45-9708-019B960494DF}">
-                <a14:hiddenLine xmlns="" xmlns:a16="http://schemas.microsoft.com/office/drawing/2014/main" xmlns:p14="http://schemas.microsoft.com/office/powerpoint/2010/main" xmlns:a14="http://schemas.microsoft.com/office/drawing/2010/main" w="9525">
+                <a14:hiddenLine xmlns:a14="http://schemas.microsoft.com/office/drawing/2010/main" xmlns:p14="http://schemas.microsoft.com/office/powerpoint/2010/main" xmlns:a16="http://schemas.microsoft.com/office/drawing/2014/main" xmlns="" w="9525">
                   <a:solidFill>
                     <a:srgbClr val="000000"/>
                   </a:solidFill>
@@ -31817,7 +31869,7 @@
             </a:ln>
             <a:extLst>
               <a:ext uri="{91240B29-F687-4f45-9708-019B960494DF}">
-                <a14:hiddenLine xmlns="" xmlns:a16="http://schemas.microsoft.com/office/drawing/2014/main" xmlns:p14="http://schemas.microsoft.com/office/powerpoint/2010/main" xmlns:a14="http://schemas.microsoft.com/office/drawing/2010/main" w="9525">
+                <a14:hiddenLine xmlns:a14="http://schemas.microsoft.com/office/drawing/2010/main" xmlns:p14="http://schemas.microsoft.com/office/powerpoint/2010/main" xmlns:a16="http://schemas.microsoft.com/office/drawing/2014/main" xmlns="" w="9525">
                   <a:solidFill>
                     <a:srgbClr val="000000"/>
                   </a:solidFill>
@@ -31922,7 +31974,7 @@
             </a:ln>
             <a:extLst>
               <a:ext uri="{91240B29-F687-4f45-9708-019B960494DF}">
-                <a14:hiddenLine xmlns="" xmlns:a16="http://schemas.microsoft.com/office/drawing/2014/main" xmlns:p14="http://schemas.microsoft.com/office/powerpoint/2010/main" xmlns:a14="http://schemas.microsoft.com/office/drawing/2010/main" w="9525">
+                <a14:hiddenLine xmlns:a14="http://schemas.microsoft.com/office/drawing/2010/main" xmlns:p14="http://schemas.microsoft.com/office/powerpoint/2010/main" xmlns:a16="http://schemas.microsoft.com/office/drawing/2014/main" xmlns="" w="9525">
                   <a:solidFill>
                     <a:srgbClr val="000000"/>
                   </a:solidFill>
@@ -32002,7 +32054,7 @@
             </a:ln>
             <a:extLst>
               <a:ext uri="{91240B29-F687-4f45-9708-019B960494DF}">
-                <a14:hiddenLine xmlns="" xmlns:a16="http://schemas.microsoft.com/office/drawing/2014/main" xmlns:p14="http://schemas.microsoft.com/office/powerpoint/2010/main" xmlns:a14="http://schemas.microsoft.com/office/drawing/2010/main" w="9525">
+                <a14:hiddenLine xmlns:a14="http://schemas.microsoft.com/office/drawing/2010/main" xmlns:p14="http://schemas.microsoft.com/office/powerpoint/2010/main" xmlns:a16="http://schemas.microsoft.com/office/drawing/2014/main" xmlns="" w="9525">
                   <a:solidFill>
                     <a:srgbClr val="000000"/>
                   </a:solidFill>
@@ -32137,7 +32189,7 @@
             </a:ln>
             <a:extLst>
               <a:ext uri="{91240B29-F687-4f45-9708-019B960494DF}">
-                <a14:hiddenLine xmlns="" xmlns:a16="http://schemas.microsoft.com/office/drawing/2014/main" xmlns:p14="http://schemas.microsoft.com/office/powerpoint/2010/main" xmlns:a14="http://schemas.microsoft.com/office/drawing/2010/main" w="9525">
+                <a14:hiddenLine xmlns:a14="http://schemas.microsoft.com/office/drawing/2010/main" xmlns:p14="http://schemas.microsoft.com/office/powerpoint/2010/main" xmlns:a16="http://schemas.microsoft.com/office/drawing/2014/main" xmlns="" w="9525">
                   <a:solidFill>
                     <a:srgbClr val="000000"/>
                   </a:solidFill>
@@ -32360,7 +32412,7 @@
             </a:ln>
             <a:extLst>
               <a:ext uri="{91240B29-F687-4f45-9708-019B960494DF}">
-                <a14:hiddenLine xmlns="" xmlns:a16="http://schemas.microsoft.com/office/drawing/2014/main" xmlns:p14="http://schemas.microsoft.com/office/powerpoint/2010/main" xmlns:a14="http://schemas.microsoft.com/office/drawing/2010/main" w="9525">
+                <a14:hiddenLine xmlns:a14="http://schemas.microsoft.com/office/drawing/2010/main" xmlns:p14="http://schemas.microsoft.com/office/powerpoint/2010/main" xmlns:a16="http://schemas.microsoft.com/office/drawing/2014/main" xmlns="" w="9525">
                   <a:solidFill>
                     <a:srgbClr val="000000"/>
                   </a:solidFill>
@@ -32490,7 +32542,7 @@
             </a:ln>
             <a:extLst>
               <a:ext uri="{91240B29-F687-4f45-9708-019B960494DF}">
-                <a14:hiddenLine xmlns="" xmlns:a16="http://schemas.microsoft.com/office/drawing/2014/main" xmlns:p14="http://schemas.microsoft.com/office/powerpoint/2010/main" xmlns:a14="http://schemas.microsoft.com/office/drawing/2010/main" w="9525">
+                <a14:hiddenLine xmlns:a14="http://schemas.microsoft.com/office/drawing/2010/main" xmlns:p14="http://schemas.microsoft.com/office/powerpoint/2010/main" xmlns:a16="http://schemas.microsoft.com/office/drawing/2014/main" xmlns="" w="9525">
                   <a:solidFill>
                     <a:srgbClr val="000000"/>
                   </a:solidFill>
@@ -32595,7 +32647,7 @@
             </a:ln>
             <a:extLst>
               <a:ext uri="{91240B29-F687-4f45-9708-019B960494DF}">
-                <a14:hiddenLine xmlns="" xmlns:a16="http://schemas.microsoft.com/office/drawing/2014/main" xmlns:p14="http://schemas.microsoft.com/office/powerpoint/2010/main" xmlns:a14="http://schemas.microsoft.com/office/drawing/2010/main" w="9525">
+                <a14:hiddenLine xmlns:a14="http://schemas.microsoft.com/office/drawing/2010/main" xmlns:p14="http://schemas.microsoft.com/office/powerpoint/2010/main" xmlns:a16="http://schemas.microsoft.com/office/drawing/2014/main" xmlns="" w="9525">
                   <a:solidFill>
                     <a:srgbClr val="000000"/>
                   </a:solidFill>
@@ -32675,7 +32727,7 @@
             </a:ln>
             <a:extLst>
               <a:ext uri="{91240B29-F687-4f45-9708-019B960494DF}">
-                <a14:hiddenLine xmlns="" xmlns:a16="http://schemas.microsoft.com/office/drawing/2014/main" xmlns:p14="http://schemas.microsoft.com/office/powerpoint/2010/main" xmlns:a14="http://schemas.microsoft.com/office/drawing/2010/main" w="9525">
+                <a14:hiddenLine xmlns:a14="http://schemas.microsoft.com/office/drawing/2010/main" xmlns:p14="http://schemas.microsoft.com/office/powerpoint/2010/main" xmlns:a16="http://schemas.microsoft.com/office/drawing/2014/main" xmlns="" w="9525">
                   <a:solidFill>
                     <a:srgbClr val="000000"/>
                   </a:solidFill>
@@ -32780,7 +32832,7 @@
             </a:ln>
             <a:extLst>
               <a:ext uri="{91240B29-F687-4f45-9708-019B960494DF}">
-                <a14:hiddenLine xmlns="" xmlns:a16="http://schemas.microsoft.com/office/drawing/2014/main" xmlns:p14="http://schemas.microsoft.com/office/powerpoint/2010/main" xmlns:a14="http://schemas.microsoft.com/office/drawing/2010/main" w="9525">
+                <a14:hiddenLine xmlns:a14="http://schemas.microsoft.com/office/drawing/2010/main" xmlns:p14="http://schemas.microsoft.com/office/powerpoint/2010/main" xmlns:a16="http://schemas.microsoft.com/office/drawing/2014/main" xmlns="" w="9525">
                   <a:solidFill>
                     <a:srgbClr val="000000"/>
                   </a:solidFill>
@@ -32863,7 +32915,7 @@
             </a:ln>
             <a:extLst>
               <a:ext uri="{91240B29-F687-4f45-9708-019B960494DF}">
-                <a14:hiddenLine xmlns="" xmlns:a16="http://schemas.microsoft.com/office/drawing/2014/main" xmlns:p14="http://schemas.microsoft.com/office/powerpoint/2010/main" xmlns:a14="http://schemas.microsoft.com/office/drawing/2010/main" w="9525">
+                <a14:hiddenLine xmlns:a14="http://schemas.microsoft.com/office/drawing/2010/main" xmlns:p14="http://schemas.microsoft.com/office/powerpoint/2010/main" xmlns:a16="http://schemas.microsoft.com/office/drawing/2014/main" xmlns="" w="9525">
                   <a:solidFill>
                     <a:srgbClr val="000000"/>
                   </a:solidFill>
@@ -32968,7 +33020,7 @@
             </a:ln>
             <a:extLst>
               <a:ext uri="{91240B29-F687-4f45-9708-019B960494DF}">
-                <a14:hiddenLine xmlns="" xmlns:a16="http://schemas.microsoft.com/office/drawing/2014/main" xmlns:p14="http://schemas.microsoft.com/office/powerpoint/2010/main" xmlns:a14="http://schemas.microsoft.com/office/drawing/2010/main" w="9525">
+                <a14:hiddenLine xmlns:a14="http://schemas.microsoft.com/office/drawing/2010/main" xmlns:p14="http://schemas.microsoft.com/office/powerpoint/2010/main" xmlns:a16="http://schemas.microsoft.com/office/drawing/2014/main" xmlns="" w="9525">
                   <a:solidFill>
                     <a:srgbClr val="000000"/>
                   </a:solidFill>
@@ -33051,7 +33103,7 @@
             </a:ln>
             <a:extLst>
               <a:ext uri="{91240B29-F687-4f45-9708-019B960494DF}">
-                <a14:hiddenLine xmlns="" xmlns:a16="http://schemas.microsoft.com/office/drawing/2014/main" xmlns:p14="http://schemas.microsoft.com/office/powerpoint/2010/main" xmlns:a14="http://schemas.microsoft.com/office/drawing/2010/main" w="9525">
+                <a14:hiddenLine xmlns:a14="http://schemas.microsoft.com/office/drawing/2010/main" xmlns:p14="http://schemas.microsoft.com/office/powerpoint/2010/main" xmlns:a16="http://schemas.microsoft.com/office/drawing/2014/main" xmlns="" w="9525">
                   <a:solidFill>
                     <a:srgbClr val="000000"/>
                   </a:solidFill>
@@ -33156,7 +33208,7 @@
             </a:ln>
             <a:extLst>
               <a:ext uri="{91240B29-F687-4f45-9708-019B960494DF}">
-                <a14:hiddenLine xmlns="" xmlns:a16="http://schemas.microsoft.com/office/drawing/2014/main" xmlns:p14="http://schemas.microsoft.com/office/powerpoint/2010/main" xmlns:a14="http://schemas.microsoft.com/office/drawing/2010/main" w="9525">
+                <a14:hiddenLine xmlns:a14="http://schemas.microsoft.com/office/drawing/2010/main" xmlns:p14="http://schemas.microsoft.com/office/powerpoint/2010/main" xmlns:a16="http://schemas.microsoft.com/office/drawing/2014/main" xmlns="" w="9525">
                   <a:solidFill>
                     <a:srgbClr val="000000"/>
                   </a:solidFill>
@@ -33205,7 +33257,7 @@
             </a:ln>
             <a:extLst>
               <a:ext uri="{91240B29-F687-4f45-9708-019B960494DF}">
-                <a14:hiddenLine xmlns="" xmlns:a16="http://schemas.microsoft.com/office/drawing/2014/main" xmlns:p14="http://schemas.microsoft.com/office/powerpoint/2010/main" xmlns:a14="http://schemas.microsoft.com/office/drawing/2010/main" w="9525">
+                <a14:hiddenLine xmlns:a14="http://schemas.microsoft.com/office/drawing/2010/main" xmlns:p14="http://schemas.microsoft.com/office/powerpoint/2010/main" xmlns:a16="http://schemas.microsoft.com/office/drawing/2014/main" xmlns="" w="9525">
                   <a:solidFill>
                     <a:srgbClr val="000000"/>
                   </a:solidFill>
@@ -34186,7 +34238,7 @@
             </a:ln>
             <a:extLst>
               <a:ext uri="{91240B29-F687-4f45-9708-019B960494DF}">
-                <a14:hiddenLine xmlns:a14="http://schemas.microsoft.com/office/drawing/2010/main" xmlns:p14="http://schemas.microsoft.com/office/powerpoint/2010/main" xmlns:a16="http://schemas.microsoft.com/office/drawing/2014/main" xmlns="" w="9525">
+                <a14:hiddenLine xmlns="" xmlns:a16="http://schemas.microsoft.com/office/drawing/2014/main" xmlns:p14="http://schemas.microsoft.com/office/powerpoint/2010/main" xmlns:a14="http://schemas.microsoft.com/office/drawing/2010/main" w="9525">
                   <a:solidFill>
                     <a:srgbClr val="000000"/>
                   </a:solidFill>
@@ -34291,7 +34343,7 @@
             </a:ln>
             <a:extLst>
               <a:ext uri="{91240B29-F687-4f45-9708-019B960494DF}">
-                <a14:hiddenLine xmlns:a14="http://schemas.microsoft.com/office/drawing/2010/main" xmlns:p14="http://schemas.microsoft.com/office/powerpoint/2010/main" xmlns:a16="http://schemas.microsoft.com/office/drawing/2014/main" xmlns="" w="9525">
+                <a14:hiddenLine xmlns="" xmlns:a16="http://schemas.microsoft.com/office/drawing/2014/main" xmlns:p14="http://schemas.microsoft.com/office/powerpoint/2010/main" xmlns:a14="http://schemas.microsoft.com/office/drawing/2010/main" w="9525">
                   <a:solidFill>
                     <a:srgbClr val="000000"/>
                   </a:solidFill>
@@ -34396,7 +34448,7 @@
             </a:ln>
             <a:extLst>
               <a:ext uri="{91240B29-F687-4f45-9708-019B960494DF}">
-                <a14:hiddenLine xmlns:a14="http://schemas.microsoft.com/office/drawing/2010/main" xmlns:p14="http://schemas.microsoft.com/office/powerpoint/2010/main" xmlns:a16="http://schemas.microsoft.com/office/drawing/2014/main" xmlns="" w="9525">
+                <a14:hiddenLine xmlns="" xmlns:a16="http://schemas.microsoft.com/office/drawing/2014/main" xmlns:p14="http://schemas.microsoft.com/office/powerpoint/2010/main" xmlns:a14="http://schemas.microsoft.com/office/drawing/2010/main" w="9525">
                   <a:solidFill>
                     <a:srgbClr val="000000"/>
                   </a:solidFill>
@@ -34473,7 +34525,7 @@
             </a:ln>
             <a:extLst>
               <a:ext uri="{91240B29-F687-4f45-9708-019B960494DF}">
-                <a14:hiddenLine xmlns:a14="http://schemas.microsoft.com/office/drawing/2010/main" xmlns:p14="http://schemas.microsoft.com/office/powerpoint/2010/main" xmlns:a16="http://schemas.microsoft.com/office/drawing/2014/main" xmlns="" w="9525">
+                <a14:hiddenLine xmlns="" xmlns:a16="http://schemas.microsoft.com/office/drawing/2014/main" xmlns:p14="http://schemas.microsoft.com/office/powerpoint/2010/main" xmlns:a14="http://schemas.microsoft.com/office/drawing/2010/main" w="9525">
                   <a:solidFill>
                     <a:srgbClr val="000000"/>
                   </a:solidFill>
@@ -34578,7 +34630,7 @@
             </a:ln>
             <a:extLst>
               <a:ext uri="{91240B29-F687-4f45-9708-019B960494DF}">
-                <a14:hiddenLine xmlns:a14="http://schemas.microsoft.com/office/drawing/2010/main" xmlns:p14="http://schemas.microsoft.com/office/powerpoint/2010/main" xmlns:a16="http://schemas.microsoft.com/office/drawing/2014/main" xmlns="" w="9525">
+                <a14:hiddenLine xmlns="" xmlns:a16="http://schemas.microsoft.com/office/drawing/2014/main" xmlns:p14="http://schemas.microsoft.com/office/powerpoint/2010/main" xmlns:a14="http://schemas.microsoft.com/office/drawing/2010/main" w="9525">
                   <a:solidFill>
                     <a:srgbClr val="000000"/>
                   </a:solidFill>
@@ -34655,7 +34707,7 @@
             </a:ln>
             <a:extLst>
               <a:ext uri="{91240B29-F687-4f45-9708-019B960494DF}">
-                <a14:hiddenLine xmlns:a14="http://schemas.microsoft.com/office/drawing/2010/main" xmlns:p14="http://schemas.microsoft.com/office/powerpoint/2010/main" xmlns:a16="http://schemas.microsoft.com/office/drawing/2014/main" xmlns="" w="9525">
+                <a14:hiddenLine xmlns="" xmlns:a16="http://schemas.microsoft.com/office/drawing/2014/main" xmlns:p14="http://schemas.microsoft.com/office/powerpoint/2010/main" xmlns:a14="http://schemas.microsoft.com/office/drawing/2010/main" w="9525">
                   <a:solidFill>
                     <a:srgbClr val="000000"/>
                   </a:solidFill>
@@ -34732,7 +34784,7 @@
             </a:ln>
             <a:extLst>
               <a:ext uri="{91240B29-F687-4f45-9708-019B960494DF}">
-                <a14:hiddenLine xmlns:a14="http://schemas.microsoft.com/office/drawing/2010/main" xmlns:p14="http://schemas.microsoft.com/office/powerpoint/2010/main" xmlns:a16="http://schemas.microsoft.com/office/drawing/2014/main" xmlns="" w="9525">
+                <a14:hiddenLine xmlns="" xmlns:a16="http://schemas.microsoft.com/office/drawing/2014/main" xmlns:p14="http://schemas.microsoft.com/office/powerpoint/2010/main" xmlns:a14="http://schemas.microsoft.com/office/drawing/2010/main" w="9525">
                   <a:solidFill>
                     <a:srgbClr val="000000"/>
                   </a:solidFill>
@@ -34837,7 +34889,7 @@
             </a:ln>
             <a:extLst>
               <a:ext uri="{91240B29-F687-4f45-9708-019B960494DF}">
-                <a14:hiddenLine xmlns:a14="http://schemas.microsoft.com/office/drawing/2010/main" xmlns:p14="http://schemas.microsoft.com/office/powerpoint/2010/main" xmlns:a16="http://schemas.microsoft.com/office/drawing/2014/main" xmlns="" w="9525">
+                <a14:hiddenLine xmlns="" xmlns:a16="http://schemas.microsoft.com/office/drawing/2014/main" xmlns:p14="http://schemas.microsoft.com/office/powerpoint/2010/main" xmlns:a14="http://schemas.microsoft.com/office/drawing/2010/main" w="9525">
                   <a:solidFill>
                     <a:srgbClr val="000000"/>
                   </a:solidFill>
@@ -34942,7 +34994,7 @@
             </a:ln>
             <a:extLst>
               <a:ext uri="{91240B29-F687-4f45-9708-019B960494DF}">
-                <a14:hiddenLine xmlns:a14="http://schemas.microsoft.com/office/drawing/2010/main" xmlns:p14="http://schemas.microsoft.com/office/powerpoint/2010/main" xmlns:a16="http://schemas.microsoft.com/office/drawing/2014/main" xmlns="" w="9525">
+                <a14:hiddenLine xmlns="" xmlns:a16="http://schemas.microsoft.com/office/drawing/2014/main" xmlns:p14="http://schemas.microsoft.com/office/powerpoint/2010/main" xmlns:a14="http://schemas.microsoft.com/office/drawing/2010/main" w="9525">
                   <a:solidFill>
                     <a:srgbClr val="000000"/>
                   </a:solidFill>
@@ -35019,7 +35071,7 @@
             </a:ln>
             <a:extLst>
               <a:ext uri="{91240B29-F687-4f45-9708-019B960494DF}">
-                <a14:hiddenLine xmlns:a14="http://schemas.microsoft.com/office/drawing/2010/main" xmlns:p14="http://schemas.microsoft.com/office/powerpoint/2010/main" xmlns:a16="http://schemas.microsoft.com/office/drawing/2014/main" xmlns="" w="9525">
+                <a14:hiddenLine xmlns="" xmlns:a16="http://schemas.microsoft.com/office/drawing/2014/main" xmlns:p14="http://schemas.microsoft.com/office/powerpoint/2010/main" xmlns:a14="http://schemas.microsoft.com/office/drawing/2010/main" w="9525">
                   <a:solidFill>
                     <a:srgbClr val="000000"/>
                   </a:solidFill>
@@ -35144,7 +35196,7 @@
             </a:ln>
             <a:extLst>
               <a:ext uri="{91240B29-F687-4f45-9708-019B960494DF}">
-                <a14:hiddenLine xmlns:a14="http://schemas.microsoft.com/office/drawing/2010/main" xmlns:p14="http://schemas.microsoft.com/office/powerpoint/2010/main" xmlns:a16="http://schemas.microsoft.com/office/drawing/2014/main" xmlns="" w="9525">
+                <a14:hiddenLine xmlns="" xmlns:a16="http://schemas.microsoft.com/office/drawing/2014/main" xmlns:p14="http://schemas.microsoft.com/office/powerpoint/2010/main" xmlns:a14="http://schemas.microsoft.com/office/drawing/2010/main" w="9525">
                   <a:solidFill>
                     <a:srgbClr val="000000"/>
                   </a:solidFill>
@@ -35258,7 +35310,7 @@
             </a:ln>
             <a:extLst>
               <a:ext uri="{91240B29-F687-4f45-9708-019B960494DF}">
-                <a14:hiddenLine xmlns:a14="http://schemas.microsoft.com/office/drawing/2010/main" xmlns:p14="http://schemas.microsoft.com/office/powerpoint/2010/main" xmlns:a16="http://schemas.microsoft.com/office/drawing/2014/main" xmlns="" w="9525">
+                <a14:hiddenLine xmlns="" xmlns:a16="http://schemas.microsoft.com/office/drawing/2014/main" xmlns:p14="http://schemas.microsoft.com/office/powerpoint/2010/main" xmlns:a14="http://schemas.microsoft.com/office/drawing/2010/main" w="9525">
                   <a:solidFill>
                     <a:srgbClr val="000000"/>
                   </a:solidFill>
@@ -35335,7 +35387,7 @@
             </a:ln>
             <a:extLst>
               <a:ext uri="{91240B29-F687-4f45-9708-019B960494DF}">
-                <a14:hiddenLine xmlns:a14="http://schemas.microsoft.com/office/drawing/2010/main" xmlns:p14="http://schemas.microsoft.com/office/powerpoint/2010/main" xmlns:a16="http://schemas.microsoft.com/office/drawing/2014/main" xmlns="" w="9525">
+                <a14:hiddenLine xmlns="" xmlns:a16="http://schemas.microsoft.com/office/drawing/2014/main" xmlns:p14="http://schemas.microsoft.com/office/powerpoint/2010/main" xmlns:a14="http://schemas.microsoft.com/office/drawing/2010/main" w="9525">
                   <a:solidFill>
                     <a:srgbClr val="000000"/>
                   </a:solidFill>
@@ -35412,7 +35464,7 @@
             </a:ln>
             <a:extLst>
               <a:ext uri="{91240B29-F687-4f45-9708-019B960494DF}">
-                <a14:hiddenLine xmlns:a14="http://schemas.microsoft.com/office/drawing/2010/main" xmlns:p14="http://schemas.microsoft.com/office/powerpoint/2010/main" xmlns:a16="http://schemas.microsoft.com/office/drawing/2014/main" xmlns="" w="9525">
+                <a14:hiddenLine xmlns="" xmlns:a16="http://schemas.microsoft.com/office/drawing/2014/main" xmlns:p14="http://schemas.microsoft.com/office/powerpoint/2010/main" xmlns:a14="http://schemas.microsoft.com/office/drawing/2010/main" w="9525">
                   <a:solidFill>
                     <a:srgbClr val="000000"/>
                   </a:solidFill>
@@ -35517,7 +35569,7 @@
             </a:ln>
             <a:extLst>
               <a:ext uri="{91240B29-F687-4f45-9708-019B960494DF}">
-                <a14:hiddenLine xmlns:a14="http://schemas.microsoft.com/office/drawing/2010/main" xmlns:p14="http://schemas.microsoft.com/office/powerpoint/2010/main" xmlns:a16="http://schemas.microsoft.com/office/drawing/2014/main" xmlns="" w="9525">
+                <a14:hiddenLine xmlns="" xmlns:a16="http://schemas.microsoft.com/office/drawing/2014/main" xmlns:p14="http://schemas.microsoft.com/office/powerpoint/2010/main" xmlns:a14="http://schemas.microsoft.com/office/drawing/2010/main" w="9525">
                   <a:solidFill>
                     <a:srgbClr val="000000"/>
                   </a:solidFill>
@@ -35566,7 +35618,7 @@
             </a:ln>
             <a:extLst>
               <a:ext uri="{91240B29-F687-4f45-9708-019B960494DF}">
-                <a14:hiddenLine xmlns:a14="http://schemas.microsoft.com/office/drawing/2010/main" xmlns:p14="http://schemas.microsoft.com/office/powerpoint/2010/main" xmlns:a16="http://schemas.microsoft.com/office/drawing/2014/main" xmlns="" w="9525">
+                <a14:hiddenLine xmlns="" xmlns:a16="http://schemas.microsoft.com/office/drawing/2014/main" xmlns:p14="http://schemas.microsoft.com/office/powerpoint/2010/main" xmlns:a14="http://schemas.microsoft.com/office/drawing/2010/main" w="9525">
                   <a:solidFill>
                     <a:srgbClr val="000000"/>
                   </a:solidFill>
@@ -35646,7 +35698,7 @@
             </a:ln>
             <a:extLst>
               <a:ext uri="{91240B29-F687-4f45-9708-019B960494DF}">
-                <a14:hiddenLine xmlns:a14="http://schemas.microsoft.com/office/drawing/2010/main" xmlns:p14="http://schemas.microsoft.com/office/powerpoint/2010/main" xmlns:a16="http://schemas.microsoft.com/office/drawing/2014/main" xmlns="" w="9525">
+                <a14:hiddenLine xmlns="" xmlns:a16="http://schemas.microsoft.com/office/drawing/2014/main" xmlns:p14="http://schemas.microsoft.com/office/powerpoint/2010/main" xmlns:a14="http://schemas.microsoft.com/office/drawing/2010/main" w="9525">
                   <a:solidFill>
                     <a:srgbClr val="000000"/>
                   </a:solidFill>
@@ -35751,7 +35803,7 @@
             </a:ln>
             <a:extLst>
               <a:ext uri="{91240B29-F687-4f45-9708-019B960494DF}">
-                <a14:hiddenLine xmlns:a14="http://schemas.microsoft.com/office/drawing/2010/main" xmlns:p14="http://schemas.microsoft.com/office/powerpoint/2010/main" xmlns:a16="http://schemas.microsoft.com/office/drawing/2014/main" xmlns="" w="9525">
+                <a14:hiddenLine xmlns="" xmlns:a16="http://schemas.microsoft.com/office/drawing/2014/main" xmlns:p14="http://schemas.microsoft.com/office/powerpoint/2010/main" xmlns:a14="http://schemas.microsoft.com/office/drawing/2010/main" w="9525">
                   <a:solidFill>
                     <a:srgbClr val="000000"/>
                   </a:solidFill>
@@ -35828,7 +35880,7 @@
             </a:ln>
             <a:extLst>
               <a:ext uri="{91240B29-F687-4f45-9708-019B960494DF}">
-                <a14:hiddenLine xmlns:a14="http://schemas.microsoft.com/office/drawing/2010/main" xmlns:p14="http://schemas.microsoft.com/office/powerpoint/2010/main" xmlns:a16="http://schemas.microsoft.com/office/drawing/2014/main" xmlns="" w="9525">
+                <a14:hiddenLine xmlns="" xmlns:a16="http://schemas.microsoft.com/office/drawing/2014/main" xmlns:p14="http://schemas.microsoft.com/office/powerpoint/2010/main" xmlns:a14="http://schemas.microsoft.com/office/drawing/2010/main" w="9525">
                   <a:solidFill>
                     <a:srgbClr val="000000"/>
                   </a:solidFill>
@@ -35933,7 +35985,7 @@
             </a:ln>
             <a:extLst>
               <a:ext uri="{91240B29-F687-4f45-9708-019B960494DF}">
-                <a14:hiddenLine xmlns:a14="http://schemas.microsoft.com/office/drawing/2010/main" xmlns:p14="http://schemas.microsoft.com/office/powerpoint/2010/main" xmlns:a16="http://schemas.microsoft.com/office/drawing/2014/main" xmlns="" w="9525">
+                <a14:hiddenLine xmlns="" xmlns:a16="http://schemas.microsoft.com/office/drawing/2014/main" xmlns:p14="http://schemas.microsoft.com/office/powerpoint/2010/main" xmlns:a14="http://schemas.microsoft.com/office/drawing/2010/main" w="9525">
                   <a:solidFill>
                     <a:srgbClr val="000000"/>
                   </a:solidFill>
@@ -36013,7 +36065,7 @@
             </a:ln>
             <a:extLst>
               <a:ext uri="{91240B29-F687-4f45-9708-019B960494DF}">
-                <a14:hiddenLine xmlns:a14="http://schemas.microsoft.com/office/drawing/2010/main" xmlns:p14="http://schemas.microsoft.com/office/powerpoint/2010/main" xmlns:a16="http://schemas.microsoft.com/office/drawing/2014/main" xmlns="" w="9525">
+                <a14:hiddenLine xmlns="" xmlns:a16="http://schemas.microsoft.com/office/drawing/2014/main" xmlns:p14="http://schemas.microsoft.com/office/powerpoint/2010/main" xmlns:a14="http://schemas.microsoft.com/office/drawing/2010/main" w="9525">
                   <a:solidFill>
                     <a:srgbClr val="000000"/>
                   </a:solidFill>
@@ -36090,7 +36142,7 @@
             </a:ln>
             <a:extLst>
               <a:ext uri="{91240B29-F687-4f45-9708-019B960494DF}">
-                <a14:hiddenLine xmlns:a14="http://schemas.microsoft.com/office/drawing/2010/main" xmlns:p14="http://schemas.microsoft.com/office/powerpoint/2010/main" xmlns:a16="http://schemas.microsoft.com/office/drawing/2014/main" xmlns="" w="9525">
+                <a14:hiddenLine xmlns="" xmlns:a16="http://schemas.microsoft.com/office/drawing/2014/main" xmlns:p14="http://schemas.microsoft.com/office/powerpoint/2010/main" xmlns:a14="http://schemas.microsoft.com/office/drawing/2010/main" w="9525">
                   <a:solidFill>
                     <a:srgbClr val="000000"/>
                   </a:solidFill>
@@ -36195,7 +36247,7 @@
             </a:ln>
             <a:extLst>
               <a:ext uri="{91240B29-F687-4f45-9708-019B960494DF}">
-                <a14:hiddenLine xmlns:a14="http://schemas.microsoft.com/office/drawing/2010/main" xmlns:p14="http://schemas.microsoft.com/office/powerpoint/2010/main" xmlns:a16="http://schemas.microsoft.com/office/drawing/2014/main" xmlns="" w="9525">
+                <a14:hiddenLine xmlns="" xmlns:a16="http://schemas.microsoft.com/office/drawing/2014/main" xmlns:p14="http://schemas.microsoft.com/office/powerpoint/2010/main" xmlns:a14="http://schemas.microsoft.com/office/drawing/2010/main" w="9525">
                   <a:solidFill>
                     <a:srgbClr val="000000"/>
                   </a:solidFill>
@@ -36300,7 +36352,7 @@
             </a:ln>
             <a:extLst>
               <a:ext uri="{91240B29-F687-4f45-9708-019B960494DF}">
-                <a14:hiddenLine xmlns:a14="http://schemas.microsoft.com/office/drawing/2010/main" xmlns:p14="http://schemas.microsoft.com/office/powerpoint/2010/main" xmlns:a16="http://schemas.microsoft.com/office/drawing/2014/main" xmlns="" w="9525">
+                <a14:hiddenLine xmlns="" xmlns:a16="http://schemas.microsoft.com/office/drawing/2014/main" xmlns:p14="http://schemas.microsoft.com/office/powerpoint/2010/main" xmlns:a14="http://schemas.microsoft.com/office/drawing/2010/main" w="9525">
                   <a:solidFill>
                     <a:srgbClr val="000000"/>
                   </a:solidFill>
@@ -36380,7 +36432,7 @@
             </a:ln>
             <a:extLst>
               <a:ext uri="{91240B29-F687-4f45-9708-019B960494DF}">
-                <a14:hiddenLine xmlns:a14="http://schemas.microsoft.com/office/drawing/2010/main" xmlns:p14="http://schemas.microsoft.com/office/powerpoint/2010/main" xmlns:a16="http://schemas.microsoft.com/office/drawing/2014/main" xmlns="" w="9525">
+                <a14:hiddenLine xmlns="" xmlns:a16="http://schemas.microsoft.com/office/drawing/2014/main" xmlns:p14="http://schemas.microsoft.com/office/powerpoint/2010/main" xmlns:a14="http://schemas.microsoft.com/office/drawing/2010/main" w="9525">
                   <a:solidFill>
                     <a:srgbClr val="000000"/>
                   </a:solidFill>
@@ -36515,7 +36567,7 @@
             </a:ln>
             <a:extLst>
               <a:ext uri="{91240B29-F687-4f45-9708-019B960494DF}">
-                <a14:hiddenLine xmlns:a14="http://schemas.microsoft.com/office/drawing/2010/main" xmlns:p14="http://schemas.microsoft.com/office/powerpoint/2010/main" xmlns:a16="http://schemas.microsoft.com/office/drawing/2014/main" xmlns="" w="9525">
+                <a14:hiddenLine xmlns="" xmlns:a16="http://schemas.microsoft.com/office/drawing/2014/main" xmlns:p14="http://schemas.microsoft.com/office/powerpoint/2010/main" xmlns:a14="http://schemas.microsoft.com/office/drawing/2010/main" w="9525">
                   <a:solidFill>
                     <a:srgbClr val="000000"/>
                   </a:solidFill>
@@ -36814,7 +36866,7 @@
             </a:ln>
             <a:extLst>
               <a:ext uri="{91240B29-F687-4f45-9708-019B960494DF}">
-                <a14:hiddenLine xmlns:a14="http://schemas.microsoft.com/office/drawing/2010/main" xmlns:p14="http://schemas.microsoft.com/office/powerpoint/2010/main" xmlns:a16="http://schemas.microsoft.com/office/drawing/2014/main" xmlns="" w="9525">
+                <a14:hiddenLine xmlns="" xmlns:a16="http://schemas.microsoft.com/office/drawing/2014/main" xmlns:p14="http://schemas.microsoft.com/office/powerpoint/2010/main" xmlns:a14="http://schemas.microsoft.com/office/drawing/2010/main" w="9525">
                   <a:solidFill>
                     <a:srgbClr val="000000"/>
                   </a:solidFill>
@@ -36944,7 +36996,7 @@
             </a:ln>
             <a:extLst>
               <a:ext uri="{91240B29-F687-4f45-9708-019B960494DF}">
-                <a14:hiddenLine xmlns:a14="http://schemas.microsoft.com/office/drawing/2010/main" xmlns:p14="http://schemas.microsoft.com/office/powerpoint/2010/main" xmlns:a16="http://schemas.microsoft.com/office/drawing/2014/main" xmlns="" w="9525">
+                <a14:hiddenLine xmlns="" xmlns:a16="http://schemas.microsoft.com/office/drawing/2014/main" xmlns:p14="http://schemas.microsoft.com/office/powerpoint/2010/main" xmlns:a14="http://schemas.microsoft.com/office/drawing/2010/main" w="9525">
                   <a:solidFill>
                     <a:srgbClr val="000000"/>
                   </a:solidFill>
@@ -37049,7 +37101,7 @@
             </a:ln>
             <a:extLst>
               <a:ext uri="{91240B29-F687-4f45-9708-019B960494DF}">
-                <a14:hiddenLine xmlns:a14="http://schemas.microsoft.com/office/drawing/2010/main" xmlns:p14="http://schemas.microsoft.com/office/powerpoint/2010/main" xmlns:a16="http://schemas.microsoft.com/office/drawing/2014/main" xmlns="" w="9525">
+                <a14:hiddenLine xmlns="" xmlns:a16="http://schemas.microsoft.com/office/drawing/2014/main" xmlns:p14="http://schemas.microsoft.com/office/powerpoint/2010/main" xmlns:a14="http://schemas.microsoft.com/office/drawing/2010/main" w="9525">
                   <a:solidFill>
                     <a:srgbClr val="000000"/>
                   </a:solidFill>
@@ -37129,7 +37181,7 @@
             </a:ln>
             <a:extLst>
               <a:ext uri="{91240B29-F687-4f45-9708-019B960494DF}">
-                <a14:hiddenLine xmlns:a14="http://schemas.microsoft.com/office/drawing/2010/main" xmlns:p14="http://schemas.microsoft.com/office/powerpoint/2010/main" xmlns:a16="http://schemas.microsoft.com/office/drawing/2014/main" xmlns="" w="9525">
+                <a14:hiddenLine xmlns="" xmlns:a16="http://schemas.microsoft.com/office/drawing/2014/main" xmlns:p14="http://schemas.microsoft.com/office/powerpoint/2010/main" xmlns:a14="http://schemas.microsoft.com/office/drawing/2010/main" w="9525">
                   <a:solidFill>
                     <a:srgbClr val="000000"/>
                   </a:solidFill>
@@ -37234,7 +37286,7 @@
             </a:ln>
             <a:extLst>
               <a:ext uri="{91240B29-F687-4f45-9708-019B960494DF}">
-                <a14:hiddenLine xmlns:a14="http://schemas.microsoft.com/office/drawing/2010/main" xmlns:p14="http://schemas.microsoft.com/office/powerpoint/2010/main" xmlns:a16="http://schemas.microsoft.com/office/drawing/2014/main" xmlns="" w="9525">
+                <a14:hiddenLine xmlns="" xmlns:a16="http://schemas.microsoft.com/office/drawing/2014/main" xmlns:p14="http://schemas.microsoft.com/office/powerpoint/2010/main" xmlns:a14="http://schemas.microsoft.com/office/drawing/2010/main" w="9525">
                   <a:solidFill>
                     <a:srgbClr val="000000"/>
                   </a:solidFill>
@@ -37317,7 +37369,7 @@
             </a:ln>
             <a:extLst>
               <a:ext uri="{91240B29-F687-4f45-9708-019B960494DF}">
-                <a14:hiddenLine xmlns:a14="http://schemas.microsoft.com/office/drawing/2010/main" xmlns:p14="http://schemas.microsoft.com/office/powerpoint/2010/main" xmlns:a16="http://schemas.microsoft.com/office/drawing/2014/main" xmlns="" w="9525">
+                <a14:hiddenLine xmlns="" xmlns:a16="http://schemas.microsoft.com/office/drawing/2014/main" xmlns:p14="http://schemas.microsoft.com/office/powerpoint/2010/main" xmlns:a14="http://schemas.microsoft.com/office/drawing/2010/main" w="9525">
                   <a:solidFill>
                     <a:srgbClr val="000000"/>
                   </a:solidFill>
@@ -37422,7 +37474,7 @@
             </a:ln>
             <a:extLst>
               <a:ext uri="{91240B29-F687-4f45-9708-019B960494DF}">
-                <a14:hiddenLine xmlns:a14="http://schemas.microsoft.com/office/drawing/2010/main" xmlns:p14="http://schemas.microsoft.com/office/powerpoint/2010/main" xmlns:a16="http://schemas.microsoft.com/office/drawing/2014/main" xmlns="" w="9525">
+                <a14:hiddenLine xmlns="" xmlns:a16="http://schemas.microsoft.com/office/drawing/2014/main" xmlns:p14="http://schemas.microsoft.com/office/powerpoint/2010/main" xmlns:a14="http://schemas.microsoft.com/office/drawing/2010/main" w="9525">
                   <a:solidFill>
                     <a:srgbClr val="000000"/>
                   </a:solidFill>
@@ -37505,7 +37557,7 @@
             </a:ln>
             <a:extLst>
               <a:ext uri="{91240B29-F687-4f45-9708-019B960494DF}">
-                <a14:hiddenLine xmlns:a14="http://schemas.microsoft.com/office/drawing/2010/main" xmlns:p14="http://schemas.microsoft.com/office/powerpoint/2010/main" xmlns:a16="http://schemas.microsoft.com/office/drawing/2014/main" xmlns="" w="9525">
+                <a14:hiddenLine xmlns="" xmlns:a16="http://schemas.microsoft.com/office/drawing/2014/main" xmlns:p14="http://schemas.microsoft.com/office/powerpoint/2010/main" xmlns:a14="http://schemas.microsoft.com/office/drawing/2010/main" w="9525">
                   <a:solidFill>
                     <a:srgbClr val="000000"/>
                   </a:solidFill>
@@ -37610,7 +37662,7 @@
             </a:ln>
             <a:extLst>
               <a:ext uri="{91240B29-F687-4f45-9708-019B960494DF}">
-                <a14:hiddenLine xmlns:a14="http://schemas.microsoft.com/office/drawing/2010/main" xmlns:p14="http://schemas.microsoft.com/office/powerpoint/2010/main" xmlns:a16="http://schemas.microsoft.com/office/drawing/2014/main" xmlns="" w="9525">
+                <a14:hiddenLine xmlns="" xmlns:a16="http://schemas.microsoft.com/office/drawing/2014/main" xmlns:p14="http://schemas.microsoft.com/office/powerpoint/2010/main" xmlns:a14="http://schemas.microsoft.com/office/drawing/2010/main" w="9525">
                   <a:solidFill>
                     <a:srgbClr val="000000"/>
                   </a:solidFill>
@@ -37659,7 +37711,7 @@
             </a:ln>
             <a:extLst>
               <a:ext uri="{91240B29-F687-4f45-9708-019B960494DF}">
-                <a14:hiddenLine xmlns:a14="http://schemas.microsoft.com/office/drawing/2010/main" xmlns:p14="http://schemas.microsoft.com/office/powerpoint/2010/main" xmlns:a16="http://schemas.microsoft.com/office/drawing/2014/main" xmlns="" w="9525">
+                <a14:hiddenLine xmlns="" xmlns:a16="http://schemas.microsoft.com/office/drawing/2014/main" xmlns:p14="http://schemas.microsoft.com/office/powerpoint/2010/main" xmlns:a14="http://schemas.microsoft.com/office/drawing/2010/main" w="9525">
                   <a:solidFill>
                     <a:srgbClr val="000000"/>
                   </a:solidFill>
@@ -38177,7 +38229,7 @@
             </a:ln>
             <a:extLst>
               <a:ext uri="{91240B29-F687-4f45-9708-019B960494DF}">
-                <a14:hiddenLine xmlns:a14="http://schemas.microsoft.com/office/drawing/2010/main" xmlns:p14="http://schemas.microsoft.com/office/powerpoint/2010/main" xmlns:a16="http://schemas.microsoft.com/office/drawing/2014/main" xmlns="" w="9525">
+                <a14:hiddenLine xmlns="" xmlns:a16="http://schemas.microsoft.com/office/drawing/2014/main" xmlns:p14="http://schemas.microsoft.com/office/powerpoint/2010/main" xmlns:a14="http://schemas.microsoft.com/office/drawing/2010/main" w="9525">
                   <a:solidFill>
                     <a:srgbClr val="000000"/>
                   </a:solidFill>
@@ -38282,7 +38334,7 @@
             </a:ln>
             <a:extLst>
               <a:ext uri="{91240B29-F687-4f45-9708-019B960494DF}">
-                <a14:hiddenLine xmlns:a14="http://schemas.microsoft.com/office/drawing/2010/main" xmlns:p14="http://schemas.microsoft.com/office/powerpoint/2010/main" xmlns:a16="http://schemas.microsoft.com/office/drawing/2014/main" xmlns="" w="9525">
+                <a14:hiddenLine xmlns="" xmlns:a16="http://schemas.microsoft.com/office/drawing/2014/main" xmlns:p14="http://schemas.microsoft.com/office/powerpoint/2010/main" xmlns:a14="http://schemas.microsoft.com/office/drawing/2010/main" w="9525">
                   <a:solidFill>
                     <a:srgbClr val="000000"/>
                   </a:solidFill>
@@ -38387,7 +38439,7 @@
             </a:ln>
             <a:extLst>
               <a:ext uri="{91240B29-F687-4f45-9708-019B960494DF}">
-                <a14:hiddenLine xmlns:a14="http://schemas.microsoft.com/office/drawing/2010/main" xmlns:p14="http://schemas.microsoft.com/office/powerpoint/2010/main" xmlns:a16="http://schemas.microsoft.com/office/drawing/2014/main" xmlns="" w="9525">
+                <a14:hiddenLine xmlns="" xmlns:a16="http://schemas.microsoft.com/office/drawing/2014/main" xmlns:p14="http://schemas.microsoft.com/office/powerpoint/2010/main" xmlns:a14="http://schemas.microsoft.com/office/drawing/2010/main" w="9525">
                   <a:solidFill>
                     <a:srgbClr val="000000"/>
                   </a:solidFill>
@@ -38464,7 +38516,7 @@
             </a:ln>
             <a:extLst>
               <a:ext uri="{91240B29-F687-4f45-9708-019B960494DF}">
-                <a14:hiddenLine xmlns:a14="http://schemas.microsoft.com/office/drawing/2010/main" xmlns:p14="http://schemas.microsoft.com/office/powerpoint/2010/main" xmlns:a16="http://schemas.microsoft.com/office/drawing/2014/main" xmlns="" w="9525">
+                <a14:hiddenLine xmlns="" xmlns:a16="http://schemas.microsoft.com/office/drawing/2014/main" xmlns:p14="http://schemas.microsoft.com/office/powerpoint/2010/main" xmlns:a14="http://schemas.microsoft.com/office/drawing/2010/main" w="9525">
                   <a:solidFill>
                     <a:srgbClr val="000000"/>
                   </a:solidFill>
@@ -38569,7 +38621,7 @@
             </a:ln>
             <a:extLst>
               <a:ext uri="{91240B29-F687-4f45-9708-019B960494DF}">
-                <a14:hiddenLine xmlns:a14="http://schemas.microsoft.com/office/drawing/2010/main" xmlns:p14="http://schemas.microsoft.com/office/powerpoint/2010/main" xmlns:a16="http://schemas.microsoft.com/office/drawing/2014/main" xmlns="" w="9525">
+                <a14:hiddenLine xmlns="" xmlns:a16="http://schemas.microsoft.com/office/drawing/2014/main" xmlns:p14="http://schemas.microsoft.com/office/powerpoint/2010/main" xmlns:a14="http://schemas.microsoft.com/office/drawing/2010/main" w="9525">
                   <a:solidFill>
                     <a:srgbClr val="000000"/>
                   </a:solidFill>
@@ -38646,7 +38698,7 @@
             </a:ln>
             <a:extLst>
               <a:ext uri="{91240B29-F687-4f45-9708-019B960494DF}">
-                <a14:hiddenLine xmlns:a14="http://schemas.microsoft.com/office/drawing/2010/main" xmlns:p14="http://schemas.microsoft.com/office/powerpoint/2010/main" xmlns:a16="http://schemas.microsoft.com/office/drawing/2014/main" xmlns="" w="9525">
+                <a14:hiddenLine xmlns="" xmlns:a16="http://schemas.microsoft.com/office/drawing/2014/main" xmlns:p14="http://schemas.microsoft.com/office/powerpoint/2010/main" xmlns:a14="http://schemas.microsoft.com/office/drawing/2010/main" w="9525">
                   <a:solidFill>
                     <a:srgbClr val="000000"/>
                   </a:solidFill>
@@ -38723,7 +38775,7 @@
             </a:ln>
             <a:extLst>
               <a:ext uri="{91240B29-F687-4f45-9708-019B960494DF}">
-                <a14:hiddenLine xmlns:a14="http://schemas.microsoft.com/office/drawing/2010/main" xmlns:p14="http://schemas.microsoft.com/office/powerpoint/2010/main" xmlns:a16="http://schemas.microsoft.com/office/drawing/2014/main" xmlns="" w="9525">
+                <a14:hiddenLine xmlns="" xmlns:a16="http://schemas.microsoft.com/office/drawing/2014/main" xmlns:p14="http://schemas.microsoft.com/office/powerpoint/2010/main" xmlns:a14="http://schemas.microsoft.com/office/drawing/2010/main" w="9525">
                   <a:solidFill>
                     <a:srgbClr val="000000"/>
                   </a:solidFill>
@@ -38828,7 +38880,7 @@
             </a:ln>
             <a:extLst>
               <a:ext uri="{91240B29-F687-4f45-9708-019B960494DF}">
-                <a14:hiddenLine xmlns:a14="http://schemas.microsoft.com/office/drawing/2010/main" xmlns:p14="http://schemas.microsoft.com/office/powerpoint/2010/main" xmlns:a16="http://schemas.microsoft.com/office/drawing/2014/main" xmlns="" w="9525">
+                <a14:hiddenLine xmlns="" xmlns:a16="http://schemas.microsoft.com/office/drawing/2014/main" xmlns:p14="http://schemas.microsoft.com/office/powerpoint/2010/main" xmlns:a14="http://schemas.microsoft.com/office/drawing/2010/main" w="9525">
                   <a:solidFill>
                     <a:srgbClr val="000000"/>
                   </a:solidFill>
@@ -38933,7 +38985,7 @@
             </a:ln>
             <a:extLst>
               <a:ext uri="{91240B29-F687-4f45-9708-019B960494DF}">
-                <a14:hiddenLine xmlns:a14="http://schemas.microsoft.com/office/drawing/2010/main" xmlns:p14="http://schemas.microsoft.com/office/powerpoint/2010/main" xmlns:a16="http://schemas.microsoft.com/office/drawing/2014/main" xmlns="" w="9525">
+                <a14:hiddenLine xmlns="" xmlns:a16="http://schemas.microsoft.com/office/drawing/2014/main" xmlns:p14="http://schemas.microsoft.com/office/powerpoint/2010/main" xmlns:a14="http://schemas.microsoft.com/office/drawing/2010/main" w="9525">
                   <a:solidFill>
                     <a:srgbClr val="000000"/>
                   </a:solidFill>
@@ -39010,7 +39062,7 @@
             </a:ln>
             <a:extLst>
               <a:ext uri="{91240B29-F687-4f45-9708-019B960494DF}">
-                <a14:hiddenLine xmlns:a14="http://schemas.microsoft.com/office/drawing/2010/main" xmlns:p14="http://schemas.microsoft.com/office/powerpoint/2010/main" xmlns:a16="http://schemas.microsoft.com/office/drawing/2014/main" xmlns="" w="9525">
+                <a14:hiddenLine xmlns="" xmlns:a16="http://schemas.microsoft.com/office/drawing/2014/main" xmlns:p14="http://schemas.microsoft.com/office/powerpoint/2010/main" xmlns:a14="http://schemas.microsoft.com/office/drawing/2010/main" w="9525">
                   <a:solidFill>
                     <a:srgbClr val="000000"/>
                   </a:solidFill>
@@ -39135,7 +39187,7 @@
             </a:ln>
             <a:extLst>
               <a:ext uri="{91240B29-F687-4f45-9708-019B960494DF}">
-                <a14:hiddenLine xmlns:a14="http://schemas.microsoft.com/office/drawing/2010/main" xmlns:p14="http://schemas.microsoft.com/office/powerpoint/2010/main" xmlns:a16="http://schemas.microsoft.com/office/drawing/2014/main" xmlns="" w="9525">
+                <a14:hiddenLine xmlns="" xmlns:a16="http://schemas.microsoft.com/office/drawing/2014/main" xmlns:p14="http://schemas.microsoft.com/office/powerpoint/2010/main" xmlns:a14="http://schemas.microsoft.com/office/drawing/2010/main" w="9525">
                   <a:solidFill>
                     <a:srgbClr val="000000"/>
                   </a:solidFill>
@@ -39249,7 +39301,7 @@
             </a:ln>
             <a:extLst>
               <a:ext uri="{91240B29-F687-4f45-9708-019B960494DF}">
-                <a14:hiddenLine xmlns:a14="http://schemas.microsoft.com/office/drawing/2010/main" xmlns:p14="http://schemas.microsoft.com/office/powerpoint/2010/main" xmlns:a16="http://schemas.microsoft.com/office/drawing/2014/main" xmlns="" w="9525">
+                <a14:hiddenLine xmlns="" xmlns:a16="http://schemas.microsoft.com/office/drawing/2014/main" xmlns:p14="http://schemas.microsoft.com/office/powerpoint/2010/main" xmlns:a14="http://schemas.microsoft.com/office/drawing/2010/main" w="9525">
                   <a:solidFill>
                     <a:srgbClr val="000000"/>
                   </a:solidFill>
@@ -39326,7 +39378,7 @@
             </a:ln>
             <a:extLst>
               <a:ext uri="{91240B29-F687-4f45-9708-019B960494DF}">
-                <a14:hiddenLine xmlns:a14="http://schemas.microsoft.com/office/drawing/2010/main" xmlns:p14="http://schemas.microsoft.com/office/powerpoint/2010/main" xmlns:a16="http://schemas.microsoft.com/office/drawing/2014/main" xmlns="" w="9525">
+                <a14:hiddenLine xmlns="" xmlns:a16="http://schemas.microsoft.com/office/drawing/2014/main" xmlns:p14="http://schemas.microsoft.com/office/powerpoint/2010/main" xmlns:a14="http://schemas.microsoft.com/office/drawing/2010/main" w="9525">
                   <a:solidFill>
                     <a:srgbClr val="000000"/>
                   </a:solidFill>
@@ -39403,7 +39455,7 @@
             </a:ln>
             <a:extLst>
               <a:ext uri="{91240B29-F687-4f45-9708-019B960494DF}">
-                <a14:hiddenLine xmlns:a14="http://schemas.microsoft.com/office/drawing/2010/main" xmlns:p14="http://schemas.microsoft.com/office/powerpoint/2010/main" xmlns:a16="http://schemas.microsoft.com/office/drawing/2014/main" xmlns="" w="9525">
+                <a14:hiddenLine xmlns="" xmlns:a16="http://schemas.microsoft.com/office/drawing/2014/main" xmlns:p14="http://schemas.microsoft.com/office/powerpoint/2010/main" xmlns:a14="http://schemas.microsoft.com/office/drawing/2010/main" w="9525">
                   <a:solidFill>
                     <a:srgbClr val="000000"/>
                   </a:solidFill>
@@ -39508,7 +39560,7 @@
             </a:ln>
             <a:extLst>
               <a:ext uri="{91240B29-F687-4f45-9708-019B960494DF}">
-                <a14:hiddenLine xmlns:a14="http://schemas.microsoft.com/office/drawing/2010/main" xmlns:p14="http://schemas.microsoft.com/office/powerpoint/2010/main" xmlns:a16="http://schemas.microsoft.com/office/drawing/2014/main" xmlns="" w="9525">
+                <a14:hiddenLine xmlns="" xmlns:a16="http://schemas.microsoft.com/office/drawing/2014/main" xmlns:p14="http://schemas.microsoft.com/office/powerpoint/2010/main" xmlns:a14="http://schemas.microsoft.com/office/drawing/2010/main" w="9525">
                   <a:solidFill>
                     <a:srgbClr val="000000"/>
                   </a:solidFill>
@@ -39557,7 +39609,7 @@
             </a:ln>
             <a:extLst>
               <a:ext uri="{91240B29-F687-4f45-9708-019B960494DF}">
-                <a14:hiddenLine xmlns:a14="http://schemas.microsoft.com/office/drawing/2010/main" xmlns:p14="http://schemas.microsoft.com/office/powerpoint/2010/main" xmlns:a16="http://schemas.microsoft.com/office/drawing/2014/main" xmlns="" w="9525">
+                <a14:hiddenLine xmlns="" xmlns:a16="http://schemas.microsoft.com/office/drawing/2014/main" xmlns:p14="http://schemas.microsoft.com/office/powerpoint/2010/main" xmlns:a14="http://schemas.microsoft.com/office/drawing/2010/main" w="9525">
                   <a:solidFill>
                     <a:srgbClr val="000000"/>
                   </a:solidFill>
@@ -39637,7 +39689,7 @@
             </a:ln>
             <a:extLst>
               <a:ext uri="{91240B29-F687-4f45-9708-019B960494DF}">
-                <a14:hiddenLine xmlns:a14="http://schemas.microsoft.com/office/drawing/2010/main" xmlns:p14="http://schemas.microsoft.com/office/powerpoint/2010/main" xmlns:a16="http://schemas.microsoft.com/office/drawing/2014/main" xmlns="" w="9525">
+                <a14:hiddenLine xmlns="" xmlns:a16="http://schemas.microsoft.com/office/drawing/2014/main" xmlns:p14="http://schemas.microsoft.com/office/powerpoint/2010/main" xmlns:a14="http://schemas.microsoft.com/office/drawing/2010/main" w="9525">
                   <a:solidFill>
                     <a:srgbClr val="000000"/>
                   </a:solidFill>
@@ -39742,7 +39794,7 @@
             </a:ln>
             <a:extLst>
               <a:ext uri="{91240B29-F687-4f45-9708-019B960494DF}">
-                <a14:hiddenLine xmlns:a14="http://schemas.microsoft.com/office/drawing/2010/main" xmlns:p14="http://schemas.microsoft.com/office/powerpoint/2010/main" xmlns:a16="http://schemas.microsoft.com/office/drawing/2014/main" xmlns="" w="9525">
+                <a14:hiddenLine xmlns="" xmlns:a16="http://schemas.microsoft.com/office/drawing/2014/main" xmlns:p14="http://schemas.microsoft.com/office/powerpoint/2010/main" xmlns:a14="http://schemas.microsoft.com/office/drawing/2010/main" w="9525">
                   <a:solidFill>
                     <a:srgbClr val="000000"/>
                   </a:solidFill>
@@ -39819,7 +39871,7 @@
             </a:ln>
             <a:extLst>
               <a:ext uri="{91240B29-F687-4f45-9708-019B960494DF}">
-                <a14:hiddenLine xmlns:a14="http://schemas.microsoft.com/office/drawing/2010/main" xmlns:p14="http://schemas.microsoft.com/office/powerpoint/2010/main" xmlns:a16="http://schemas.microsoft.com/office/drawing/2014/main" xmlns="" w="9525">
+                <a14:hiddenLine xmlns="" xmlns:a16="http://schemas.microsoft.com/office/drawing/2014/main" xmlns:p14="http://schemas.microsoft.com/office/powerpoint/2010/main" xmlns:a14="http://schemas.microsoft.com/office/drawing/2010/main" w="9525">
                   <a:solidFill>
                     <a:srgbClr val="000000"/>
                   </a:solidFill>
@@ -39924,7 +39976,7 @@
             </a:ln>
             <a:extLst>
               <a:ext uri="{91240B29-F687-4f45-9708-019B960494DF}">
-                <a14:hiddenLine xmlns:a14="http://schemas.microsoft.com/office/drawing/2010/main" xmlns:p14="http://schemas.microsoft.com/office/powerpoint/2010/main" xmlns:a16="http://schemas.microsoft.com/office/drawing/2014/main" xmlns="" w="9525">
+                <a14:hiddenLine xmlns="" xmlns:a16="http://schemas.microsoft.com/office/drawing/2014/main" xmlns:p14="http://schemas.microsoft.com/office/powerpoint/2010/main" xmlns:a14="http://schemas.microsoft.com/office/drawing/2010/main" w="9525">
                   <a:solidFill>
                     <a:srgbClr val="000000"/>
                   </a:solidFill>
@@ -40004,7 +40056,7 @@
             </a:ln>
             <a:extLst>
               <a:ext uri="{91240B29-F687-4f45-9708-019B960494DF}">
-                <a14:hiddenLine xmlns:a14="http://schemas.microsoft.com/office/drawing/2010/main" xmlns:p14="http://schemas.microsoft.com/office/powerpoint/2010/main" xmlns:a16="http://schemas.microsoft.com/office/drawing/2014/main" xmlns="" w="9525">
+                <a14:hiddenLine xmlns="" xmlns:a16="http://schemas.microsoft.com/office/drawing/2014/main" xmlns:p14="http://schemas.microsoft.com/office/powerpoint/2010/main" xmlns:a14="http://schemas.microsoft.com/office/drawing/2010/main" w="9525">
                   <a:solidFill>
                     <a:srgbClr val="000000"/>
                   </a:solidFill>
@@ -40081,7 +40133,7 @@
             </a:ln>
             <a:extLst>
               <a:ext uri="{91240B29-F687-4f45-9708-019B960494DF}">
-                <a14:hiddenLine xmlns:a14="http://schemas.microsoft.com/office/drawing/2010/main" xmlns:p14="http://schemas.microsoft.com/office/powerpoint/2010/main" xmlns:a16="http://schemas.microsoft.com/office/drawing/2014/main" xmlns="" w="9525">
+                <a14:hiddenLine xmlns="" xmlns:a16="http://schemas.microsoft.com/office/drawing/2014/main" xmlns:p14="http://schemas.microsoft.com/office/powerpoint/2010/main" xmlns:a14="http://schemas.microsoft.com/office/drawing/2010/main" w="9525">
                   <a:solidFill>
                     <a:srgbClr val="000000"/>
                   </a:solidFill>
@@ -40186,7 +40238,7 @@
             </a:ln>
             <a:extLst>
               <a:ext uri="{91240B29-F687-4f45-9708-019B960494DF}">
-                <a14:hiddenLine xmlns:a14="http://schemas.microsoft.com/office/drawing/2010/main" xmlns:p14="http://schemas.microsoft.com/office/powerpoint/2010/main" xmlns:a16="http://schemas.microsoft.com/office/drawing/2014/main" xmlns="" w="9525">
+                <a14:hiddenLine xmlns="" xmlns:a16="http://schemas.microsoft.com/office/drawing/2014/main" xmlns:p14="http://schemas.microsoft.com/office/powerpoint/2010/main" xmlns:a14="http://schemas.microsoft.com/office/drawing/2010/main" w="9525">
                   <a:solidFill>
                     <a:srgbClr val="000000"/>
                   </a:solidFill>
@@ -40291,7 +40343,7 @@
             </a:ln>
             <a:extLst>
               <a:ext uri="{91240B29-F687-4f45-9708-019B960494DF}">
-                <a14:hiddenLine xmlns:a14="http://schemas.microsoft.com/office/drawing/2010/main" xmlns:p14="http://schemas.microsoft.com/office/powerpoint/2010/main" xmlns:a16="http://schemas.microsoft.com/office/drawing/2014/main" xmlns="" w="9525">
+                <a14:hiddenLine xmlns="" xmlns:a16="http://schemas.microsoft.com/office/drawing/2014/main" xmlns:p14="http://schemas.microsoft.com/office/powerpoint/2010/main" xmlns:a14="http://schemas.microsoft.com/office/drawing/2010/main" w="9525">
                   <a:solidFill>
                     <a:srgbClr val="000000"/>
                   </a:solidFill>
@@ -40371,7 +40423,7 @@
             </a:ln>
             <a:extLst>
               <a:ext uri="{91240B29-F687-4f45-9708-019B960494DF}">
-                <a14:hiddenLine xmlns:a14="http://schemas.microsoft.com/office/drawing/2010/main" xmlns:p14="http://schemas.microsoft.com/office/powerpoint/2010/main" xmlns:a16="http://schemas.microsoft.com/office/drawing/2014/main" xmlns="" w="9525">
+                <a14:hiddenLine xmlns="" xmlns:a16="http://schemas.microsoft.com/office/drawing/2014/main" xmlns:p14="http://schemas.microsoft.com/office/powerpoint/2010/main" xmlns:a14="http://schemas.microsoft.com/office/drawing/2010/main" w="9525">
                   <a:solidFill>
                     <a:srgbClr val="000000"/>
                   </a:solidFill>
@@ -40506,7 +40558,7 @@
             </a:ln>
             <a:extLst>
               <a:ext uri="{91240B29-F687-4f45-9708-019B960494DF}">
-                <a14:hiddenLine xmlns:a14="http://schemas.microsoft.com/office/drawing/2010/main" xmlns:p14="http://schemas.microsoft.com/office/powerpoint/2010/main" xmlns:a16="http://schemas.microsoft.com/office/drawing/2014/main" xmlns="" w="9525">
+                <a14:hiddenLine xmlns="" xmlns:a16="http://schemas.microsoft.com/office/drawing/2014/main" xmlns:p14="http://schemas.microsoft.com/office/powerpoint/2010/main" xmlns:a14="http://schemas.microsoft.com/office/drawing/2010/main" w="9525">
                   <a:solidFill>
                     <a:srgbClr val="000000"/>
                   </a:solidFill>
@@ -40847,7 +40899,7 @@
             </a:ln>
             <a:extLst>
               <a:ext uri="{91240B29-F687-4f45-9708-019B960494DF}">
-                <a14:hiddenLine xmlns:a14="http://schemas.microsoft.com/office/drawing/2010/main" xmlns:p14="http://schemas.microsoft.com/office/powerpoint/2010/main" xmlns:a16="http://schemas.microsoft.com/office/drawing/2014/main" xmlns="" w="9525">
+                <a14:hiddenLine xmlns="" xmlns:a16="http://schemas.microsoft.com/office/drawing/2014/main" xmlns:p14="http://schemas.microsoft.com/office/powerpoint/2010/main" xmlns:a14="http://schemas.microsoft.com/office/drawing/2010/main" w="9525">
                   <a:solidFill>
                     <a:srgbClr val="000000"/>
                   </a:solidFill>
@@ -40977,7 +41029,7 @@
             </a:ln>
             <a:extLst>
               <a:ext uri="{91240B29-F687-4f45-9708-019B960494DF}">
-                <a14:hiddenLine xmlns:a14="http://schemas.microsoft.com/office/drawing/2010/main" xmlns:p14="http://schemas.microsoft.com/office/powerpoint/2010/main" xmlns:a16="http://schemas.microsoft.com/office/drawing/2014/main" xmlns="" w="9525">
+                <a14:hiddenLine xmlns="" xmlns:a16="http://schemas.microsoft.com/office/drawing/2014/main" xmlns:p14="http://schemas.microsoft.com/office/powerpoint/2010/main" xmlns:a14="http://schemas.microsoft.com/office/drawing/2010/main" w="9525">
                   <a:solidFill>
                     <a:srgbClr val="000000"/>
                   </a:solidFill>
@@ -41082,7 +41134,7 @@
             </a:ln>
             <a:extLst>
               <a:ext uri="{91240B29-F687-4f45-9708-019B960494DF}">
-                <a14:hiddenLine xmlns:a14="http://schemas.microsoft.com/office/drawing/2010/main" xmlns:p14="http://schemas.microsoft.com/office/powerpoint/2010/main" xmlns:a16="http://schemas.microsoft.com/office/drawing/2014/main" xmlns="" w="9525">
+                <a14:hiddenLine xmlns="" xmlns:a16="http://schemas.microsoft.com/office/drawing/2014/main" xmlns:p14="http://schemas.microsoft.com/office/powerpoint/2010/main" xmlns:a14="http://schemas.microsoft.com/office/drawing/2010/main" w="9525">
                   <a:solidFill>
                     <a:srgbClr val="000000"/>
                   </a:solidFill>
@@ -41162,7 +41214,7 @@
             </a:ln>
             <a:extLst>
               <a:ext uri="{91240B29-F687-4f45-9708-019B960494DF}">
-                <a14:hiddenLine xmlns:a14="http://schemas.microsoft.com/office/drawing/2010/main" xmlns:p14="http://schemas.microsoft.com/office/powerpoint/2010/main" xmlns:a16="http://schemas.microsoft.com/office/drawing/2014/main" xmlns="" w="9525">
+                <a14:hiddenLine xmlns="" xmlns:a16="http://schemas.microsoft.com/office/drawing/2014/main" xmlns:p14="http://schemas.microsoft.com/office/powerpoint/2010/main" xmlns:a14="http://schemas.microsoft.com/office/drawing/2010/main" w="9525">
                   <a:solidFill>
                     <a:srgbClr val="000000"/>
                   </a:solidFill>
@@ -41267,7 +41319,7 @@
             </a:ln>
             <a:extLst>
               <a:ext uri="{91240B29-F687-4f45-9708-019B960494DF}">
-                <a14:hiddenLine xmlns:a14="http://schemas.microsoft.com/office/drawing/2010/main" xmlns:p14="http://schemas.microsoft.com/office/powerpoint/2010/main" xmlns:a16="http://schemas.microsoft.com/office/drawing/2014/main" xmlns="" w="9525">
+                <a14:hiddenLine xmlns="" xmlns:a16="http://schemas.microsoft.com/office/drawing/2014/main" xmlns:p14="http://schemas.microsoft.com/office/powerpoint/2010/main" xmlns:a14="http://schemas.microsoft.com/office/drawing/2010/main" w="9525">
                   <a:solidFill>
                     <a:srgbClr val="000000"/>
                   </a:solidFill>
@@ -41350,7 +41402,7 @@
             </a:ln>
             <a:extLst>
               <a:ext uri="{91240B29-F687-4f45-9708-019B960494DF}">
-                <a14:hiddenLine xmlns:a14="http://schemas.microsoft.com/office/drawing/2010/main" xmlns:p14="http://schemas.microsoft.com/office/powerpoint/2010/main" xmlns:a16="http://schemas.microsoft.com/office/drawing/2014/main" xmlns="" w="9525">
+                <a14:hiddenLine xmlns="" xmlns:a16="http://schemas.microsoft.com/office/drawing/2014/main" xmlns:p14="http://schemas.microsoft.com/office/powerpoint/2010/main" xmlns:a14="http://schemas.microsoft.com/office/drawing/2010/main" w="9525">
                   <a:solidFill>
                     <a:srgbClr val="000000"/>
                   </a:solidFill>
@@ -41455,7 +41507,7 @@
             </a:ln>
             <a:extLst>
               <a:ext uri="{91240B29-F687-4f45-9708-019B960494DF}">
-                <a14:hiddenLine xmlns:a14="http://schemas.microsoft.com/office/drawing/2010/main" xmlns:p14="http://schemas.microsoft.com/office/powerpoint/2010/main" xmlns:a16="http://schemas.microsoft.com/office/drawing/2014/main" xmlns="" w="9525">
+                <a14:hiddenLine xmlns="" xmlns:a16="http://schemas.microsoft.com/office/drawing/2014/main" xmlns:p14="http://schemas.microsoft.com/office/powerpoint/2010/main" xmlns:a14="http://schemas.microsoft.com/office/drawing/2010/main" w="9525">
                   <a:solidFill>
                     <a:srgbClr val="000000"/>
                   </a:solidFill>
@@ -41538,7 +41590,7 @@
             </a:ln>
             <a:extLst>
               <a:ext uri="{91240B29-F687-4f45-9708-019B960494DF}">
-                <a14:hiddenLine xmlns:a14="http://schemas.microsoft.com/office/drawing/2010/main" xmlns:p14="http://schemas.microsoft.com/office/powerpoint/2010/main" xmlns:a16="http://schemas.microsoft.com/office/drawing/2014/main" xmlns="" w="9525">
+                <a14:hiddenLine xmlns="" xmlns:a16="http://schemas.microsoft.com/office/drawing/2014/main" xmlns:p14="http://schemas.microsoft.com/office/powerpoint/2010/main" xmlns:a14="http://schemas.microsoft.com/office/drawing/2010/main" w="9525">
                   <a:solidFill>
                     <a:srgbClr val="000000"/>
                   </a:solidFill>
@@ -41643,7 +41695,7 @@
             </a:ln>
             <a:extLst>
               <a:ext uri="{91240B29-F687-4f45-9708-019B960494DF}">
-                <a14:hiddenLine xmlns:a14="http://schemas.microsoft.com/office/drawing/2010/main" xmlns:p14="http://schemas.microsoft.com/office/powerpoint/2010/main" xmlns:a16="http://schemas.microsoft.com/office/drawing/2014/main" xmlns="" w="9525">
+                <a14:hiddenLine xmlns="" xmlns:a16="http://schemas.microsoft.com/office/drawing/2014/main" xmlns:p14="http://schemas.microsoft.com/office/powerpoint/2010/main" xmlns:a14="http://schemas.microsoft.com/office/drawing/2010/main" w="9525">
                   <a:solidFill>
                     <a:srgbClr val="000000"/>
                   </a:solidFill>
@@ -41692,7 +41744,7 @@
             </a:ln>
             <a:extLst>
               <a:ext uri="{91240B29-F687-4f45-9708-019B960494DF}">
-                <a14:hiddenLine xmlns:a14="http://schemas.microsoft.com/office/drawing/2010/main" xmlns:p14="http://schemas.microsoft.com/office/powerpoint/2010/main" xmlns:a16="http://schemas.microsoft.com/office/drawing/2014/main" xmlns="" w="9525">
+                <a14:hiddenLine xmlns="" xmlns:a16="http://schemas.microsoft.com/office/drawing/2014/main" xmlns:p14="http://schemas.microsoft.com/office/powerpoint/2010/main" xmlns:a14="http://schemas.microsoft.com/office/drawing/2010/main" w="9525">
                   <a:solidFill>
                     <a:srgbClr val="000000"/>
                   </a:solidFill>
